--- a/Knowledge/KnowledgeDiagrams.pptx
+++ b/Knowledge/KnowledgeDiagrams.pptx
@@ -9,9 +9,14 @@
     <p:sldId id="258" r:id="rId3"/>
     <p:sldId id="263" r:id="rId4"/>
     <p:sldId id="262" r:id="rId5"/>
-    <p:sldId id="259" r:id="rId6"/>
-    <p:sldId id="260" r:id="rId7"/>
-    <p:sldId id="261" r:id="rId8"/>
+    <p:sldId id="260" r:id="rId6"/>
+    <p:sldId id="261" r:id="rId7"/>
+    <p:sldId id="259" r:id="rId8"/>
+    <p:sldId id="264" r:id="rId9"/>
+    <p:sldId id="266" r:id="rId10"/>
+    <p:sldId id="267" r:id="rId11"/>
+    <p:sldId id="268" r:id="rId12"/>
+    <p:sldId id="265" r:id="rId13"/>
   </p:sldIdLst>
   <p:sldSz cx="9144000" cy="6858000" type="screen4x3"/>
   <p:notesSz cx="6858000" cy="9144000"/>
@@ -294,7 +299,7 @@
           <a:p>
             <a:fld id="{93D62341-2080-8F4F-9CD3-033C4B2CF79E}" type="datetimeFigureOut">
               <a:rPr lang="en-US" smtClean="0"/>
-              <a:t>9/26/21</a:t>
+              <a:t>10/18/21</a:t>
             </a:fld>
             <a:endParaRPr lang="en-US"/>
           </a:p>
@@ -464,7 +469,7 @@
           <a:p>
             <a:fld id="{93D62341-2080-8F4F-9CD3-033C4B2CF79E}" type="datetimeFigureOut">
               <a:rPr lang="en-US" smtClean="0"/>
-              <a:t>9/26/21</a:t>
+              <a:t>10/18/21</a:t>
             </a:fld>
             <a:endParaRPr lang="en-US"/>
           </a:p>
@@ -644,7 +649,7 @@
           <a:p>
             <a:fld id="{93D62341-2080-8F4F-9CD3-033C4B2CF79E}" type="datetimeFigureOut">
               <a:rPr lang="en-US" smtClean="0"/>
-              <a:t>9/26/21</a:t>
+              <a:t>10/18/21</a:t>
             </a:fld>
             <a:endParaRPr lang="en-US"/>
           </a:p>
@@ -814,7 +819,7 @@
           <a:p>
             <a:fld id="{93D62341-2080-8F4F-9CD3-033C4B2CF79E}" type="datetimeFigureOut">
               <a:rPr lang="en-US" smtClean="0"/>
-              <a:t>9/26/21</a:t>
+              <a:t>10/18/21</a:t>
             </a:fld>
             <a:endParaRPr lang="en-US"/>
           </a:p>
@@ -1060,7 +1065,7 @@
           <a:p>
             <a:fld id="{93D62341-2080-8F4F-9CD3-033C4B2CF79E}" type="datetimeFigureOut">
               <a:rPr lang="en-US" smtClean="0"/>
-              <a:t>9/26/21</a:t>
+              <a:t>10/18/21</a:t>
             </a:fld>
             <a:endParaRPr lang="en-US"/>
           </a:p>
@@ -1348,7 +1353,7 @@
           <a:p>
             <a:fld id="{93D62341-2080-8F4F-9CD3-033C4B2CF79E}" type="datetimeFigureOut">
               <a:rPr lang="en-US" smtClean="0"/>
-              <a:t>9/26/21</a:t>
+              <a:t>10/18/21</a:t>
             </a:fld>
             <a:endParaRPr lang="en-US"/>
           </a:p>
@@ -1770,7 +1775,7 @@
           <a:p>
             <a:fld id="{93D62341-2080-8F4F-9CD3-033C4B2CF79E}" type="datetimeFigureOut">
               <a:rPr lang="en-US" smtClean="0"/>
-              <a:t>9/26/21</a:t>
+              <a:t>10/18/21</a:t>
             </a:fld>
             <a:endParaRPr lang="en-US"/>
           </a:p>
@@ -1888,7 +1893,7 @@
           <a:p>
             <a:fld id="{93D62341-2080-8F4F-9CD3-033C4B2CF79E}" type="datetimeFigureOut">
               <a:rPr lang="en-US" smtClean="0"/>
-              <a:t>9/26/21</a:t>
+              <a:t>10/18/21</a:t>
             </a:fld>
             <a:endParaRPr lang="en-US"/>
           </a:p>
@@ -1983,7 +1988,7 @@
           <a:p>
             <a:fld id="{93D62341-2080-8F4F-9CD3-033C4B2CF79E}" type="datetimeFigureOut">
               <a:rPr lang="en-US" smtClean="0"/>
-              <a:t>9/26/21</a:t>
+              <a:t>10/18/21</a:t>
             </a:fld>
             <a:endParaRPr lang="en-US"/>
           </a:p>
@@ -2260,7 +2265,7 @@
           <a:p>
             <a:fld id="{93D62341-2080-8F4F-9CD3-033C4B2CF79E}" type="datetimeFigureOut">
               <a:rPr lang="en-US" smtClean="0"/>
-              <a:t>9/26/21</a:t>
+              <a:t>10/18/21</a:t>
             </a:fld>
             <a:endParaRPr lang="en-US"/>
           </a:p>
@@ -2513,7 +2518,7 @@
           <a:p>
             <a:fld id="{93D62341-2080-8F4F-9CD3-033C4B2CF79E}" type="datetimeFigureOut">
               <a:rPr lang="en-US" smtClean="0"/>
-              <a:t>9/26/21</a:t>
+              <a:t>10/18/21</a:t>
             </a:fld>
             <a:endParaRPr lang="en-US"/>
           </a:p>
@@ -2726,7 +2731,7 @@
           <a:p>
             <a:fld id="{93D62341-2080-8F4F-9CD3-033C4B2CF79E}" type="datetimeFigureOut">
               <a:rPr lang="en-US" smtClean="0"/>
-              <a:t>9/26/21</a:t>
+              <a:t>10/18/21</a:t>
             </a:fld>
             <a:endParaRPr lang="en-US"/>
           </a:p>
@@ -4131,6 +4136,2897 @@
     <p:extLst>
       <p:ext uri="{BB962C8B-B14F-4D97-AF65-F5344CB8AC3E}">
         <p14:creationId xmlns:p14="http://schemas.microsoft.com/office/powerpoint/2010/main" val="1279899735"/>
+      </p:ext>
+    </p:extLst>
+  </p:cSld>
+  <p:clrMapOvr>
+    <a:masterClrMapping/>
+  </p:clrMapOvr>
+  <p:timing>
+    <p:tnLst>
+      <p:par>
+        <p:cTn xmlns:p14="http://schemas.microsoft.com/office/powerpoint/2010/main" id="1" dur="indefinite" restart="never" nodeType="tmRoot"/>
+      </p:par>
+    </p:tnLst>
+  </p:timing>
+</p:sld>
+</file>
+
+<file path=ppt/slides/slide10.xml><?xml version="1.0" encoding="utf-8"?>
+<p:sld xmlns:a="http://schemas.openxmlformats.org/drawingml/2006/main" xmlns:r="http://schemas.openxmlformats.org/officeDocument/2006/relationships" xmlns:p="http://schemas.openxmlformats.org/presentationml/2006/main">
+  <p:cSld>
+    <p:spTree>
+      <p:nvGrpSpPr>
+        <p:cNvPr id="1" name=""/>
+        <p:cNvGrpSpPr/>
+        <p:nvPr/>
+      </p:nvGrpSpPr>
+      <p:grpSpPr>
+        <a:xfrm>
+          <a:off x="0" y="0"/>
+          <a:ext cx="0" cy="0"/>
+          <a:chOff x="0" y="0"/>
+          <a:chExt cx="0" cy="0"/>
+        </a:xfrm>
+      </p:grpSpPr>
+      <p:cxnSp>
+        <p:nvCxnSpPr>
+          <p:cNvPr id="4" name="Straight Arrow Connector 3"/>
+          <p:cNvCxnSpPr/>
+          <p:nvPr/>
+        </p:nvCxnSpPr>
+        <p:spPr>
+          <a:xfrm flipV="1">
+            <a:off x="394942" y="993851"/>
+            <a:ext cx="7655026" cy="24774"/>
+          </a:xfrm>
+          <a:prstGeom prst="straightConnector1">
+            <a:avLst/>
+          </a:prstGeom>
+          <a:ln w="76200" cmpd="sng">
+            <a:tailEnd type="arrow"/>
+          </a:ln>
+        </p:spPr>
+        <p:style>
+          <a:lnRef idx="2">
+            <a:schemeClr val="accent1"/>
+          </a:lnRef>
+          <a:fillRef idx="0">
+            <a:schemeClr val="accent1"/>
+          </a:fillRef>
+          <a:effectRef idx="1">
+            <a:schemeClr val="accent1"/>
+          </a:effectRef>
+          <a:fontRef idx="minor">
+            <a:schemeClr val="tx1"/>
+          </a:fontRef>
+        </p:style>
+      </p:cxnSp>
+      <p:cxnSp>
+        <p:nvCxnSpPr>
+          <p:cNvPr id="6" name="Straight Arrow Connector 5"/>
+          <p:cNvCxnSpPr/>
+          <p:nvPr/>
+        </p:nvCxnSpPr>
+        <p:spPr>
+          <a:xfrm flipV="1">
+            <a:off x="394942" y="2000738"/>
+            <a:ext cx="7655026" cy="24774"/>
+          </a:xfrm>
+          <a:prstGeom prst="straightConnector1">
+            <a:avLst/>
+          </a:prstGeom>
+          <a:ln w="76200" cmpd="sng">
+            <a:tailEnd type="arrow"/>
+          </a:ln>
+        </p:spPr>
+        <p:style>
+          <a:lnRef idx="2">
+            <a:schemeClr val="accent1"/>
+          </a:lnRef>
+          <a:fillRef idx="0">
+            <a:schemeClr val="accent1"/>
+          </a:fillRef>
+          <a:effectRef idx="1">
+            <a:schemeClr val="accent1"/>
+          </a:effectRef>
+          <a:fontRef idx="minor">
+            <a:schemeClr val="tx1"/>
+          </a:fontRef>
+        </p:style>
+      </p:cxnSp>
+      <p:sp>
+        <p:nvSpPr>
+          <p:cNvPr id="22" name="TextBox 21"/>
+          <p:cNvSpPr txBox="1"/>
+          <p:nvPr/>
+        </p:nvSpPr>
+        <p:spPr>
+          <a:xfrm>
+            <a:off x="7207307" y="409075"/>
+            <a:ext cx="433332" cy="584776"/>
+          </a:xfrm>
+          <a:prstGeom prst="rect">
+            <a:avLst/>
+          </a:prstGeom>
+          <a:noFill/>
+        </p:spPr>
+        <p:txBody>
+          <a:bodyPr wrap="none" rtlCol="0">
+            <a:spAutoFit/>
+          </a:bodyPr>
+          <a:lstStyle/>
+          <a:p>
+            <a:r>
+              <a:rPr lang="en-US" sz="3200" b="1" dirty="0" smtClean="0"/>
+              <a:t>A</a:t>
+            </a:r>
+            <a:endParaRPr lang="en-US" sz="3200" b="1" dirty="0"/>
+          </a:p>
+        </p:txBody>
+      </p:sp>
+      <p:sp>
+        <p:nvSpPr>
+          <p:cNvPr id="23" name="TextBox 22"/>
+          <p:cNvSpPr txBox="1"/>
+          <p:nvPr/>
+        </p:nvSpPr>
+        <p:spPr>
+          <a:xfrm>
+            <a:off x="7280888" y="1446144"/>
+            <a:ext cx="414697" cy="584776"/>
+          </a:xfrm>
+          <a:prstGeom prst="rect">
+            <a:avLst/>
+          </a:prstGeom>
+          <a:noFill/>
+        </p:spPr>
+        <p:txBody>
+          <a:bodyPr wrap="none" rtlCol="0">
+            <a:spAutoFit/>
+          </a:bodyPr>
+          <a:lstStyle/>
+          <a:p>
+            <a:r>
+              <a:rPr lang="en-US" sz="3200" b="1" dirty="0"/>
+              <a:t>B</a:t>
+            </a:r>
+          </a:p>
+        </p:txBody>
+      </p:sp>
+      <p:cxnSp>
+        <p:nvCxnSpPr>
+          <p:cNvPr id="14" name="Straight Connector 13"/>
+          <p:cNvCxnSpPr>
+            <a:stCxn id="96" idx="3"/>
+          </p:cNvCxnSpPr>
+          <p:nvPr/>
+        </p:nvCxnSpPr>
+        <p:spPr>
+          <a:xfrm flipH="1">
+            <a:off x="3362346" y="409075"/>
+            <a:ext cx="6293" cy="2986469"/>
+          </a:xfrm>
+          <a:prstGeom prst="line">
+            <a:avLst/>
+          </a:prstGeom>
+          <a:ln w="76200" cmpd="sng">
+            <a:solidFill>
+              <a:srgbClr val="660066"/>
+            </a:solidFill>
+          </a:ln>
+        </p:spPr>
+        <p:style>
+          <a:lnRef idx="2">
+            <a:schemeClr val="accent1"/>
+          </a:lnRef>
+          <a:fillRef idx="0">
+            <a:schemeClr val="accent1"/>
+          </a:fillRef>
+          <a:effectRef idx="1">
+            <a:schemeClr val="accent1"/>
+          </a:effectRef>
+          <a:fontRef idx="minor">
+            <a:schemeClr val="tx1"/>
+          </a:fontRef>
+        </p:style>
+      </p:cxnSp>
+      <p:sp>
+        <p:nvSpPr>
+          <p:cNvPr id="94" name="TextBox 93"/>
+          <p:cNvSpPr txBox="1"/>
+          <p:nvPr/>
+        </p:nvSpPr>
+        <p:spPr>
+          <a:xfrm>
+            <a:off x="7216635" y="2500746"/>
+            <a:ext cx="401873" cy="584776"/>
+          </a:xfrm>
+          <a:prstGeom prst="rect">
+            <a:avLst/>
+          </a:prstGeom>
+          <a:noFill/>
+        </p:spPr>
+        <p:txBody>
+          <a:bodyPr wrap="none" rtlCol="0">
+            <a:spAutoFit/>
+          </a:bodyPr>
+          <a:lstStyle/>
+          <a:p>
+            <a:r>
+              <a:rPr lang="en-US" sz="3200" b="1" dirty="0" smtClean="0"/>
+              <a:t>C</a:t>
+            </a:r>
+            <a:endParaRPr lang="en-US" sz="3200" b="1" dirty="0"/>
+          </a:p>
+        </p:txBody>
+      </p:sp>
+      <p:sp>
+        <p:nvSpPr>
+          <p:cNvPr id="96" name="TextBox 95"/>
+          <p:cNvSpPr txBox="1"/>
+          <p:nvPr/>
+        </p:nvSpPr>
+        <p:spPr>
+          <a:xfrm>
+            <a:off x="2978789" y="116687"/>
+            <a:ext cx="389850" cy="584776"/>
+          </a:xfrm>
+          <a:prstGeom prst="rect">
+            <a:avLst/>
+          </a:prstGeom>
+          <a:noFill/>
+        </p:spPr>
+        <p:txBody>
+          <a:bodyPr wrap="none" rtlCol="0">
+            <a:spAutoFit/>
+          </a:bodyPr>
+          <a:lstStyle/>
+          <a:p>
+            <a:r>
+              <a:rPr lang="en-US" sz="3200" b="1" dirty="0" smtClean="0">
+                <a:solidFill>
+                  <a:srgbClr val="660066"/>
+                </a:solidFill>
+              </a:rPr>
+              <a:t>T</a:t>
+            </a:r>
+            <a:endParaRPr lang="en-US" sz="3200" b="1" dirty="0">
+              <a:solidFill>
+                <a:srgbClr val="660066"/>
+              </a:solidFill>
+            </a:endParaRPr>
+          </a:p>
+        </p:txBody>
+      </p:sp>
+      <p:sp>
+        <p:nvSpPr>
+          <p:cNvPr id="46" name="TextBox 45"/>
+          <p:cNvSpPr txBox="1"/>
+          <p:nvPr/>
+        </p:nvSpPr>
+        <p:spPr>
+          <a:xfrm>
+            <a:off x="5957571" y="116687"/>
+            <a:ext cx="493645" cy="584776"/>
+          </a:xfrm>
+          <a:prstGeom prst="rect">
+            <a:avLst/>
+          </a:prstGeom>
+          <a:noFill/>
+        </p:spPr>
+        <p:txBody>
+          <a:bodyPr wrap="none" rtlCol="0">
+            <a:spAutoFit/>
+          </a:bodyPr>
+          <a:lstStyle/>
+          <a:p>
+            <a:r>
+              <a:rPr lang="en-US" sz="3200" b="1" dirty="0" smtClean="0">
+                <a:solidFill>
+                  <a:srgbClr val="660066"/>
+                </a:solidFill>
+              </a:rPr>
+              <a:t>T’</a:t>
+            </a:r>
+            <a:endParaRPr lang="en-US" sz="3200" b="1" dirty="0">
+              <a:solidFill>
+                <a:srgbClr val="660066"/>
+              </a:solidFill>
+            </a:endParaRPr>
+          </a:p>
+        </p:txBody>
+      </p:sp>
+      <p:cxnSp>
+        <p:nvCxnSpPr>
+          <p:cNvPr id="43" name="Straight Arrow Connector 42"/>
+          <p:cNvCxnSpPr/>
+          <p:nvPr/>
+        </p:nvCxnSpPr>
+        <p:spPr>
+          <a:xfrm flipV="1">
+            <a:off x="394942" y="3057659"/>
+            <a:ext cx="7655026" cy="24774"/>
+          </a:xfrm>
+          <a:prstGeom prst="straightConnector1">
+            <a:avLst/>
+          </a:prstGeom>
+          <a:ln w="76200" cmpd="sng">
+            <a:tailEnd type="arrow"/>
+          </a:ln>
+        </p:spPr>
+        <p:style>
+          <a:lnRef idx="2">
+            <a:schemeClr val="accent1"/>
+          </a:lnRef>
+          <a:fillRef idx="0">
+            <a:schemeClr val="accent1"/>
+          </a:fillRef>
+          <a:effectRef idx="1">
+            <a:schemeClr val="accent1"/>
+          </a:effectRef>
+          <a:fontRef idx="minor">
+            <a:schemeClr val="tx1"/>
+          </a:fontRef>
+        </p:style>
+      </p:cxnSp>
+      <p:sp>
+        <p:nvSpPr>
+          <p:cNvPr id="2" name="TextBox 1"/>
+          <p:cNvSpPr txBox="1"/>
+          <p:nvPr/>
+        </p:nvSpPr>
+        <p:spPr>
+          <a:xfrm>
+            <a:off x="485600" y="4192664"/>
+            <a:ext cx="3531736" cy="584776"/>
+          </a:xfrm>
+          <a:prstGeom prst="rect">
+            <a:avLst/>
+          </a:prstGeom>
+          <a:noFill/>
+        </p:spPr>
+        <p:txBody>
+          <a:bodyPr wrap="none" rtlCol="0">
+            <a:spAutoFit/>
+          </a:bodyPr>
+          <a:lstStyle/>
+          <a:p>
+            <a:r>
+              <a:rPr lang="en-US" sz="3200" b="1" dirty="0" smtClean="0"/>
+              <a:t>C holds a token at T</a:t>
+            </a:r>
+            <a:endParaRPr lang="en-US" sz="3200" b="1" dirty="0"/>
+          </a:p>
+        </p:txBody>
+      </p:sp>
+      <p:cxnSp>
+        <p:nvCxnSpPr>
+          <p:cNvPr id="5" name="Straight Arrow Connector 4"/>
+          <p:cNvCxnSpPr/>
+          <p:nvPr/>
+        </p:nvCxnSpPr>
+        <p:spPr>
+          <a:xfrm flipV="1">
+            <a:off x="3362345" y="3395544"/>
+            <a:ext cx="0" cy="797120"/>
+          </a:xfrm>
+          <a:prstGeom prst="straightConnector1">
+            <a:avLst/>
+          </a:prstGeom>
+          <a:ln>
+            <a:tailEnd type="arrow"/>
+          </a:ln>
+        </p:spPr>
+        <p:style>
+          <a:lnRef idx="2">
+            <a:schemeClr val="accent1"/>
+          </a:lnRef>
+          <a:fillRef idx="0">
+            <a:schemeClr val="accent1"/>
+          </a:fillRef>
+          <a:effectRef idx="1">
+            <a:schemeClr val="accent1"/>
+          </a:effectRef>
+          <a:fontRef idx="minor">
+            <a:schemeClr val="tx1"/>
+          </a:fontRef>
+        </p:style>
+      </p:cxnSp>
+      <p:sp>
+        <p:nvSpPr>
+          <p:cNvPr id="47" name="TextBox 46"/>
+          <p:cNvSpPr txBox="1"/>
+          <p:nvPr/>
+        </p:nvSpPr>
+        <p:spPr>
+          <a:xfrm>
+            <a:off x="3368639" y="5037941"/>
+            <a:ext cx="5414062" cy="584776"/>
+          </a:xfrm>
+          <a:prstGeom prst="rect">
+            <a:avLst/>
+          </a:prstGeom>
+          <a:noFill/>
+        </p:spPr>
+        <p:txBody>
+          <a:bodyPr wrap="none" rtlCol="0">
+            <a:spAutoFit/>
+          </a:bodyPr>
+          <a:lstStyle/>
+          <a:p>
+            <a:r>
+              <a:rPr lang="en-US" sz="3200" b="1" dirty="0" smtClean="0"/>
+              <a:t>A knows C holds no token at T’</a:t>
+            </a:r>
+            <a:endParaRPr lang="en-US" sz="3200" b="1" dirty="0"/>
+          </a:p>
+        </p:txBody>
+      </p:sp>
+      <p:cxnSp>
+        <p:nvCxnSpPr>
+          <p:cNvPr id="8" name="Straight Arrow Connector 7"/>
+          <p:cNvCxnSpPr>
+            <a:stCxn id="47" idx="0"/>
+          </p:cNvCxnSpPr>
+          <p:nvPr/>
+        </p:nvCxnSpPr>
+        <p:spPr>
+          <a:xfrm flipV="1">
+            <a:off x="6075670" y="3395545"/>
+            <a:ext cx="369254" cy="1642396"/>
+          </a:xfrm>
+          <a:prstGeom prst="straightConnector1">
+            <a:avLst/>
+          </a:prstGeom>
+          <a:ln>
+            <a:tailEnd type="arrow"/>
+          </a:ln>
+        </p:spPr>
+        <p:style>
+          <a:lnRef idx="2">
+            <a:schemeClr val="accent1"/>
+          </a:lnRef>
+          <a:fillRef idx="0">
+            <a:schemeClr val="accent1"/>
+          </a:fillRef>
+          <a:effectRef idx="1">
+            <a:schemeClr val="accent1"/>
+          </a:effectRef>
+          <a:fontRef idx="minor">
+            <a:schemeClr val="tx1"/>
+          </a:fontRef>
+        </p:style>
+      </p:cxnSp>
+      <p:sp>
+        <p:nvSpPr>
+          <p:cNvPr id="50" name="TextBox 49"/>
+          <p:cNvSpPr txBox="1"/>
+          <p:nvPr/>
+        </p:nvSpPr>
+        <p:spPr>
+          <a:xfrm>
+            <a:off x="399885" y="5990907"/>
+            <a:ext cx="8306130" cy="707886"/>
+          </a:xfrm>
+          <a:prstGeom prst="rect">
+            <a:avLst/>
+          </a:prstGeom>
+          <a:solidFill>
+            <a:srgbClr val="FFFF00"/>
+          </a:solidFill>
+        </p:spPr>
+        <p:txBody>
+          <a:bodyPr wrap="none" rtlCol="0">
+            <a:spAutoFit/>
+          </a:bodyPr>
+          <a:lstStyle/>
+          <a:p>
+            <a:r>
+              <a:rPr lang="en-US" sz="4000" b="1" dirty="0" smtClean="0"/>
+              <a:t>What must happen between T and T’?</a:t>
+            </a:r>
+            <a:endParaRPr lang="en-US" sz="4000" b="1" dirty="0"/>
+          </a:p>
+        </p:txBody>
+      </p:sp>
+      <p:cxnSp>
+        <p:nvCxnSpPr>
+          <p:cNvPr id="52" name="Straight Connector 51"/>
+          <p:cNvCxnSpPr/>
+          <p:nvPr/>
+        </p:nvCxnSpPr>
+        <p:spPr>
+          <a:xfrm flipH="1">
+            <a:off x="6444923" y="409075"/>
+            <a:ext cx="6293" cy="2986469"/>
+          </a:xfrm>
+          <a:prstGeom prst="line">
+            <a:avLst/>
+          </a:prstGeom>
+          <a:ln w="76200" cmpd="sng">
+            <a:solidFill>
+              <a:srgbClr val="660066"/>
+            </a:solidFill>
+          </a:ln>
+        </p:spPr>
+        <p:style>
+          <a:lnRef idx="2">
+            <a:schemeClr val="accent1"/>
+          </a:lnRef>
+          <a:fillRef idx="0">
+            <a:schemeClr val="accent1"/>
+          </a:fillRef>
+          <a:effectRef idx="1">
+            <a:schemeClr val="accent1"/>
+          </a:effectRef>
+          <a:fontRef idx="minor">
+            <a:schemeClr val="tx1"/>
+          </a:fontRef>
+        </p:style>
+      </p:cxnSp>
+    </p:spTree>
+    <p:extLst>
+      <p:ext uri="{BB962C8B-B14F-4D97-AF65-F5344CB8AC3E}">
+        <p14:creationId xmlns:p14="http://schemas.microsoft.com/office/powerpoint/2010/main" val="1967001278"/>
+      </p:ext>
+    </p:extLst>
+  </p:cSld>
+  <p:clrMapOvr>
+    <a:masterClrMapping/>
+  </p:clrMapOvr>
+  <p:timing>
+    <p:tnLst>
+      <p:par>
+        <p:cTn xmlns:p14="http://schemas.microsoft.com/office/powerpoint/2010/main" id="1" dur="indefinite" restart="never" nodeType="tmRoot"/>
+      </p:par>
+    </p:tnLst>
+  </p:timing>
+</p:sld>
+</file>
+
+<file path=ppt/slides/slide11.xml><?xml version="1.0" encoding="utf-8"?>
+<p:sld xmlns:a="http://schemas.openxmlformats.org/drawingml/2006/main" xmlns:r="http://schemas.openxmlformats.org/officeDocument/2006/relationships" xmlns:p="http://schemas.openxmlformats.org/presentationml/2006/main">
+  <p:cSld>
+    <p:spTree>
+      <p:nvGrpSpPr>
+        <p:cNvPr id="1" name=""/>
+        <p:cNvGrpSpPr/>
+        <p:nvPr/>
+      </p:nvGrpSpPr>
+      <p:grpSpPr>
+        <a:xfrm>
+          <a:off x="0" y="0"/>
+          <a:ext cx="0" cy="0"/>
+          <a:chOff x="0" y="0"/>
+          <a:chExt cx="0" cy="0"/>
+        </a:xfrm>
+      </p:grpSpPr>
+      <p:cxnSp>
+        <p:nvCxnSpPr>
+          <p:cNvPr id="4" name="Straight Arrow Connector 3"/>
+          <p:cNvCxnSpPr/>
+          <p:nvPr/>
+        </p:nvCxnSpPr>
+        <p:spPr>
+          <a:xfrm flipV="1">
+            <a:off x="394942" y="993851"/>
+            <a:ext cx="7655026" cy="24774"/>
+          </a:xfrm>
+          <a:prstGeom prst="straightConnector1">
+            <a:avLst/>
+          </a:prstGeom>
+          <a:ln w="76200" cmpd="sng">
+            <a:tailEnd type="arrow"/>
+          </a:ln>
+        </p:spPr>
+        <p:style>
+          <a:lnRef idx="2">
+            <a:schemeClr val="accent1"/>
+          </a:lnRef>
+          <a:fillRef idx="0">
+            <a:schemeClr val="accent1"/>
+          </a:fillRef>
+          <a:effectRef idx="1">
+            <a:schemeClr val="accent1"/>
+          </a:effectRef>
+          <a:fontRef idx="minor">
+            <a:schemeClr val="tx1"/>
+          </a:fontRef>
+        </p:style>
+      </p:cxnSp>
+      <p:cxnSp>
+        <p:nvCxnSpPr>
+          <p:cNvPr id="6" name="Straight Arrow Connector 5"/>
+          <p:cNvCxnSpPr/>
+          <p:nvPr/>
+        </p:nvCxnSpPr>
+        <p:spPr>
+          <a:xfrm flipV="1">
+            <a:off x="394942" y="2000738"/>
+            <a:ext cx="7655026" cy="24774"/>
+          </a:xfrm>
+          <a:prstGeom prst="straightConnector1">
+            <a:avLst/>
+          </a:prstGeom>
+          <a:ln w="76200" cmpd="sng">
+            <a:tailEnd type="arrow"/>
+          </a:ln>
+        </p:spPr>
+        <p:style>
+          <a:lnRef idx="2">
+            <a:schemeClr val="accent1"/>
+          </a:lnRef>
+          <a:fillRef idx="0">
+            <a:schemeClr val="accent1"/>
+          </a:fillRef>
+          <a:effectRef idx="1">
+            <a:schemeClr val="accent1"/>
+          </a:effectRef>
+          <a:fontRef idx="minor">
+            <a:schemeClr val="tx1"/>
+          </a:fontRef>
+        </p:style>
+      </p:cxnSp>
+      <p:sp>
+        <p:nvSpPr>
+          <p:cNvPr id="22" name="TextBox 21"/>
+          <p:cNvSpPr txBox="1"/>
+          <p:nvPr/>
+        </p:nvSpPr>
+        <p:spPr>
+          <a:xfrm>
+            <a:off x="7207307" y="409075"/>
+            <a:ext cx="433332" cy="584776"/>
+          </a:xfrm>
+          <a:prstGeom prst="rect">
+            <a:avLst/>
+          </a:prstGeom>
+          <a:noFill/>
+        </p:spPr>
+        <p:txBody>
+          <a:bodyPr wrap="none" rtlCol="0">
+            <a:spAutoFit/>
+          </a:bodyPr>
+          <a:lstStyle/>
+          <a:p>
+            <a:r>
+              <a:rPr lang="en-US" sz="3200" b="1" dirty="0" smtClean="0"/>
+              <a:t>A</a:t>
+            </a:r>
+            <a:endParaRPr lang="en-US" sz="3200" b="1" dirty="0"/>
+          </a:p>
+        </p:txBody>
+      </p:sp>
+      <p:sp>
+        <p:nvSpPr>
+          <p:cNvPr id="23" name="TextBox 22"/>
+          <p:cNvSpPr txBox="1"/>
+          <p:nvPr/>
+        </p:nvSpPr>
+        <p:spPr>
+          <a:xfrm>
+            <a:off x="7280888" y="1446144"/>
+            <a:ext cx="414697" cy="584776"/>
+          </a:xfrm>
+          <a:prstGeom prst="rect">
+            <a:avLst/>
+          </a:prstGeom>
+          <a:noFill/>
+        </p:spPr>
+        <p:txBody>
+          <a:bodyPr wrap="none" rtlCol="0">
+            <a:spAutoFit/>
+          </a:bodyPr>
+          <a:lstStyle/>
+          <a:p>
+            <a:r>
+              <a:rPr lang="en-US" sz="3200" b="1" dirty="0"/>
+              <a:t>B</a:t>
+            </a:r>
+          </a:p>
+        </p:txBody>
+      </p:sp>
+      <p:cxnSp>
+        <p:nvCxnSpPr>
+          <p:cNvPr id="14" name="Straight Connector 13"/>
+          <p:cNvCxnSpPr>
+            <a:stCxn id="96" idx="3"/>
+          </p:cNvCxnSpPr>
+          <p:nvPr/>
+        </p:nvCxnSpPr>
+        <p:spPr>
+          <a:xfrm flipH="1">
+            <a:off x="3362346" y="409075"/>
+            <a:ext cx="6293" cy="2986469"/>
+          </a:xfrm>
+          <a:prstGeom prst="line">
+            <a:avLst/>
+          </a:prstGeom>
+          <a:ln w="76200" cmpd="sng">
+            <a:solidFill>
+              <a:srgbClr val="660066"/>
+            </a:solidFill>
+          </a:ln>
+        </p:spPr>
+        <p:style>
+          <a:lnRef idx="2">
+            <a:schemeClr val="accent1"/>
+          </a:lnRef>
+          <a:fillRef idx="0">
+            <a:schemeClr val="accent1"/>
+          </a:fillRef>
+          <a:effectRef idx="1">
+            <a:schemeClr val="accent1"/>
+          </a:effectRef>
+          <a:fontRef idx="minor">
+            <a:schemeClr val="tx1"/>
+          </a:fontRef>
+        </p:style>
+      </p:cxnSp>
+      <p:sp>
+        <p:nvSpPr>
+          <p:cNvPr id="94" name="TextBox 93"/>
+          <p:cNvSpPr txBox="1"/>
+          <p:nvPr/>
+        </p:nvSpPr>
+        <p:spPr>
+          <a:xfrm>
+            <a:off x="7216635" y="2500746"/>
+            <a:ext cx="401873" cy="584776"/>
+          </a:xfrm>
+          <a:prstGeom prst="rect">
+            <a:avLst/>
+          </a:prstGeom>
+          <a:noFill/>
+        </p:spPr>
+        <p:txBody>
+          <a:bodyPr wrap="none" rtlCol="0">
+            <a:spAutoFit/>
+          </a:bodyPr>
+          <a:lstStyle/>
+          <a:p>
+            <a:r>
+              <a:rPr lang="en-US" sz="3200" b="1" dirty="0" smtClean="0"/>
+              <a:t>C</a:t>
+            </a:r>
+            <a:endParaRPr lang="en-US" sz="3200" b="1" dirty="0"/>
+          </a:p>
+        </p:txBody>
+      </p:sp>
+      <p:sp>
+        <p:nvSpPr>
+          <p:cNvPr id="96" name="TextBox 95"/>
+          <p:cNvSpPr txBox="1"/>
+          <p:nvPr/>
+        </p:nvSpPr>
+        <p:spPr>
+          <a:xfrm>
+            <a:off x="2978789" y="116687"/>
+            <a:ext cx="389850" cy="584776"/>
+          </a:xfrm>
+          <a:prstGeom prst="rect">
+            <a:avLst/>
+          </a:prstGeom>
+          <a:noFill/>
+        </p:spPr>
+        <p:txBody>
+          <a:bodyPr wrap="none" rtlCol="0">
+            <a:spAutoFit/>
+          </a:bodyPr>
+          <a:lstStyle/>
+          <a:p>
+            <a:r>
+              <a:rPr lang="en-US" sz="3200" b="1" dirty="0" smtClean="0">
+                <a:solidFill>
+                  <a:srgbClr val="660066"/>
+                </a:solidFill>
+              </a:rPr>
+              <a:t>T</a:t>
+            </a:r>
+            <a:endParaRPr lang="en-US" sz="3200" b="1" dirty="0">
+              <a:solidFill>
+                <a:srgbClr val="660066"/>
+              </a:solidFill>
+            </a:endParaRPr>
+          </a:p>
+        </p:txBody>
+      </p:sp>
+      <p:sp>
+        <p:nvSpPr>
+          <p:cNvPr id="46" name="TextBox 45"/>
+          <p:cNvSpPr txBox="1"/>
+          <p:nvPr/>
+        </p:nvSpPr>
+        <p:spPr>
+          <a:xfrm>
+            <a:off x="5957571" y="116687"/>
+            <a:ext cx="493645" cy="584776"/>
+          </a:xfrm>
+          <a:prstGeom prst="rect">
+            <a:avLst/>
+          </a:prstGeom>
+          <a:noFill/>
+        </p:spPr>
+        <p:txBody>
+          <a:bodyPr wrap="none" rtlCol="0">
+            <a:spAutoFit/>
+          </a:bodyPr>
+          <a:lstStyle/>
+          <a:p>
+            <a:r>
+              <a:rPr lang="en-US" sz="3200" b="1" dirty="0" smtClean="0">
+                <a:solidFill>
+                  <a:srgbClr val="660066"/>
+                </a:solidFill>
+              </a:rPr>
+              <a:t>T’</a:t>
+            </a:r>
+            <a:endParaRPr lang="en-US" sz="3200" b="1" dirty="0">
+              <a:solidFill>
+                <a:srgbClr val="660066"/>
+              </a:solidFill>
+            </a:endParaRPr>
+          </a:p>
+        </p:txBody>
+      </p:sp>
+      <p:cxnSp>
+        <p:nvCxnSpPr>
+          <p:cNvPr id="43" name="Straight Arrow Connector 42"/>
+          <p:cNvCxnSpPr/>
+          <p:nvPr/>
+        </p:nvCxnSpPr>
+        <p:spPr>
+          <a:xfrm flipV="1">
+            <a:off x="394942" y="3057659"/>
+            <a:ext cx="7655026" cy="24774"/>
+          </a:xfrm>
+          <a:prstGeom prst="straightConnector1">
+            <a:avLst/>
+          </a:prstGeom>
+          <a:ln w="76200" cmpd="sng">
+            <a:tailEnd type="arrow"/>
+          </a:ln>
+        </p:spPr>
+        <p:style>
+          <a:lnRef idx="2">
+            <a:schemeClr val="accent1"/>
+          </a:lnRef>
+          <a:fillRef idx="0">
+            <a:schemeClr val="accent1"/>
+          </a:fillRef>
+          <a:effectRef idx="1">
+            <a:schemeClr val="accent1"/>
+          </a:effectRef>
+          <a:fontRef idx="minor">
+            <a:schemeClr val="tx1"/>
+          </a:fontRef>
+        </p:style>
+      </p:cxnSp>
+      <p:sp>
+        <p:nvSpPr>
+          <p:cNvPr id="2" name="TextBox 1"/>
+          <p:cNvSpPr txBox="1"/>
+          <p:nvPr/>
+        </p:nvSpPr>
+        <p:spPr>
+          <a:xfrm>
+            <a:off x="485600" y="4192664"/>
+            <a:ext cx="3531736" cy="584776"/>
+          </a:xfrm>
+          <a:prstGeom prst="rect">
+            <a:avLst/>
+          </a:prstGeom>
+          <a:noFill/>
+        </p:spPr>
+        <p:txBody>
+          <a:bodyPr wrap="none" rtlCol="0">
+            <a:spAutoFit/>
+          </a:bodyPr>
+          <a:lstStyle/>
+          <a:p>
+            <a:r>
+              <a:rPr lang="en-US" sz="3200" b="1" dirty="0" smtClean="0"/>
+              <a:t>C holds a token at T</a:t>
+            </a:r>
+            <a:endParaRPr lang="en-US" sz="3200" b="1" dirty="0"/>
+          </a:p>
+        </p:txBody>
+      </p:sp>
+      <p:cxnSp>
+        <p:nvCxnSpPr>
+          <p:cNvPr id="5" name="Straight Arrow Connector 4"/>
+          <p:cNvCxnSpPr/>
+          <p:nvPr/>
+        </p:nvCxnSpPr>
+        <p:spPr>
+          <a:xfrm flipV="1">
+            <a:off x="3362345" y="3395544"/>
+            <a:ext cx="0" cy="797120"/>
+          </a:xfrm>
+          <a:prstGeom prst="straightConnector1">
+            <a:avLst/>
+          </a:prstGeom>
+          <a:ln>
+            <a:tailEnd type="arrow"/>
+          </a:ln>
+        </p:spPr>
+        <p:style>
+          <a:lnRef idx="2">
+            <a:schemeClr val="accent1"/>
+          </a:lnRef>
+          <a:fillRef idx="0">
+            <a:schemeClr val="accent1"/>
+          </a:fillRef>
+          <a:effectRef idx="1">
+            <a:schemeClr val="accent1"/>
+          </a:effectRef>
+          <a:fontRef idx="minor">
+            <a:schemeClr val="tx1"/>
+          </a:fontRef>
+        </p:style>
+      </p:cxnSp>
+      <p:sp>
+        <p:nvSpPr>
+          <p:cNvPr id="47" name="TextBox 46"/>
+          <p:cNvSpPr txBox="1"/>
+          <p:nvPr/>
+        </p:nvSpPr>
+        <p:spPr>
+          <a:xfrm>
+            <a:off x="3368639" y="5037941"/>
+            <a:ext cx="5414062" cy="584776"/>
+          </a:xfrm>
+          <a:prstGeom prst="rect">
+            <a:avLst/>
+          </a:prstGeom>
+          <a:noFill/>
+        </p:spPr>
+        <p:txBody>
+          <a:bodyPr wrap="none" rtlCol="0">
+            <a:spAutoFit/>
+          </a:bodyPr>
+          <a:lstStyle/>
+          <a:p>
+            <a:r>
+              <a:rPr lang="en-US" sz="3200" b="1" dirty="0" smtClean="0"/>
+              <a:t>A knows C holds no token at T’</a:t>
+            </a:r>
+            <a:endParaRPr lang="en-US" sz="3200" b="1" dirty="0"/>
+          </a:p>
+        </p:txBody>
+      </p:sp>
+      <p:cxnSp>
+        <p:nvCxnSpPr>
+          <p:cNvPr id="8" name="Straight Arrow Connector 7"/>
+          <p:cNvCxnSpPr>
+            <a:stCxn id="47" idx="0"/>
+          </p:cNvCxnSpPr>
+          <p:nvPr/>
+        </p:nvCxnSpPr>
+        <p:spPr>
+          <a:xfrm flipV="1">
+            <a:off x="6075670" y="3395545"/>
+            <a:ext cx="369254" cy="1642396"/>
+          </a:xfrm>
+          <a:prstGeom prst="straightConnector1">
+            <a:avLst/>
+          </a:prstGeom>
+          <a:ln>
+            <a:tailEnd type="arrow"/>
+          </a:ln>
+        </p:spPr>
+        <p:style>
+          <a:lnRef idx="2">
+            <a:schemeClr val="accent1"/>
+          </a:lnRef>
+          <a:fillRef idx="0">
+            <a:schemeClr val="accent1"/>
+          </a:fillRef>
+          <a:effectRef idx="1">
+            <a:schemeClr val="accent1"/>
+          </a:effectRef>
+          <a:fontRef idx="minor">
+            <a:schemeClr val="tx1"/>
+          </a:fontRef>
+        </p:style>
+      </p:cxnSp>
+      <p:sp>
+        <p:nvSpPr>
+          <p:cNvPr id="50" name="TextBox 49"/>
+          <p:cNvSpPr txBox="1"/>
+          <p:nvPr/>
+        </p:nvSpPr>
+        <p:spPr>
+          <a:xfrm>
+            <a:off x="399885" y="5990907"/>
+            <a:ext cx="8306130" cy="707886"/>
+          </a:xfrm>
+          <a:prstGeom prst="rect">
+            <a:avLst/>
+          </a:prstGeom>
+          <a:solidFill>
+            <a:srgbClr val="FFFF00"/>
+          </a:solidFill>
+        </p:spPr>
+        <p:txBody>
+          <a:bodyPr wrap="none" rtlCol="0">
+            <a:spAutoFit/>
+          </a:bodyPr>
+          <a:lstStyle/>
+          <a:p>
+            <a:r>
+              <a:rPr lang="en-US" sz="4000" b="1" dirty="0" smtClean="0"/>
+              <a:t>What must happen between T and T’?</a:t>
+            </a:r>
+            <a:endParaRPr lang="en-US" sz="4000" b="1" dirty="0"/>
+          </a:p>
+        </p:txBody>
+      </p:sp>
+      <p:cxnSp>
+        <p:nvCxnSpPr>
+          <p:cNvPr id="52" name="Straight Connector 51"/>
+          <p:cNvCxnSpPr/>
+          <p:nvPr/>
+        </p:nvCxnSpPr>
+        <p:spPr>
+          <a:xfrm flipH="1">
+            <a:off x="6444923" y="409075"/>
+            <a:ext cx="6293" cy="2986469"/>
+          </a:xfrm>
+          <a:prstGeom prst="line">
+            <a:avLst/>
+          </a:prstGeom>
+          <a:ln w="76200" cmpd="sng">
+            <a:solidFill>
+              <a:srgbClr val="660066"/>
+            </a:solidFill>
+          </a:ln>
+        </p:spPr>
+        <p:style>
+          <a:lnRef idx="2">
+            <a:schemeClr val="accent1"/>
+          </a:lnRef>
+          <a:fillRef idx="0">
+            <a:schemeClr val="accent1"/>
+          </a:fillRef>
+          <a:effectRef idx="1">
+            <a:schemeClr val="accent1"/>
+          </a:effectRef>
+          <a:fontRef idx="minor">
+            <a:schemeClr val="tx1"/>
+          </a:fontRef>
+        </p:style>
+      </p:cxnSp>
+      <p:cxnSp>
+        <p:nvCxnSpPr>
+          <p:cNvPr id="17" name="Straight Arrow Connector 16"/>
+          <p:cNvCxnSpPr/>
+          <p:nvPr/>
+        </p:nvCxnSpPr>
+        <p:spPr>
+          <a:xfrm>
+            <a:off x="3368639" y="3057659"/>
+            <a:ext cx="849349" cy="0"/>
+          </a:xfrm>
+          <a:prstGeom prst="straightConnector1">
+            <a:avLst/>
+          </a:prstGeom>
+          <a:ln w="76200" cmpd="sng">
+            <a:solidFill>
+              <a:srgbClr val="FF0000"/>
+            </a:solidFill>
+            <a:tailEnd type="arrow"/>
+          </a:ln>
+        </p:spPr>
+        <p:style>
+          <a:lnRef idx="2">
+            <a:schemeClr val="accent1"/>
+          </a:lnRef>
+          <a:fillRef idx="0">
+            <a:schemeClr val="accent1"/>
+          </a:fillRef>
+          <a:effectRef idx="1">
+            <a:schemeClr val="accent1"/>
+          </a:effectRef>
+          <a:fontRef idx="minor">
+            <a:schemeClr val="tx1"/>
+          </a:fontRef>
+        </p:style>
+      </p:cxnSp>
+      <p:cxnSp>
+        <p:nvCxnSpPr>
+          <p:cNvPr id="7" name="Straight Arrow Connector 6"/>
+          <p:cNvCxnSpPr/>
+          <p:nvPr/>
+        </p:nvCxnSpPr>
+        <p:spPr>
+          <a:xfrm flipV="1">
+            <a:off x="4217988" y="2030920"/>
+            <a:ext cx="334962" cy="1054602"/>
+          </a:xfrm>
+          <a:prstGeom prst="straightConnector1">
+            <a:avLst/>
+          </a:prstGeom>
+          <a:ln w="76200" cmpd="sng">
+            <a:solidFill>
+              <a:srgbClr val="FF0000"/>
+            </a:solidFill>
+            <a:tailEnd type="arrow"/>
+          </a:ln>
+        </p:spPr>
+        <p:style>
+          <a:lnRef idx="2">
+            <a:schemeClr val="accent1"/>
+          </a:lnRef>
+          <a:fillRef idx="0">
+            <a:schemeClr val="accent1"/>
+          </a:fillRef>
+          <a:effectRef idx="1">
+            <a:schemeClr val="accent1"/>
+          </a:effectRef>
+          <a:fontRef idx="minor">
+            <a:schemeClr val="tx1"/>
+          </a:fontRef>
+        </p:style>
+      </p:cxnSp>
+      <p:cxnSp>
+        <p:nvCxnSpPr>
+          <p:cNvPr id="20" name="Straight Arrow Connector 19"/>
+          <p:cNvCxnSpPr/>
+          <p:nvPr/>
+        </p:nvCxnSpPr>
+        <p:spPr>
+          <a:xfrm>
+            <a:off x="4552950" y="2030920"/>
+            <a:ext cx="849349" cy="0"/>
+          </a:xfrm>
+          <a:prstGeom prst="straightConnector1">
+            <a:avLst/>
+          </a:prstGeom>
+          <a:ln w="76200" cmpd="sng">
+            <a:solidFill>
+              <a:srgbClr val="FF0000"/>
+            </a:solidFill>
+            <a:tailEnd type="arrow"/>
+          </a:ln>
+        </p:spPr>
+        <p:style>
+          <a:lnRef idx="2">
+            <a:schemeClr val="accent1"/>
+          </a:lnRef>
+          <a:fillRef idx="0">
+            <a:schemeClr val="accent1"/>
+          </a:fillRef>
+          <a:effectRef idx="1">
+            <a:schemeClr val="accent1"/>
+          </a:effectRef>
+          <a:fontRef idx="minor">
+            <a:schemeClr val="tx1"/>
+          </a:fontRef>
+        </p:style>
+      </p:cxnSp>
+      <p:cxnSp>
+        <p:nvCxnSpPr>
+          <p:cNvPr id="21" name="Straight Arrow Connector 20"/>
+          <p:cNvCxnSpPr/>
+          <p:nvPr/>
+        </p:nvCxnSpPr>
+        <p:spPr>
+          <a:xfrm flipV="1">
+            <a:off x="5402299" y="970910"/>
+            <a:ext cx="334962" cy="1054602"/>
+          </a:xfrm>
+          <a:prstGeom prst="straightConnector1">
+            <a:avLst/>
+          </a:prstGeom>
+          <a:ln w="76200" cmpd="sng">
+            <a:solidFill>
+              <a:srgbClr val="FF0000"/>
+            </a:solidFill>
+            <a:tailEnd type="arrow"/>
+          </a:ln>
+        </p:spPr>
+        <p:style>
+          <a:lnRef idx="2">
+            <a:schemeClr val="accent1"/>
+          </a:lnRef>
+          <a:fillRef idx="0">
+            <a:schemeClr val="accent1"/>
+          </a:fillRef>
+          <a:effectRef idx="1">
+            <a:schemeClr val="accent1"/>
+          </a:effectRef>
+          <a:fontRef idx="minor">
+            <a:schemeClr val="tx1"/>
+          </a:fontRef>
+        </p:style>
+      </p:cxnSp>
+      <p:cxnSp>
+        <p:nvCxnSpPr>
+          <p:cNvPr id="24" name="Straight Arrow Connector 23"/>
+          <p:cNvCxnSpPr/>
+          <p:nvPr/>
+        </p:nvCxnSpPr>
+        <p:spPr>
+          <a:xfrm flipV="1">
+            <a:off x="5737261" y="1018625"/>
+            <a:ext cx="713955" cy="27093"/>
+          </a:xfrm>
+          <a:prstGeom prst="straightConnector1">
+            <a:avLst/>
+          </a:prstGeom>
+          <a:ln w="76200" cmpd="sng">
+            <a:solidFill>
+              <a:srgbClr val="FF0000"/>
+            </a:solidFill>
+            <a:tailEnd type="arrow"/>
+          </a:ln>
+        </p:spPr>
+        <p:style>
+          <a:lnRef idx="2">
+            <a:schemeClr val="accent1"/>
+          </a:lnRef>
+          <a:fillRef idx="0">
+            <a:schemeClr val="accent1"/>
+          </a:fillRef>
+          <a:effectRef idx="1">
+            <a:schemeClr val="accent1"/>
+          </a:effectRef>
+          <a:fontRef idx="minor">
+            <a:schemeClr val="tx1"/>
+          </a:fontRef>
+        </p:style>
+      </p:cxnSp>
+      <p:sp>
+        <p:nvSpPr>
+          <p:cNvPr id="25" name="TextBox 24"/>
+          <p:cNvSpPr txBox="1"/>
+          <p:nvPr/>
+        </p:nvSpPr>
+        <p:spPr>
+          <a:xfrm>
+            <a:off x="286134" y="5918339"/>
+            <a:ext cx="8533631" cy="646331"/>
+          </a:xfrm>
+          <a:prstGeom prst="rect">
+            <a:avLst/>
+          </a:prstGeom>
+          <a:solidFill>
+            <a:srgbClr val="FFFF00"/>
+          </a:solidFill>
+        </p:spPr>
+        <p:txBody>
+          <a:bodyPr wrap="none" rtlCol="0">
+            <a:spAutoFit/>
+          </a:bodyPr>
+          <a:lstStyle/>
+          <a:p>
+            <a:r>
+              <a:rPr lang="en-US" sz="3600" b="1" dirty="0" smtClean="0"/>
+              <a:t>There must be a path </a:t>
+            </a:r>
+            <a:r>
+              <a:rPr lang="en-US" sz="3600" b="1" smtClean="0"/>
+              <a:t>from C </a:t>
+            </a:r>
+            <a:r>
+              <a:rPr lang="en-US" sz="3600" b="1" dirty="0" smtClean="0"/>
+              <a:t>at T </a:t>
+            </a:r>
+            <a:r>
+              <a:rPr lang="en-US" sz="3600" b="1" smtClean="0"/>
+              <a:t>to A </a:t>
+            </a:r>
+            <a:r>
+              <a:rPr lang="en-US" sz="3600" b="1" dirty="0" smtClean="0"/>
+              <a:t>at T’?</a:t>
+            </a:r>
+            <a:endParaRPr lang="en-US" sz="3600" b="1" dirty="0"/>
+          </a:p>
+        </p:txBody>
+      </p:sp>
+    </p:spTree>
+    <p:extLst>
+      <p:ext uri="{BB962C8B-B14F-4D97-AF65-F5344CB8AC3E}">
+        <p14:creationId xmlns:p14="http://schemas.microsoft.com/office/powerpoint/2010/main" val="2753945658"/>
+      </p:ext>
+    </p:extLst>
+  </p:cSld>
+  <p:clrMapOvr>
+    <a:masterClrMapping/>
+  </p:clrMapOvr>
+  <p:timing>
+    <p:tnLst>
+      <p:par>
+        <p:cTn xmlns:p14="http://schemas.microsoft.com/office/powerpoint/2010/main" id="1" dur="indefinite" restart="never" nodeType="tmRoot"/>
+      </p:par>
+    </p:tnLst>
+  </p:timing>
+</p:sld>
+</file>
+
+<file path=ppt/slides/slide12.xml><?xml version="1.0" encoding="utf-8"?>
+<p:sld xmlns:a="http://schemas.openxmlformats.org/drawingml/2006/main" xmlns:r="http://schemas.openxmlformats.org/officeDocument/2006/relationships" xmlns:p="http://schemas.openxmlformats.org/presentationml/2006/main">
+  <p:cSld>
+    <p:spTree>
+      <p:nvGrpSpPr>
+        <p:cNvPr id="1" name=""/>
+        <p:cNvGrpSpPr/>
+        <p:nvPr/>
+      </p:nvGrpSpPr>
+      <p:grpSpPr>
+        <a:xfrm>
+          <a:off x="0" y="0"/>
+          <a:ext cx="0" cy="0"/>
+          <a:chOff x="0" y="0"/>
+          <a:chExt cx="0" cy="0"/>
+        </a:xfrm>
+      </p:grpSpPr>
+      <p:cxnSp>
+        <p:nvCxnSpPr>
+          <p:cNvPr id="4" name="Straight Arrow Connector 3"/>
+          <p:cNvCxnSpPr/>
+          <p:nvPr/>
+        </p:nvCxnSpPr>
+        <p:spPr>
+          <a:xfrm flipV="1">
+            <a:off x="394942" y="993851"/>
+            <a:ext cx="7655026" cy="24774"/>
+          </a:xfrm>
+          <a:prstGeom prst="straightConnector1">
+            <a:avLst/>
+          </a:prstGeom>
+          <a:ln w="76200" cmpd="sng">
+            <a:tailEnd type="arrow"/>
+          </a:ln>
+        </p:spPr>
+        <p:style>
+          <a:lnRef idx="2">
+            <a:schemeClr val="accent1"/>
+          </a:lnRef>
+          <a:fillRef idx="0">
+            <a:schemeClr val="accent1"/>
+          </a:fillRef>
+          <a:effectRef idx="1">
+            <a:schemeClr val="accent1"/>
+          </a:effectRef>
+          <a:fontRef idx="minor">
+            <a:schemeClr val="tx1"/>
+          </a:fontRef>
+        </p:style>
+      </p:cxnSp>
+      <p:cxnSp>
+        <p:nvCxnSpPr>
+          <p:cNvPr id="6" name="Straight Arrow Connector 5"/>
+          <p:cNvCxnSpPr/>
+          <p:nvPr/>
+        </p:nvCxnSpPr>
+        <p:spPr>
+          <a:xfrm flipV="1">
+            <a:off x="394942" y="2000738"/>
+            <a:ext cx="7655026" cy="24774"/>
+          </a:xfrm>
+          <a:prstGeom prst="straightConnector1">
+            <a:avLst/>
+          </a:prstGeom>
+          <a:ln w="76200" cmpd="sng">
+            <a:tailEnd type="arrow"/>
+          </a:ln>
+        </p:spPr>
+        <p:style>
+          <a:lnRef idx="2">
+            <a:schemeClr val="accent1"/>
+          </a:lnRef>
+          <a:fillRef idx="0">
+            <a:schemeClr val="accent1"/>
+          </a:fillRef>
+          <a:effectRef idx="1">
+            <a:schemeClr val="accent1"/>
+          </a:effectRef>
+          <a:fontRef idx="minor">
+            <a:schemeClr val="tx1"/>
+          </a:fontRef>
+        </p:style>
+      </p:cxnSp>
+      <p:cxnSp>
+        <p:nvCxnSpPr>
+          <p:cNvPr id="10" name="Straight Arrow Connector 9"/>
+          <p:cNvCxnSpPr/>
+          <p:nvPr/>
+        </p:nvCxnSpPr>
+        <p:spPr>
+          <a:xfrm>
+            <a:off x="4655700" y="1939397"/>
+            <a:ext cx="855847" cy="1096700"/>
+          </a:xfrm>
+          <a:prstGeom prst="straightConnector1">
+            <a:avLst/>
+          </a:prstGeom>
+          <a:ln w="76200" cmpd="sng">
+            <a:solidFill>
+              <a:srgbClr val="FF0000"/>
+            </a:solidFill>
+            <a:tailEnd type="arrow"/>
+          </a:ln>
+        </p:spPr>
+        <p:style>
+          <a:lnRef idx="2">
+            <a:schemeClr val="accent1"/>
+          </a:lnRef>
+          <a:fillRef idx="0">
+            <a:schemeClr val="accent1"/>
+          </a:fillRef>
+          <a:effectRef idx="1">
+            <a:schemeClr val="accent1"/>
+          </a:effectRef>
+          <a:fontRef idx="minor">
+            <a:schemeClr val="tx1"/>
+          </a:fontRef>
+        </p:style>
+      </p:cxnSp>
+      <p:cxnSp>
+        <p:nvCxnSpPr>
+          <p:cNvPr id="13" name="Straight Arrow Connector 12"/>
+          <p:cNvCxnSpPr/>
+          <p:nvPr/>
+        </p:nvCxnSpPr>
+        <p:spPr>
+          <a:xfrm flipV="1">
+            <a:off x="2139170" y="993851"/>
+            <a:ext cx="2035788" cy="1037070"/>
+          </a:xfrm>
+          <a:prstGeom prst="straightConnector1">
+            <a:avLst/>
+          </a:prstGeom>
+          <a:ln w="76200" cmpd="sng">
+            <a:solidFill>
+              <a:srgbClr val="FF0000"/>
+            </a:solidFill>
+            <a:tailEnd type="arrow"/>
+          </a:ln>
+        </p:spPr>
+        <p:style>
+          <a:lnRef idx="2">
+            <a:schemeClr val="accent1"/>
+          </a:lnRef>
+          <a:fillRef idx="0">
+            <a:schemeClr val="accent1"/>
+          </a:fillRef>
+          <a:effectRef idx="1">
+            <a:schemeClr val="accent1"/>
+          </a:effectRef>
+          <a:fontRef idx="minor">
+            <a:schemeClr val="tx1"/>
+          </a:fontRef>
+        </p:style>
+      </p:cxnSp>
+      <p:sp>
+        <p:nvSpPr>
+          <p:cNvPr id="22" name="TextBox 21"/>
+          <p:cNvSpPr txBox="1"/>
+          <p:nvPr/>
+        </p:nvSpPr>
+        <p:spPr>
+          <a:xfrm>
+            <a:off x="7207307" y="409075"/>
+            <a:ext cx="433332" cy="584776"/>
+          </a:xfrm>
+          <a:prstGeom prst="rect">
+            <a:avLst/>
+          </a:prstGeom>
+          <a:noFill/>
+        </p:spPr>
+        <p:txBody>
+          <a:bodyPr wrap="none" rtlCol="0">
+            <a:spAutoFit/>
+          </a:bodyPr>
+          <a:lstStyle/>
+          <a:p>
+            <a:r>
+              <a:rPr lang="en-US" sz="3200" b="1" dirty="0" smtClean="0"/>
+              <a:t>A</a:t>
+            </a:r>
+            <a:endParaRPr lang="en-US" sz="3200" b="1" dirty="0"/>
+          </a:p>
+        </p:txBody>
+      </p:sp>
+      <p:sp>
+        <p:nvSpPr>
+          <p:cNvPr id="23" name="TextBox 22"/>
+          <p:cNvSpPr txBox="1"/>
+          <p:nvPr/>
+        </p:nvSpPr>
+        <p:spPr>
+          <a:xfrm>
+            <a:off x="7280888" y="1446144"/>
+            <a:ext cx="414697" cy="584776"/>
+          </a:xfrm>
+          <a:prstGeom prst="rect">
+            <a:avLst/>
+          </a:prstGeom>
+          <a:noFill/>
+        </p:spPr>
+        <p:txBody>
+          <a:bodyPr wrap="none" rtlCol="0">
+            <a:spAutoFit/>
+          </a:bodyPr>
+          <a:lstStyle/>
+          <a:p>
+            <a:r>
+              <a:rPr lang="en-US" sz="3200" b="1" dirty="0"/>
+              <a:t>B</a:t>
+            </a:r>
+          </a:p>
+        </p:txBody>
+      </p:sp>
+      <p:cxnSp>
+        <p:nvCxnSpPr>
+          <p:cNvPr id="28" name="Straight Arrow Connector 27"/>
+          <p:cNvCxnSpPr/>
+          <p:nvPr/>
+        </p:nvCxnSpPr>
+        <p:spPr>
+          <a:xfrm>
+            <a:off x="573798" y="1018625"/>
+            <a:ext cx="697537" cy="982113"/>
+          </a:xfrm>
+          <a:prstGeom prst="straightConnector1">
+            <a:avLst/>
+          </a:prstGeom>
+          <a:ln w="76200" cmpd="sng">
+            <a:solidFill>
+              <a:srgbClr val="FF0000"/>
+            </a:solidFill>
+            <a:tailEnd type="arrow"/>
+          </a:ln>
+        </p:spPr>
+        <p:style>
+          <a:lnRef idx="2">
+            <a:schemeClr val="accent1"/>
+          </a:lnRef>
+          <a:fillRef idx="0">
+            <a:schemeClr val="accent1"/>
+          </a:fillRef>
+          <a:effectRef idx="1">
+            <a:schemeClr val="accent1"/>
+          </a:effectRef>
+          <a:fontRef idx="minor">
+            <a:schemeClr val="tx1"/>
+          </a:fontRef>
+        </p:style>
+      </p:cxnSp>
+      <p:cxnSp>
+        <p:nvCxnSpPr>
+          <p:cNvPr id="29" name="Straight Arrow Connector 28"/>
+          <p:cNvCxnSpPr/>
+          <p:nvPr/>
+        </p:nvCxnSpPr>
+        <p:spPr>
+          <a:xfrm flipV="1">
+            <a:off x="2431280" y="993851"/>
+            <a:ext cx="2224420" cy="2091671"/>
+          </a:xfrm>
+          <a:prstGeom prst="straightConnector1">
+            <a:avLst/>
+          </a:prstGeom>
+          <a:ln w="76200" cmpd="sng">
+            <a:solidFill>
+              <a:srgbClr val="FF0000"/>
+            </a:solidFill>
+            <a:tailEnd type="arrow"/>
+          </a:ln>
+        </p:spPr>
+        <p:style>
+          <a:lnRef idx="2">
+            <a:schemeClr val="accent1"/>
+          </a:lnRef>
+          <a:fillRef idx="0">
+            <a:schemeClr val="accent1"/>
+          </a:fillRef>
+          <a:effectRef idx="1">
+            <a:schemeClr val="accent1"/>
+          </a:effectRef>
+          <a:fontRef idx="minor">
+            <a:schemeClr val="tx1"/>
+          </a:fontRef>
+        </p:style>
+      </p:cxnSp>
+      <p:cxnSp>
+        <p:nvCxnSpPr>
+          <p:cNvPr id="45" name="Straight Arrow Connector 44"/>
+          <p:cNvCxnSpPr/>
+          <p:nvPr/>
+        </p:nvCxnSpPr>
+        <p:spPr>
+          <a:xfrm flipV="1">
+            <a:off x="3936423" y="1939397"/>
+            <a:ext cx="238535" cy="1096700"/>
+          </a:xfrm>
+          <a:prstGeom prst="straightConnector1">
+            <a:avLst/>
+          </a:prstGeom>
+          <a:ln w="76200" cmpd="sng">
+            <a:solidFill>
+              <a:srgbClr val="FF0000"/>
+            </a:solidFill>
+            <a:tailEnd type="arrow"/>
+          </a:ln>
+        </p:spPr>
+        <p:style>
+          <a:lnRef idx="2">
+            <a:schemeClr val="accent1"/>
+          </a:lnRef>
+          <a:fillRef idx="0">
+            <a:schemeClr val="accent1"/>
+          </a:fillRef>
+          <a:effectRef idx="1">
+            <a:schemeClr val="accent1"/>
+          </a:effectRef>
+          <a:fontRef idx="minor">
+            <a:schemeClr val="tx1"/>
+          </a:fontRef>
+        </p:style>
+      </p:cxnSp>
+      <p:cxnSp>
+        <p:nvCxnSpPr>
+          <p:cNvPr id="14" name="Straight Connector 13"/>
+          <p:cNvCxnSpPr/>
+          <p:nvPr/>
+        </p:nvCxnSpPr>
+        <p:spPr>
+          <a:xfrm flipH="1">
+            <a:off x="3362345" y="308674"/>
+            <a:ext cx="47497" cy="3086870"/>
+          </a:xfrm>
+          <a:prstGeom prst="line">
+            <a:avLst/>
+          </a:prstGeom>
+          <a:ln w="76200" cmpd="sng">
+            <a:solidFill>
+              <a:srgbClr val="660066"/>
+            </a:solidFill>
+          </a:ln>
+        </p:spPr>
+        <p:style>
+          <a:lnRef idx="2">
+            <a:schemeClr val="accent1"/>
+          </a:lnRef>
+          <a:fillRef idx="0">
+            <a:schemeClr val="accent1"/>
+          </a:fillRef>
+          <a:effectRef idx="1">
+            <a:schemeClr val="accent1"/>
+          </a:effectRef>
+          <a:fontRef idx="minor">
+            <a:schemeClr val="tx1"/>
+          </a:fontRef>
+        </p:style>
+      </p:cxnSp>
+      <p:sp>
+        <p:nvSpPr>
+          <p:cNvPr id="91" name="Oval 90"/>
+          <p:cNvSpPr>
+            <a:spLocks noChangeAspect="1"/>
+          </p:cNvSpPr>
+          <p:nvPr/>
+        </p:nvSpPr>
+        <p:spPr>
+          <a:xfrm>
+            <a:off x="2049743" y="856691"/>
+            <a:ext cx="274320" cy="274320"/>
+          </a:xfrm>
+          <a:prstGeom prst="ellipse">
+            <a:avLst/>
+          </a:prstGeom>
+        </p:spPr>
+        <p:style>
+          <a:lnRef idx="1">
+            <a:schemeClr val="accent1"/>
+          </a:lnRef>
+          <a:fillRef idx="3">
+            <a:schemeClr val="accent1"/>
+          </a:fillRef>
+          <a:effectRef idx="2">
+            <a:schemeClr val="accent1"/>
+          </a:effectRef>
+          <a:fontRef idx="minor">
+            <a:schemeClr val="lt1"/>
+          </a:fontRef>
+        </p:style>
+        <p:txBody>
+          <a:bodyPr rtlCol="0" anchor="ctr"/>
+          <a:lstStyle/>
+          <a:p>
+            <a:pPr algn="ctr"/>
+            <a:endParaRPr lang="en-US"/>
+          </a:p>
+        </p:txBody>
+      </p:sp>
+      <p:cxnSp>
+        <p:nvCxnSpPr>
+          <p:cNvPr id="93" name="Straight Arrow Connector 92"/>
+          <p:cNvCxnSpPr/>
+          <p:nvPr/>
+        </p:nvCxnSpPr>
+        <p:spPr>
+          <a:xfrm flipV="1">
+            <a:off x="347445" y="3060277"/>
+            <a:ext cx="7655026" cy="24774"/>
+          </a:xfrm>
+          <a:prstGeom prst="straightConnector1">
+            <a:avLst/>
+          </a:prstGeom>
+          <a:ln w="76200" cmpd="sng">
+            <a:tailEnd type="arrow"/>
+          </a:ln>
+        </p:spPr>
+        <p:style>
+          <a:lnRef idx="2">
+            <a:schemeClr val="accent1"/>
+          </a:lnRef>
+          <a:fillRef idx="0">
+            <a:schemeClr val="accent1"/>
+          </a:fillRef>
+          <a:effectRef idx="1">
+            <a:schemeClr val="accent1"/>
+          </a:effectRef>
+          <a:fontRef idx="minor">
+            <a:schemeClr val="tx1"/>
+          </a:fontRef>
+        </p:style>
+      </p:cxnSp>
+      <p:sp>
+        <p:nvSpPr>
+          <p:cNvPr id="94" name="TextBox 93"/>
+          <p:cNvSpPr txBox="1"/>
+          <p:nvPr/>
+        </p:nvSpPr>
+        <p:spPr>
+          <a:xfrm>
+            <a:off x="7216635" y="2500746"/>
+            <a:ext cx="401873" cy="584776"/>
+          </a:xfrm>
+          <a:prstGeom prst="rect">
+            <a:avLst/>
+          </a:prstGeom>
+          <a:noFill/>
+        </p:spPr>
+        <p:txBody>
+          <a:bodyPr wrap="none" rtlCol="0">
+            <a:spAutoFit/>
+          </a:bodyPr>
+          <a:lstStyle/>
+          <a:p>
+            <a:r>
+              <a:rPr lang="en-US" sz="3200" b="1" dirty="0" smtClean="0"/>
+              <a:t>C</a:t>
+            </a:r>
+            <a:endParaRPr lang="en-US" sz="3200" b="1" dirty="0"/>
+          </a:p>
+        </p:txBody>
+      </p:sp>
+      <p:sp>
+        <p:nvSpPr>
+          <p:cNvPr id="96" name="TextBox 95"/>
+          <p:cNvSpPr txBox="1"/>
+          <p:nvPr/>
+        </p:nvSpPr>
+        <p:spPr>
+          <a:xfrm>
+            <a:off x="2978789" y="116687"/>
+            <a:ext cx="389850" cy="584776"/>
+          </a:xfrm>
+          <a:prstGeom prst="rect">
+            <a:avLst/>
+          </a:prstGeom>
+          <a:noFill/>
+        </p:spPr>
+        <p:txBody>
+          <a:bodyPr wrap="none" rtlCol="0">
+            <a:spAutoFit/>
+          </a:bodyPr>
+          <a:lstStyle/>
+          <a:p>
+            <a:r>
+              <a:rPr lang="en-US" sz="3200" b="1" dirty="0" smtClean="0">
+                <a:solidFill>
+                  <a:srgbClr val="660066"/>
+                </a:solidFill>
+              </a:rPr>
+              <a:t>T</a:t>
+            </a:r>
+            <a:endParaRPr lang="en-US" sz="3200" b="1" dirty="0">
+              <a:solidFill>
+                <a:srgbClr val="660066"/>
+              </a:solidFill>
+            </a:endParaRPr>
+          </a:p>
+        </p:txBody>
+      </p:sp>
+      <p:cxnSp>
+        <p:nvCxnSpPr>
+          <p:cNvPr id="37" name="Straight Arrow Connector 36"/>
+          <p:cNvCxnSpPr/>
+          <p:nvPr/>
+        </p:nvCxnSpPr>
+        <p:spPr>
+          <a:xfrm>
+            <a:off x="1126676" y="1018626"/>
+            <a:ext cx="1012494" cy="2066896"/>
+          </a:xfrm>
+          <a:prstGeom prst="straightConnector1">
+            <a:avLst/>
+          </a:prstGeom>
+          <a:ln w="76200" cmpd="sng">
+            <a:solidFill>
+              <a:srgbClr val="FF0000"/>
+            </a:solidFill>
+            <a:tailEnd type="arrow"/>
+          </a:ln>
+        </p:spPr>
+        <p:style>
+          <a:lnRef idx="2">
+            <a:schemeClr val="accent1"/>
+          </a:lnRef>
+          <a:fillRef idx="0">
+            <a:schemeClr val="accent1"/>
+          </a:fillRef>
+          <a:effectRef idx="1">
+            <a:schemeClr val="accent1"/>
+          </a:effectRef>
+          <a:fontRef idx="minor">
+            <a:schemeClr val="tx1"/>
+          </a:fontRef>
+        </p:style>
+      </p:cxnSp>
+      <p:sp>
+        <p:nvSpPr>
+          <p:cNvPr id="41" name="Oval 40"/>
+          <p:cNvSpPr>
+            <a:spLocks noChangeAspect="1"/>
+          </p:cNvSpPr>
+          <p:nvPr/>
+        </p:nvSpPr>
+        <p:spPr>
+          <a:xfrm>
+            <a:off x="4978078" y="860921"/>
+            <a:ext cx="274320" cy="274320"/>
+          </a:xfrm>
+          <a:prstGeom prst="ellipse">
+            <a:avLst/>
+          </a:prstGeom>
+        </p:spPr>
+        <p:style>
+          <a:lnRef idx="1">
+            <a:schemeClr val="accent1"/>
+          </a:lnRef>
+          <a:fillRef idx="3">
+            <a:schemeClr val="accent1"/>
+          </a:fillRef>
+          <a:effectRef idx="2">
+            <a:schemeClr val="accent1"/>
+          </a:effectRef>
+          <a:fontRef idx="minor">
+            <a:schemeClr val="lt1"/>
+          </a:fontRef>
+        </p:style>
+        <p:txBody>
+          <a:bodyPr rtlCol="0" anchor="ctr"/>
+          <a:lstStyle/>
+          <a:p>
+            <a:pPr algn="ctr"/>
+            <a:endParaRPr lang="en-US"/>
+          </a:p>
+        </p:txBody>
+      </p:sp>
+      <p:sp>
+        <p:nvSpPr>
+          <p:cNvPr id="46" name="TextBox 45"/>
+          <p:cNvSpPr txBox="1"/>
+          <p:nvPr/>
+        </p:nvSpPr>
+        <p:spPr>
+          <a:xfrm>
+            <a:off x="5432518" y="121594"/>
+            <a:ext cx="493645" cy="584776"/>
+          </a:xfrm>
+          <a:prstGeom prst="rect">
+            <a:avLst/>
+          </a:prstGeom>
+          <a:noFill/>
+        </p:spPr>
+        <p:txBody>
+          <a:bodyPr wrap="none" rtlCol="0">
+            <a:spAutoFit/>
+          </a:bodyPr>
+          <a:lstStyle/>
+          <a:p>
+            <a:r>
+              <a:rPr lang="en-US" sz="3200" b="1" dirty="0" smtClean="0">
+                <a:solidFill>
+                  <a:srgbClr val="660066"/>
+                </a:solidFill>
+              </a:rPr>
+              <a:t>T’</a:t>
+            </a:r>
+            <a:endParaRPr lang="en-US" sz="3200" b="1" dirty="0">
+              <a:solidFill>
+                <a:srgbClr val="660066"/>
+              </a:solidFill>
+            </a:endParaRPr>
+          </a:p>
+        </p:txBody>
+      </p:sp>
+      <p:sp>
+        <p:nvSpPr>
+          <p:cNvPr id="16" name="Freeform 15"/>
+          <p:cNvSpPr/>
+          <p:nvPr/>
+        </p:nvSpPr>
+        <p:spPr>
+          <a:xfrm>
+            <a:off x="3420998" y="839964"/>
+            <a:ext cx="1754819" cy="2622327"/>
+          </a:xfrm>
+          <a:custGeom>
+            <a:avLst/>
+            <a:gdLst>
+              <a:gd name="connsiteX0" fmla="*/ 0 w 1754819"/>
+              <a:gd name="connsiteY0" fmla="*/ 0 h 2622327"/>
+              <a:gd name="connsiteX1" fmla="*/ 553096 w 1754819"/>
+              <a:gd name="connsiteY1" fmla="*/ 655582 h 2622327"/>
+              <a:gd name="connsiteX2" fmla="*/ 1741227 w 1754819"/>
+              <a:gd name="connsiteY2" fmla="*/ 962886 h 2622327"/>
+              <a:gd name="connsiteX3" fmla="*/ 1229101 w 1754819"/>
+              <a:gd name="connsiteY3" fmla="*/ 2622327 h 2622327"/>
+              <a:gd name="connsiteX4" fmla="*/ 1229101 w 1754819"/>
+              <a:gd name="connsiteY4" fmla="*/ 2622327 h 2622327"/>
+            </a:gdLst>
+            <a:ahLst/>
+            <a:cxnLst>
+              <a:cxn ang="0">
+                <a:pos x="connsiteX0" y="connsiteY0"/>
+              </a:cxn>
+              <a:cxn ang="0">
+                <a:pos x="connsiteX1" y="connsiteY1"/>
+              </a:cxn>
+              <a:cxn ang="0">
+                <a:pos x="connsiteX2" y="connsiteY2"/>
+              </a:cxn>
+              <a:cxn ang="0">
+                <a:pos x="connsiteX3" y="connsiteY3"/>
+              </a:cxn>
+              <a:cxn ang="0">
+                <a:pos x="connsiteX4" y="connsiteY4"/>
+              </a:cxn>
+            </a:cxnLst>
+            <a:rect l="l" t="t" r="r" b="b"/>
+            <a:pathLst>
+              <a:path w="1754819" h="2622327">
+                <a:moveTo>
+                  <a:pt x="0" y="0"/>
+                </a:moveTo>
+                <a:cubicBezTo>
+                  <a:pt x="131445" y="247550"/>
+                  <a:pt x="262891" y="495101"/>
+                  <a:pt x="553096" y="655582"/>
+                </a:cubicBezTo>
+                <a:cubicBezTo>
+                  <a:pt x="843301" y="816063"/>
+                  <a:pt x="1628560" y="635095"/>
+                  <a:pt x="1741227" y="962886"/>
+                </a:cubicBezTo>
+                <a:cubicBezTo>
+                  <a:pt x="1853894" y="1290677"/>
+                  <a:pt x="1229101" y="2622327"/>
+                  <a:pt x="1229101" y="2622327"/>
+                </a:cubicBezTo>
+                <a:lnTo>
+                  <a:pt x="1229101" y="2622327"/>
+                </a:lnTo>
+              </a:path>
+            </a:pathLst>
+          </a:custGeom>
+          <a:ln w="76200" cmpd="sng">
+            <a:solidFill>
+              <a:srgbClr val="660066"/>
+            </a:solidFill>
+          </a:ln>
+        </p:spPr>
+        <p:style>
+          <a:lnRef idx="2">
+            <a:schemeClr val="accent1"/>
+          </a:lnRef>
+          <a:fillRef idx="0">
+            <a:schemeClr val="accent1"/>
+          </a:fillRef>
+          <a:effectRef idx="1">
+            <a:schemeClr val="accent1"/>
+          </a:effectRef>
+          <a:fontRef idx="minor">
+            <a:schemeClr val="tx1"/>
+          </a:fontRef>
+        </p:style>
+        <p:txBody>
+          <a:bodyPr rtlCol="0" anchor="ctr"/>
+          <a:lstStyle/>
+          <a:p>
+            <a:pPr algn="ctr"/>
+            <a:endParaRPr lang="en-US"/>
+          </a:p>
+        </p:txBody>
+      </p:sp>
+      <p:cxnSp>
+        <p:nvCxnSpPr>
+          <p:cNvPr id="76" name="Straight Arrow Connector 75"/>
+          <p:cNvCxnSpPr/>
+          <p:nvPr/>
+        </p:nvCxnSpPr>
+        <p:spPr>
+          <a:xfrm>
+            <a:off x="6052199" y="1014484"/>
+            <a:ext cx="697537" cy="982113"/>
+          </a:xfrm>
+          <a:prstGeom prst="straightConnector1">
+            <a:avLst/>
+          </a:prstGeom>
+          <a:ln w="76200" cmpd="sng">
+            <a:solidFill>
+              <a:srgbClr val="FF0000"/>
+            </a:solidFill>
+            <a:tailEnd type="arrow"/>
+          </a:ln>
+        </p:spPr>
+        <p:style>
+          <a:lnRef idx="2">
+            <a:schemeClr val="accent1"/>
+          </a:lnRef>
+          <a:fillRef idx="0">
+            <a:schemeClr val="accent1"/>
+          </a:fillRef>
+          <a:effectRef idx="1">
+            <a:schemeClr val="accent1"/>
+          </a:effectRef>
+          <a:fontRef idx="minor">
+            <a:schemeClr val="tx1"/>
+          </a:fontRef>
+        </p:style>
+      </p:cxnSp>
+      <p:cxnSp>
+        <p:nvCxnSpPr>
+          <p:cNvPr id="105" name="Straight Arrow Connector 104"/>
+          <p:cNvCxnSpPr/>
+          <p:nvPr/>
+        </p:nvCxnSpPr>
+        <p:spPr>
+          <a:xfrm flipV="1">
+            <a:off x="442439" y="4335684"/>
+            <a:ext cx="7655026" cy="24774"/>
+          </a:xfrm>
+          <a:prstGeom prst="straightConnector1">
+            <a:avLst/>
+          </a:prstGeom>
+          <a:ln w="76200" cmpd="sng">
+            <a:tailEnd type="arrow"/>
+          </a:ln>
+        </p:spPr>
+        <p:style>
+          <a:lnRef idx="2">
+            <a:schemeClr val="accent1"/>
+          </a:lnRef>
+          <a:fillRef idx="0">
+            <a:schemeClr val="accent1"/>
+          </a:fillRef>
+          <a:effectRef idx="1">
+            <a:schemeClr val="accent1"/>
+          </a:effectRef>
+          <a:fontRef idx="minor">
+            <a:schemeClr val="tx1"/>
+          </a:fontRef>
+        </p:style>
+      </p:cxnSp>
+      <p:cxnSp>
+        <p:nvCxnSpPr>
+          <p:cNvPr id="106" name="Straight Arrow Connector 105"/>
+          <p:cNvCxnSpPr/>
+          <p:nvPr/>
+        </p:nvCxnSpPr>
+        <p:spPr>
+          <a:xfrm flipV="1">
+            <a:off x="442439" y="5342571"/>
+            <a:ext cx="7655026" cy="24774"/>
+          </a:xfrm>
+          <a:prstGeom prst="straightConnector1">
+            <a:avLst/>
+          </a:prstGeom>
+          <a:ln w="76200" cmpd="sng">
+            <a:tailEnd type="arrow"/>
+          </a:ln>
+        </p:spPr>
+        <p:style>
+          <a:lnRef idx="2">
+            <a:schemeClr val="accent1"/>
+          </a:lnRef>
+          <a:fillRef idx="0">
+            <a:schemeClr val="accent1"/>
+          </a:fillRef>
+          <a:effectRef idx="1">
+            <a:schemeClr val="accent1"/>
+          </a:effectRef>
+          <a:fontRef idx="minor">
+            <a:schemeClr val="tx1"/>
+          </a:fontRef>
+        </p:style>
+      </p:cxnSp>
+      <p:cxnSp>
+        <p:nvCxnSpPr>
+          <p:cNvPr id="107" name="Straight Arrow Connector 106"/>
+          <p:cNvCxnSpPr/>
+          <p:nvPr/>
+        </p:nvCxnSpPr>
+        <p:spPr>
+          <a:xfrm>
+            <a:off x="4703197" y="5281230"/>
+            <a:ext cx="855847" cy="1096700"/>
+          </a:xfrm>
+          <a:prstGeom prst="straightConnector1">
+            <a:avLst/>
+          </a:prstGeom>
+          <a:ln w="76200" cmpd="sng">
+            <a:solidFill>
+              <a:srgbClr val="FF0000"/>
+            </a:solidFill>
+            <a:tailEnd type="arrow"/>
+          </a:ln>
+        </p:spPr>
+        <p:style>
+          <a:lnRef idx="2">
+            <a:schemeClr val="accent1"/>
+          </a:lnRef>
+          <a:fillRef idx="0">
+            <a:schemeClr val="accent1"/>
+          </a:fillRef>
+          <a:effectRef idx="1">
+            <a:schemeClr val="accent1"/>
+          </a:effectRef>
+          <a:fontRef idx="minor">
+            <a:schemeClr val="tx1"/>
+          </a:fontRef>
+        </p:style>
+      </p:cxnSp>
+      <p:cxnSp>
+        <p:nvCxnSpPr>
+          <p:cNvPr id="108" name="Straight Arrow Connector 107"/>
+          <p:cNvCxnSpPr/>
+          <p:nvPr/>
+        </p:nvCxnSpPr>
+        <p:spPr>
+          <a:xfrm flipV="1">
+            <a:off x="2186667" y="4335684"/>
+            <a:ext cx="2035788" cy="1037070"/>
+          </a:xfrm>
+          <a:prstGeom prst="straightConnector1">
+            <a:avLst/>
+          </a:prstGeom>
+          <a:ln w="76200" cmpd="sng">
+            <a:solidFill>
+              <a:srgbClr val="FF0000"/>
+            </a:solidFill>
+            <a:tailEnd type="arrow"/>
+          </a:ln>
+        </p:spPr>
+        <p:style>
+          <a:lnRef idx="2">
+            <a:schemeClr val="accent1"/>
+          </a:lnRef>
+          <a:fillRef idx="0">
+            <a:schemeClr val="accent1"/>
+          </a:fillRef>
+          <a:effectRef idx="1">
+            <a:schemeClr val="accent1"/>
+          </a:effectRef>
+          <a:fontRef idx="minor">
+            <a:schemeClr val="tx1"/>
+          </a:fontRef>
+        </p:style>
+      </p:cxnSp>
+      <p:sp>
+        <p:nvSpPr>
+          <p:cNvPr id="109" name="TextBox 108"/>
+          <p:cNvSpPr txBox="1"/>
+          <p:nvPr/>
+        </p:nvSpPr>
+        <p:spPr>
+          <a:xfrm>
+            <a:off x="7254804" y="3750908"/>
+            <a:ext cx="433332" cy="584776"/>
+          </a:xfrm>
+          <a:prstGeom prst="rect">
+            <a:avLst/>
+          </a:prstGeom>
+          <a:noFill/>
+        </p:spPr>
+        <p:txBody>
+          <a:bodyPr wrap="none" rtlCol="0">
+            <a:spAutoFit/>
+          </a:bodyPr>
+          <a:lstStyle/>
+          <a:p>
+            <a:r>
+              <a:rPr lang="en-US" sz="3200" b="1" dirty="0" smtClean="0"/>
+              <a:t>A</a:t>
+            </a:r>
+            <a:endParaRPr lang="en-US" sz="3200" b="1" dirty="0"/>
+          </a:p>
+        </p:txBody>
+      </p:sp>
+      <p:sp>
+        <p:nvSpPr>
+          <p:cNvPr id="110" name="TextBox 109"/>
+          <p:cNvSpPr txBox="1"/>
+          <p:nvPr/>
+        </p:nvSpPr>
+        <p:spPr>
+          <a:xfrm>
+            <a:off x="7328385" y="4787977"/>
+            <a:ext cx="414697" cy="584776"/>
+          </a:xfrm>
+          <a:prstGeom prst="rect">
+            <a:avLst/>
+          </a:prstGeom>
+          <a:noFill/>
+        </p:spPr>
+        <p:txBody>
+          <a:bodyPr wrap="none" rtlCol="0">
+            <a:spAutoFit/>
+          </a:bodyPr>
+          <a:lstStyle/>
+          <a:p>
+            <a:r>
+              <a:rPr lang="en-US" sz="3200" b="1" dirty="0"/>
+              <a:t>B</a:t>
+            </a:r>
+          </a:p>
+        </p:txBody>
+      </p:sp>
+      <p:cxnSp>
+        <p:nvCxnSpPr>
+          <p:cNvPr id="111" name="Straight Arrow Connector 110"/>
+          <p:cNvCxnSpPr/>
+          <p:nvPr/>
+        </p:nvCxnSpPr>
+        <p:spPr>
+          <a:xfrm>
+            <a:off x="621295" y="4360458"/>
+            <a:ext cx="697537" cy="982113"/>
+          </a:xfrm>
+          <a:prstGeom prst="straightConnector1">
+            <a:avLst/>
+          </a:prstGeom>
+          <a:ln w="76200" cmpd="sng">
+            <a:solidFill>
+              <a:srgbClr val="FF0000"/>
+            </a:solidFill>
+            <a:tailEnd type="arrow"/>
+          </a:ln>
+        </p:spPr>
+        <p:style>
+          <a:lnRef idx="2">
+            <a:schemeClr val="accent1"/>
+          </a:lnRef>
+          <a:fillRef idx="0">
+            <a:schemeClr val="accent1"/>
+          </a:fillRef>
+          <a:effectRef idx="1">
+            <a:schemeClr val="accent1"/>
+          </a:effectRef>
+          <a:fontRef idx="minor">
+            <a:schemeClr val="tx1"/>
+          </a:fontRef>
+        </p:style>
+      </p:cxnSp>
+      <p:cxnSp>
+        <p:nvCxnSpPr>
+          <p:cNvPr id="112" name="Straight Arrow Connector 111"/>
+          <p:cNvCxnSpPr/>
+          <p:nvPr/>
+        </p:nvCxnSpPr>
+        <p:spPr>
+          <a:xfrm flipV="1">
+            <a:off x="2478777" y="4335684"/>
+            <a:ext cx="2224420" cy="2091671"/>
+          </a:xfrm>
+          <a:prstGeom prst="straightConnector1">
+            <a:avLst/>
+          </a:prstGeom>
+          <a:ln w="76200" cmpd="sng">
+            <a:solidFill>
+              <a:srgbClr val="FF0000"/>
+            </a:solidFill>
+            <a:tailEnd type="arrow"/>
+          </a:ln>
+        </p:spPr>
+        <p:style>
+          <a:lnRef idx="2">
+            <a:schemeClr val="accent1"/>
+          </a:lnRef>
+          <a:fillRef idx="0">
+            <a:schemeClr val="accent1"/>
+          </a:fillRef>
+          <a:effectRef idx="1">
+            <a:schemeClr val="accent1"/>
+          </a:effectRef>
+          <a:fontRef idx="minor">
+            <a:schemeClr val="tx1"/>
+          </a:fontRef>
+        </p:style>
+      </p:cxnSp>
+      <p:cxnSp>
+        <p:nvCxnSpPr>
+          <p:cNvPr id="113" name="Straight Arrow Connector 112"/>
+          <p:cNvCxnSpPr/>
+          <p:nvPr/>
+        </p:nvCxnSpPr>
+        <p:spPr>
+          <a:xfrm flipV="1">
+            <a:off x="3983920" y="5281230"/>
+            <a:ext cx="238535" cy="1096700"/>
+          </a:xfrm>
+          <a:prstGeom prst="straightConnector1">
+            <a:avLst/>
+          </a:prstGeom>
+          <a:ln w="76200" cmpd="sng">
+            <a:solidFill>
+              <a:srgbClr val="FF0000"/>
+            </a:solidFill>
+            <a:tailEnd type="arrow"/>
+          </a:ln>
+        </p:spPr>
+        <p:style>
+          <a:lnRef idx="2">
+            <a:schemeClr val="accent1"/>
+          </a:lnRef>
+          <a:fillRef idx="0">
+            <a:schemeClr val="accent1"/>
+          </a:fillRef>
+          <a:effectRef idx="1">
+            <a:schemeClr val="accent1"/>
+          </a:effectRef>
+          <a:fontRef idx="minor">
+            <a:schemeClr val="tx1"/>
+          </a:fontRef>
+        </p:style>
+      </p:cxnSp>
+      <p:cxnSp>
+        <p:nvCxnSpPr>
+          <p:cNvPr id="114" name="Straight Connector 113"/>
+          <p:cNvCxnSpPr/>
+          <p:nvPr/>
+        </p:nvCxnSpPr>
+        <p:spPr>
+          <a:xfrm flipH="1">
+            <a:off x="3409842" y="3650507"/>
+            <a:ext cx="47497" cy="3086870"/>
+          </a:xfrm>
+          <a:prstGeom prst="line">
+            <a:avLst/>
+          </a:prstGeom>
+          <a:ln w="76200" cmpd="sng">
+            <a:solidFill>
+              <a:srgbClr val="660066"/>
+            </a:solidFill>
+          </a:ln>
+        </p:spPr>
+        <p:style>
+          <a:lnRef idx="2">
+            <a:schemeClr val="accent1"/>
+          </a:lnRef>
+          <a:fillRef idx="0">
+            <a:schemeClr val="accent1"/>
+          </a:fillRef>
+          <a:effectRef idx="1">
+            <a:schemeClr val="accent1"/>
+          </a:effectRef>
+          <a:fontRef idx="minor">
+            <a:schemeClr val="tx1"/>
+          </a:fontRef>
+        </p:style>
+      </p:cxnSp>
+      <p:sp>
+        <p:nvSpPr>
+          <p:cNvPr id="115" name="Oval 114"/>
+          <p:cNvSpPr>
+            <a:spLocks noChangeAspect="1"/>
+          </p:cNvSpPr>
+          <p:nvPr/>
+        </p:nvSpPr>
+        <p:spPr>
+          <a:xfrm>
+            <a:off x="2097240" y="4198524"/>
+            <a:ext cx="274320" cy="274320"/>
+          </a:xfrm>
+          <a:prstGeom prst="ellipse">
+            <a:avLst/>
+          </a:prstGeom>
+        </p:spPr>
+        <p:style>
+          <a:lnRef idx="1">
+            <a:schemeClr val="accent1"/>
+          </a:lnRef>
+          <a:fillRef idx="3">
+            <a:schemeClr val="accent1"/>
+          </a:fillRef>
+          <a:effectRef idx="2">
+            <a:schemeClr val="accent1"/>
+          </a:effectRef>
+          <a:fontRef idx="minor">
+            <a:schemeClr val="lt1"/>
+          </a:fontRef>
+        </p:style>
+        <p:txBody>
+          <a:bodyPr rtlCol="0" anchor="ctr"/>
+          <a:lstStyle/>
+          <a:p>
+            <a:pPr algn="ctr"/>
+            <a:endParaRPr lang="en-US"/>
+          </a:p>
+        </p:txBody>
+      </p:sp>
+      <p:cxnSp>
+        <p:nvCxnSpPr>
+          <p:cNvPr id="116" name="Straight Arrow Connector 115"/>
+          <p:cNvCxnSpPr/>
+          <p:nvPr/>
+        </p:nvCxnSpPr>
+        <p:spPr>
+          <a:xfrm flipV="1">
+            <a:off x="394942" y="6402110"/>
+            <a:ext cx="7655026" cy="24774"/>
+          </a:xfrm>
+          <a:prstGeom prst="straightConnector1">
+            <a:avLst/>
+          </a:prstGeom>
+          <a:ln w="76200" cmpd="sng">
+            <a:tailEnd type="arrow"/>
+          </a:ln>
+        </p:spPr>
+        <p:style>
+          <a:lnRef idx="2">
+            <a:schemeClr val="accent1"/>
+          </a:lnRef>
+          <a:fillRef idx="0">
+            <a:schemeClr val="accent1"/>
+          </a:fillRef>
+          <a:effectRef idx="1">
+            <a:schemeClr val="accent1"/>
+          </a:effectRef>
+          <a:fontRef idx="minor">
+            <a:schemeClr val="tx1"/>
+          </a:fontRef>
+        </p:style>
+      </p:cxnSp>
+      <p:sp>
+        <p:nvSpPr>
+          <p:cNvPr id="117" name="TextBox 116"/>
+          <p:cNvSpPr txBox="1"/>
+          <p:nvPr/>
+        </p:nvSpPr>
+        <p:spPr>
+          <a:xfrm>
+            <a:off x="7264132" y="5842579"/>
+            <a:ext cx="401873" cy="584776"/>
+          </a:xfrm>
+          <a:prstGeom prst="rect">
+            <a:avLst/>
+          </a:prstGeom>
+          <a:noFill/>
+        </p:spPr>
+        <p:txBody>
+          <a:bodyPr wrap="none" rtlCol="0">
+            <a:spAutoFit/>
+          </a:bodyPr>
+          <a:lstStyle/>
+          <a:p>
+            <a:r>
+              <a:rPr lang="en-US" sz="3200" b="1" dirty="0" smtClean="0"/>
+              <a:t>C</a:t>
+            </a:r>
+            <a:endParaRPr lang="en-US" sz="3200" b="1" dirty="0"/>
+          </a:p>
+        </p:txBody>
+      </p:sp>
+      <p:sp>
+        <p:nvSpPr>
+          <p:cNvPr id="118" name="TextBox 117"/>
+          <p:cNvSpPr txBox="1"/>
+          <p:nvPr/>
+        </p:nvSpPr>
+        <p:spPr>
+          <a:xfrm>
+            <a:off x="3026286" y="3458520"/>
+            <a:ext cx="389850" cy="584776"/>
+          </a:xfrm>
+          <a:prstGeom prst="rect">
+            <a:avLst/>
+          </a:prstGeom>
+          <a:noFill/>
+        </p:spPr>
+        <p:txBody>
+          <a:bodyPr wrap="none" rtlCol="0">
+            <a:spAutoFit/>
+          </a:bodyPr>
+          <a:lstStyle/>
+          <a:p>
+            <a:r>
+              <a:rPr lang="en-US" sz="3200" b="1" dirty="0" smtClean="0">
+                <a:solidFill>
+                  <a:srgbClr val="660066"/>
+                </a:solidFill>
+              </a:rPr>
+              <a:t>T</a:t>
+            </a:r>
+            <a:endParaRPr lang="en-US" sz="3200" b="1" dirty="0">
+              <a:solidFill>
+                <a:srgbClr val="660066"/>
+              </a:solidFill>
+            </a:endParaRPr>
+          </a:p>
+        </p:txBody>
+      </p:sp>
+      <p:cxnSp>
+        <p:nvCxnSpPr>
+          <p:cNvPr id="119" name="Straight Arrow Connector 118"/>
+          <p:cNvCxnSpPr/>
+          <p:nvPr/>
+        </p:nvCxnSpPr>
+        <p:spPr>
+          <a:xfrm>
+            <a:off x="1174173" y="4360459"/>
+            <a:ext cx="1012494" cy="2066896"/>
+          </a:xfrm>
+          <a:prstGeom prst="straightConnector1">
+            <a:avLst/>
+          </a:prstGeom>
+          <a:ln w="76200" cmpd="sng">
+            <a:solidFill>
+              <a:srgbClr val="FF0000"/>
+            </a:solidFill>
+            <a:tailEnd type="arrow"/>
+          </a:ln>
+        </p:spPr>
+        <p:style>
+          <a:lnRef idx="2">
+            <a:schemeClr val="accent1"/>
+          </a:lnRef>
+          <a:fillRef idx="0">
+            <a:schemeClr val="accent1"/>
+          </a:fillRef>
+          <a:effectRef idx="1">
+            <a:schemeClr val="accent1"/>
+          </a:effectRef>
+          <a:fontRef idx="minor">
+            <a:schemeClr val="tx1"/>
+          </a:fontRef>
+        </p:style>
+      </p:cxnSp>
+      <p:sp>
+        <p:nvSpPr>
+          <p:cNvPr id="120" name="Oval 119"/>
+          <p:cNvSpPr>
+            <a:spLocks noChangeAspect="1"/>
+          </p:cNvSpPr>
+          <p:nvPr/>
+        </p:nvSpPr>
+        <p:spPr>
+          <a:xfrm>
+            <a:off x="5025575" y="4202754"/>
+            <a:ext cx="274320" cy="274320"/>
+          </a:xfrm>
+          <a:prstGeom prst="ellipse">
+            <a:avLst/>
+          </a:prstGeom>
+        </p:spPr>
+        <p:style>
+          <a:lnRef idx="1">
+            <a:schemeClr val="accent1"/>
+          </a:lnRef>
+          <a:fillRef idx="3">
+            <a:schemeClr val="accent1"/>
+          </a:fillRef>
+          <a:effectRef idx="2">
+            <a:schemeClr val="accent1"/>
+          </a:effectRef>
+          <a:fontRef idx="minor">
+            <a:schemeClr val="lt1"/>
+          </a:fontRef>
+        </p:style>
+        <p:txBody>
+          <a:bodyPr rtlCol="0" anchor="ctr"/>
+          <a:lstStyle/>
+          <a:p>
+            <a:pPr algn="ctr"/>
+            <a:endParaRPr lang="en-US"/>
+          </a:p>
+        </p:txBody>
+      </p:sp>
+      <p:sp>
+        <p:nvSpPr>
+          <p:cNvPr id="121" name="TextBox 120"/>
+          <p:cNvSpPr txBox="1"/>
+          <p:nvPr/>
+        </p:nvSpPr>
+        <p:spPr>
+          <a:xfrm>
+            <a:off x="5480015" y="3463427"/>
+            <a:ext cx="493645" cy="584776"/>
+          </a:xfrm>
+          <a:prstGeom prst="rect">
+            <a:avLst/>
+          </a:prstGeom>
+          <a:noFill/>
+        </p:spPr>
+        <p:txBody>
+          <a:bodyPr wrap="none" rtlCol="0">
+            <a:spAutoFit/>
+          </a:bodyPr>
+          <a:lstStyle/>
+          <a:p>
+            <a:r>
+              <a:rPr lang="en-US" sz="3200" b="1" dirty="0" smtClean="0">
+                <a:solidFill>
+                  <a:srgbClr val="660066"/>
+                </a:solidFill>
+              </a:rPr>
+              <a:t>T’</a:t>
+            </a:r>
+            <a:endParaRPr lang="en-US" sz="3200" b="1" dirty="0">
+              <a:solidFill>
+                <a:srgbClr val="660066"/>
+              </a:solidFill>
+            </a:endParaRPr>
+          </a:p>
+        </p:txBody>
+      </p:sp>
+      <p:sp>
+        <p:nvSpPr>
+          <p:cNvPr id="122" name="Freeform 121"/>
+          <p:cNvSpPr/>
+          <p:nvPr/>
+        </p:nvSpPr>
+        <p:spPr>
+          <a:xfrm>
+            <a:off x="3468495" y="4181797"/>
+            <a:ext cx="1754819" cy="2622327"/>
+          </a:xfrm>
+          <a:custGeom>
+            <a:avLst/>
+            <a:gdLst>
+              <a:gd name="connsiteX0" fmla="*/ 0 w 1754819"/>
+              <a:gd name="connsiteY0" fmla="*/ 0 h 2622327"/>
+              <a:gd name="connsiteX1" fmla="*/ 553096 w 1754819"/>
+              <a:gd name="connsiteY1" fmla="*/ 655582 h 2622327"/>
+              <a:gd name="connsiteX2" fmla="*/ 1741227 w 1754819"/>
+              <a:gd name="connsiteY2" fmla="*/ 962886 h 2622327"/>
+              <a:gd name="connsiteX3" fmla="*/ 1229101 w 1754819"/>
+              <a:gd name="connsiteY3" fmla="*/ 2622327 h 2622327"/>
+              <a:gd name="connsiteX4" fmla="*/ 1229101 w 1754819"/>
+              <a:gd name="connsiteY4" fmla="*/ 2622327 h 2622327"/>
+            </a:gdLst>
+            <a:ahLst/>
+            <a:cxnLst>
+              <a:cxn ang="0">
+                <a:pos x="connsiteX0" y="connsiteY0"/>
+              </a:cxn>
+              <a:cxn ang="0">
+                <a:pos x="connsiteX1" y="connsiteY1"/>
+              </a:cxn>
+              <a:cxn ang="0">
+                <a:pos x="connsiteX2" y="connsiteY2"/>
+              </a:cxn>
+              <a:cxn ang="0">
+                <a:pos x="connsiteX3" y="connsiteY3"/>
+              </a:cxn>
+              <a:cxn ang="0">
+                <a:pos x="connsiteX4" y="connsiteY4"/>
+              </a:cxn>
+            </a:cxnLst>
+            <a:rect l="l" t="t" r="r" b="b"/>
+            <a:pathLst>
+              <a:path w="1754819" h="2622327">
+                <a:moveTo>
+                  <a:pt x="0" y="0"/>
+                </a:moveTo>
+                <a:cubicBezTo>
+                  <a:pt x="131445" y="247550"/>
+                  <a:pt x="262891" y="495101"/>
+                  <a:pt x="553096" y="655582"/>
+                </a:cubicBezTo>
+                <a:cubicBezTo>
+                  <a:pt x="843301" y="816063"/>
+                  <a:pt x="1628560" y="635095"/>
+                  <a:pt x="1741227" y="962886"/>
+                </a:cubicBezTo>
+                <a:cubicBezTo>
+                  <a:pt x="1853894" y="1290677"/>
+                  <a:pt x="1229101" y="2622327"/>
+                  <a:pt x="1229101" y="2622327"/>
+                </a:cubicBezTo>
+                <a:lnTo>
+                  <a:pt x="1229101" y="2622327"/>
+                </a:lnTo>
+              </a:path>
+            </a:pathLst>
+          </a:custGeom>
+          <a:ln w="76200" cmpd="sng">
+            <a:solidFill>
+              <a:srgbClr val="660066"/>
+            </a:solidFill>
+            <a:prstDash val="dash"/>
+          </a:ln>
+        </p:spPr>
+        <p:style>
+          <a:lnRef idx="2">
+            <a:schemeClr val="accent1"/>
+          </a:lnRef>
+          <a:fillRef idx="0">
+            <a:schemeClr val="accent1"/>
+          </a:fillRef>
+          <a:effectRef idx="1">
+            <a:schemeClr val="accent1"/>
+          </a:effectRef>
+          <a:fontRef idx="minor">
+            <a:schemeClr val="tx1"/>
+          </a:fontRef>
+        </p:style>
+        <p:txBody>
+          <a:bodyPr rtlCol="0" anchor="ctr"/>
+          <a:lstStyle/>
+          <a:p>
+            <a:pPr algn="ctr"/>
+            <a:endParaRPr lang="en-US"/>
+          </a:p>
+        </p:txBody>
+      </p:sp>
+      <p:sp>
+        <p:nvSpPr>
+          <p:cNvPr id="123" name="Freeform 122"/>
+          <p:cNvSpPr/>
+          <p:nvPr/>
+        </p:nvSpPr>
+        <p:spPr>
+          <a:xfrm>
+            <a:off x="4656626" y="4099849"/>
+            <a:ext cx="1127100" cy="2888658"/>
+          </a:xfrm>
+          <a:custGeom>
+            <a:avLst/>
+            <a:gdLst>
+              <a:gd name="connsiteX0" fmla="*/ 1085706 w 1127100"/>
+              <a:gd name="connsiteY0" fmla="*/ 0 h 2888658"/>
+              <a:gd name="connsiteX1" fmla="*/ 1085706 w 1127100"/>
+              <a:gd name="connsiteY1" fmla="*/ 655582 h 2888658"/>
+              <a:gd name="connsiteX2" fmla="*/ 655521 w 1127100"/>
+              <a:gd name="connsiteY2" fmla="*/ 1044834 h 2888658"/>
+              <a:gd name="connsiteX3" fmla="*/ 0 w 1127100"/>
+              <a:gd name="connsiteY3" fmla="*/ 2888658 h 2888658"/>
+              <a:gd name="connsiteX4" fmla="*/ 0 w 1127100"/>
+              <a:gd name="connsiteY4" fmla="*/ 2888658 h 2888658"/>
+            </a:gdLst>
+            <a:ahLst/>
+            <a:cxnLst>
+              <a:cxn ang="0">
+                <a:pos x="connsiteX0" y="connsiteY0"/>
+              </a:cxn>
+              <a:cxn ang="0">
+                <a:pos x="connsiteX1" y="connsiteY1"/>
+              </a:cxn>
+              <a:cxn ang="0">
+                <a:pos x="connsiteX2" y="connsiteY2"/>
+              </a:cxn>
+              <a:cxn ang="0">
+                <a:pos x="connsiteX3" y="connsiteY3"/>
+              </a:cxn>
+              <a:cxn ang="0">
+                <a:pos x="connsiteX4" y="connsiteY4"/>
+              </a:cxn>
+            </a:cxnLst>
+            <a:rect l="l" t="t" r="r" b="b"/>
+            <a:pathLst>
+              <a:path w="1127100" h="2888658">
+                <a:moveTo>
+                  <a:pt x="1085706" y="0"/>
+                </a:moveTo>
+                <a:cubicBezTo>
+                  <a:pt x="1121554" y="240721"/>
+                  <a:pt x="1157403" y="481443"/>
+                  <a:pt x="1085706" y="655582"/>
+                </a:cubicBezTo>
+                <a:cubicBezTo>
+                  <a:pt x="1014009" y="829721"/>
+                  <a:pt x="836472" y="672655"/>
+                  <a:pt x="655521" y="1044834"/>
+                </a:cubicBezTo>
+                <a:cubicBezTo>
+                  <a:pt x="474570" y="1417013"/>
+                  <a:pt x="0" y="2888658"/>
+                  <a:pt x="0" y="2888658"/>
+                </a:cubicBezTo>
+                <a:lnTo>
+                  <a:pt x="0" y="2888658"/>
+                </a:lnTo>
+              </a:path>
+            </a:pathLst>
+          </a:custGeom>
+          <a:ln w="76200" cmpd="sng">
+            <a:solidFill>
+              <a:srgbClr val="660066"/>
+            </a:solidFill>
+          </a:ln>
+        </p:spPr>
+        <p:style>
+          <a:lnRef idx="2">
+            <a:schemeClr val="accent1"/>
+          </a:lnRef>
+          <a:fillRef idx="0">
+            <a:schemeClr val="accent1"/>
+          </a:fillRef>
+          <a:effectRef idx="1">
+            <a:schemeClr val="accent1"/>
+          </a:effectRef>
+          <a:fontRef idx="minor">
+            <a:schemeClr val="tx1"/>
+          </a:fontRef>
+        </p:style>
+        <p:txBody>
+          <a:bodyPr rtlCol="0" anchor="ctr"/>
+          <a:lstStyle/>
+          <a:p>
+            <a:pPr algn="ctr"/>
+            <a:endParaRPr lang="en-US"/>
+          </a:p>
+        </p:txBody>
+      </p:sp>
+      <p:cxnSp>
+        <p:nvCxnSpPr>
+          <p:cNvPr id="124" name="Straight Arrow Connector 123"/>
+          <p:cNvCxnSpPr/>
+          <p:nvPr/>
+        </p:nvCxnSpPr>
+        <p:spPr>
+          <a:xfrm>
+            <a:off x="6099696" y="4356317"/>
+            <a:ext cx="697537" cy="982113"/>
+          </a:xfrm>
+          <a:prstGeom prst="straightConnector1">
+            <a:avLst/>
+          </a:prstGeom>
+          <a:ln w="76200" cmpd="sng">
+            <a:solidFill>
+              <a:srgbClr val="FF0000"/>
+            </a:solidFill>
+            <a:tailEnd type="arrow"/>
+          </a:ln>
+        </p:spPr>
+        <p:style>
+          <a:lnRef idx="2">
+            <a:schemeClr val="accent1"/>
+          </a:lnRef>
+          <a:fillRef idx="0">
+            <a:schemeClr val="accent1"/>
+          </a:fillRef>
+          <a:effectRef idx="1">
+            <a:schemeClr val="accent1"/>
+          </a:effectRef>
+          <a:fontRef idx="minor">
+            <a:schemeClr val="tx1"/>
+          </a:fontRef>
+        </p:style>
+      </p:cxnSp>
+    </p:spTree>
+    <p:extLst>
+      <p:ext uri="{BB962C8B-B14F-4D97-AF65-F5344CB8AC3E}">
+        <p14:creationId xmlns:p14="http://schemas.microsoft.com/office/powerpoint/2010/main" val="293503408"/>
       </p:ext>
     </p:extLst>
   </p:cSld>
@@ -6854,13 +9750,13 @@
       </p:grpSpPr>
       <p:cxnSp>
         <p:nvCxnSpPr>
-          <p:cNvPr id="4" name="Straight Arrow Connector 3"/>
+          <p:cNvPr id="105" name="Straight Arrow Connector 104"/>
           <p:cNvCxnSpPr/>
           <p:nvPr/>
         </p:nvCxnSpPr>
         <p:spPr>
           <a:xfrm flipV="1">
-            <a:off x="394942" y="993851"/>
+            <a:off x="621295" y="2323206"/>
             <a:ext cx="7655026" cy="24774"/>
           </a:xfrm>
           <a:prstGeom prst="straightConnector1">
@@ -6887,13 +9783,13 @@
       </p:cxnSp>
       <p:cxnSp>
         <p:nvCxnSpPr>
-          <p:cNvPr id="6" name="Straight Arrow Connector 5"/>
+          <p:cNvPr id="106" name="Straight Arrow Connector 105"/>
           <p:cNvCxnSpPr/>
           <p:nvPr/>
         </p:nvCxnSpPr>
         <p:spPr>
           <a:xfrm flipV="1">
-            <a:off x="394942" y="2000738"/>
+            <a:off x="621295" y="3330093"/>
             <a:ext cx="7655026" cy="24774"/>
           </a:xfrm>
           <a:prstGeom prst="straightConnector1">
@@ -6920,13 +9816,13 @@
       </p:cxnSp>
       <p:cxnSp>
         <p:nvCxnSpPr>
-          <p:cNvPr id="10" name="Straight Arrow Connector 9"/>
+          <p:cNvPr id="107" name="Straight Arrow Connector 106"/>
           <p:cNvCxnSpPr/>
           <p:nvPr/>
         </p:nvCxnSpPr>
         <p:spPr>
           <a:xfrm>
-            <a:off x="4655700" y="1939397"/>
+            <a:off x="4882053" y="3268752"/>
             <a:ext cx="855847" cy="1096700"/>
           </a:xfrm>
           <a:prstGeom prst="straightConnector1">
@@ -6956,13 +9852,13 @@
       </p:cxnSp>
       <p:cxnSp>
         <p:nvCxnSpPr>
-          <p:cNvPr id="13" name="Straight Arrow Connector 12"/>
+          <p:cNvPr id="108" name="Straight Arrow Connector 107"/>
           <p:cNvCxnSpPr/>
           <p:nvPr/>
         </p:nvCxnSpPr>
         <p:spPr>
           <a:xfrm flipV="1">
-            <a:off x="2139170" y="993851"/>
+            <a:off x="2365523" y="2323206"/>
             <a:ext cx="2035788" cy="1037070"/>
           </a:xfrm>
           <a:prstGeom prst="straightConnector1">
@@ -6992,13 +9888,13 @@
       </p:cxnSp>
       <p:sp>
         <p:nvSpPr>
-          <p:cNvPr id="22" name="TextBox 21"/>
+          <p:cNvPr id="109" name="TextBox 108"/>
           <p:cNvSpPr txBox="1"/>
           <p:nvPr/>
         </p:nvSpPr>
         <p:spPr>
           <a:xfrm>
-            <a:off x="7207307" y="409075"/>
+            <a:off x="7433660" y="1738430"/>
             <a:ext cx="433332" cy="584776"/>
           </a:xfrm>
           <a:prstGeom prst="rect">
@@ -7022,13 +9918,13 @@
       </p:sp>
       <p:sp>
         <p:nvSpPr>
-          <p:cNvPr id="23" name="TextBox 22"/>
+          <p:cNvPr id="110" name="TextBox 109"/>
           <p:cNvSpPr txBox="1"/>
           <p:nvPr/>
         </p:nvSpPr>
         <p:spPr>
           <a:xfrm>
-            <a:off x="7280888" y="1446144"/>
+            <a:off x="7507241" y="2775499"/>
             <a:ext cx="414697" cy="584776"/>
           </a:xfrm>
           <a:prstGeom prst="rect">
@@ -7051,13 +9947,13 @@
       </p:sp>
       <p:cxnSp>
         <p:nvCxnSpPr>
-          <p:cNvPr id="28" name="Straight Arrow Connector 27"/>
+          <p:cNvPr id="111" name="Straight Arrow Connector 110"/>
           <p:cNvCxnSpPr/>
           <p:nvPr/>
         </p:nvCxnSpPr>
         <p:spPr>
           <a:xfrm>
-            <a:off x="573798" y="1018625"/>
+            <a:off x="800151" y="2347980"/>
             <a:ext cx="697537" cy="982113"/>
           </a:xfrm>
           <a:prstGeom prst="straightConnector1">
@@ -7087,13 +9983,13 @@
       </p:cxnSp>
       <p:cxnSp>
         <p:nvCxnSpPr>
-          <p:cNvPr id="29" name="Straight Arrow Connector 28"/>
+          <p:cNvPr id="112" name="Straight Arrow Connector 111"/>
           <p:cNvCxnSpPr/>
           <p:nvPr/>
         </p:nvCxnSpPr>
         <p:spPr>
           <a:xfrm flipV="1">
-            <a:off x="2431280" y="993851"/>
+            <a:off x="2657633" y="2323206"/>
             <a:ext cx="2224420" cy="2091671"/>
           </a:xfrm>
           <a:prstGeom prst="straightConnector1">
@@ -7123,13 +10019,13 @@
       </p:cxnSp>
       <p:cxnSp>
         <p:nvCxnSpPr>
-          <p:cNvPr id="45" name="Straight Arrow Connector 44"/>
+          <p:cNvPr id="113" name="Straight Arrow Connector 112"/>
           <p:cNvCxnSpPr/>
           <p:nvPr/>
         </p:nvCxnSpPr>
         <p:spPr>
           <a:xfrm flipV="1">
-            <a:off x="3936423" y="1939397"/>
+            <a:off x="4162776" y="3268752"/>
             <a:ext cx="238535" cy="1096700"/>
           </a:xfrm>
           <a:prstGeom prst="straightConnector1">
@@ -7157,44 +10053,9 @@
           </a:fontRef>
         </p:style>
       </p:cxnSp>
-      <p:cxnSp>
-        <p:nvCxnSpPr>
-          <p:cNvPr id="14" name="Straight Connector 13"/>
-          <p:cNvCxnSpPr/>
-          <p:nvPr/>
-        </p:nvCxnSpPr>
-        <p:spPr>
-          <a:xfrm flipH="1">
-            <a:off x="3362345" y="308674"/>
-            <a:ext cx="47497" cy="3086870"/>
-          </a:xfrm>
-          <a:prstGeom prst="line">
-            <a:avLst/>
-          </a:prstGeom>
-          <a:ln w="76200" cmpd="sng">
-            <a:solidFill>
-              <a:srgbClr val="660066"/>
-            </a:solidFill>
-          </a:ln>
-        </p:spPr>
-        <p:style>
-          <a:lnRef idx="2">
-            <a:schemeClr val="accent1"/>
-          </a:lnRef>
-          <a:fillRef idx="0">
-            <a:schemeClr val="accent1"/>
-          </a:fillRef>
-          <a:effectRef idx="1">
-            <a:schemeClr val="accent1"/>
-          </a:effectRef>
-          <a:fontRef idx="minor">
-            <a:schemeClr val="tx1"/>
-          </a:fontRef>
-        </p:style>
-      </p:cxnSp>
-      <p:sp>
-        <p:nvSpPr>
-          <p:cNvPr id="91" name="Oval 90"/>
+      <p:sp>
+        <p:nvSpPr>
+          <p:cNvPr id="115" name="Oval 114"/>
           <p:cNvSpPr>
             <a:spLocks noChangeAspect="1"/>
           </p:cNvSpPr>
@@ -7202,7 +10063,7 @@
         </p:nvSpPr>
         <p:spPr>
           <a:xfrm>
-            <a:off x="2049743" y="856691"/>
+            <a:off x="2276096" y="2186046"/>
             <a:ext cx="274320" cy="274320"/>
           </a:xfrm>
           <a:prstGeom prst="ellipse">
@@ -7234,13 +10095,13 @@
       </p:sp>
       <p:cxnSp>
         <p:nvCxnSpPr>
-          <p:cNvPr id="93" name="Straight Arrow Connector 92"/>
+          <p:cNvPr id="116" name="Straight Arrow Connector 115"/>
           <p:cNvCxnSpPr/>
           <p:nvPr/>
         </p:nvCxnSpPr>
         <p:spPr>
           <a:xfrm flipV="1">
-            <a:off x="347445" y="3060277"/>
+            <a:off x="573798" y="4389632"/>
             <a:ext cx="7655026" cy="24774"/>
           </a:xfrm>
           <a:prstGeom prst="straightConnector1">
@@ -7267,13 +10128,13 @@
       </p:cxnSp>
       <p:sp>
         <p:nvSpPr>
-          <p:cNvPr id="94" name="TextBox 93"/>
+          <p:cNvPr id="117" name="TextBox 116"/>
           <p:cNvSpPr txBox="1"/>
           <p:nvPr/>
         </p:nvSpPr>
         <p:spPr>
           <a:xfrm>
-            <a:off x="7216635" y="2500746"/>
+            <a:off x="7442988" y="3830101"/>
             <a:ext cx="401873" cy="584776"/>
           </a:xfrm>
           <a:prstGeom prst="rect">
@@ -7297,13 +10158,13 @@
       </p:sp>
       <p:sp>
         <p:nvSpPr>
-          <p:cNvPr id="96" name="TextBox 95"/>
+          <p:cNvPr id="118" name="TextBox 117"/>
           <p:cNvSpPr txBox="1"/>
           <p:nvPr/>
         </p:nvSpPr>
         <p:spPr>
           <a:xfrm>
-            <a:off x="2978789" y="116687"/>
+            <a:off x="3205142" y="1446042"/>
             <a:ext cx="389850" cy="584776"/>
           </a:xfrm>
           <a:prstGeom prst="rect">
@@ -7335,13 +10196,13 @@
       </p:sp>
       <p:cxnSp>
         <p:nvCxnSpPr>
-          <p:cNvPr id="37" name="Straight Arrow Connector 36"/>
+          <p:cNvPr id="119" name="Straight Arrow Connector 118"/>
           <p:cNvCxnSpPr/>
           <p:nvPr/>
         </p:nvCxnSpPr>
         <p:spPr>
           <a:xfrm>
-            <a:off x="1126676" y="1018626"/>
+            <a:off x="1353029" y="2347981"/>
             <a:ext cx="1012494" cy="2066896"/>
           </a:xfrm>
           <a:prstGeom prst="straightConnector1">
@@ -7371,7 +10232,7 @@
       </p:cxnSp>
       <p:sp>
         <p:nvSpPr>
-          <p:cNvPr id="41" name="Oval 40"/>
+          <p:cNvPr id="120" name="Oval 119"/>
           <p:cNvSpPr>
             <a:spLocks noChangeAspect="1"/>
           </p:cNvSpPr>
@@ -7379,7 +10240,7 @@
         </p:nvSpPr>
         <p:spPr>
           <a:xfrm>
-            <a:off x="4978078" y="860921"/>
+            <a:off x="5204431" y="2190276"/>
             <a:ext cx="274320" cy="274320"/>
           </a:xfrm>
           <a:prstGeom prst="ellipse">
@@ -7411,13 +10272,13 @@
       </p:sp>
       <p:sp>
         <p:nvSpPr>
-          <p:cNvPr id="46" name="TextBox 45"/>
+          <p:cNvPr id="121" name="TextBox 120"/>
           <p:cNvSpPr txBox="1"/>
           <p:nvPr/>
         </p:nvSpPr>
         <p:spPr>
           <a:xfrm>
-            <a:off x="5432518" y="121594"/>
+            <a:off x="5658871" y="1450949"/>
             <a:ext cx="493645" cy="584776"/>
           </a:xfrm>
           <a:prstGeom prst="rect">
@@ -7449,743 +10310,13 @@
       </p:sp>
       <p:sp>
         <p:nvSpPr>
-          <p:cNvPr id="16" name="Freeform 15"/>
-          <p:cNvSpPr/>
-          <p:nvPr/>
-        </p:nvSpPr>
-        <p:spPr>
-          <a:xfrm>
-            <a:off x="3420998" y="839964"/>
-            <a:ext cx="1754819" cy="2622327"/>
-          </a:xfrm>
-          <a:custGeom>
-            <a:avLst/>
-            <a:gdLst>
-              <a:gd name="connsiteX0" fmla="*/ 0 w 1754819"/>
-              <a:gd name="connsiteY0" fmla="*/ 0 h 2622327"/>
-              <a:gd name="connsiteX1" fmla="*/ 553096 w 1754819"/>
-              <a:gd name="connsiteY1" fmla="*/ 655582 h 2622327"/>
-              <a:gd name="connsiteX2" fmla="*/ 1741227 w 1754819"/>
-              <a:gd name="connsiteY2" fmla="*/ 962886 h 2622327"/>
-              <a:gd name="connsiteX3" fmla="*/ 1229101 w 1754819"/>
-              <a:gd name="connsiteY3" fmla="*/ 2622327 h 2622327"/>
-              <a:gd name="connsiteX4" fmla="*/ 1229101 w 1754819"/>
-              <a:gd name="connsiteY4" fmla="*/ 2622327 h 2622327"/>
-            </a:gdLst>
-            <a:ahLst/>
-            <a:cxnLst>
-              <a:cxn ang="0">
-                <a:pos x="connsiteX0" y="connsiteY0"/>
-              </a:cxn>
-              <a:cxn ang="0">
-                <a:pos x="connsiteX1" y="connsiteY1"/>
-              </a:cxn>
-              <a:cxn ang="0">
-                <a:pos x="connsiteX2" y="connsiteY2"/>
-              </a:cxn>
-              <a:cxn ang="0">
-                <a:pos x="connsiteX3" y="connsiteY3"/>
-              </a:cxn>
-              <a:cxn ang="0">
-                <a:pos x="connsiteX4" y="connsiteY4"/>
-              </a:cxn>
-            </a:cxnLst>
-            <a:rect l="l" t="t" r="r" b="b"/>
-            <a:pathLst>
-              <a:path w="1754819" h="2622327">
-                <a:moveTo>
-                  <a:pt x="0" y="0"/>
-                </a:moveTo>
-                <a:cubicBezTo>
-                  <a:pt x="131445" y="247550"/>
-                  <a:pt x="262891" y="495101"/>
-                  <a:pt x="553096" y="655582"/>
-                </a:cubicBezTo>
-                <a:cubicBezTo>
-                  <a:pt x="843301" y="816063"/>
-                  <a:pt x="1628560" y="635095"/>
-                  <a:pt x="1741227" y="962886"/>
-                </a:cubicBezTo>
-                <a:cubicBezTo>
-                  <a:pt x="1853894" y="1290677"/>
-                  <a:pt x="1229101" y="2622327"/>
-                  <a:pt x="1229101" y="2622327"/>
-                </a:cubicBezTo>
-                <a:lnTo>
-                  <a:pt x="1229101" y="2622327"/>
-                </a:lnTo>
-              </a:path>
-            </a:pathLst>
-          </a:custGeom>
-          <a:ln w="76200" cmpd="sng">
-            <a:solidFill>
-              <a:srgbClr val="660066"/>
-            </a:solidFill>
-          </a:ln>
-        </p:spPr>
-        <p:style>
-          <a:lnRef idx="2">
-            <a:schemeClr val="accent1"/>
-          </a:lnRef>
-          <a:fillRef idx="0">
-            <a:schemeClr val="accent1"/>
-          </a:fillRef>
-          <a:effectRef idx="1">
-            <a:schemeClr val="accent1"/>
-          </a:effectRef>
-          <a:fontRef idx="minor">
-            <a:schemeClr val="tx1"/>
-          </a:fontRef>
-        </p:style>
-        <p:txBody>
-          <a:bodyPr rtlCol="0" anchor="ctr"/>
-          <a:lstStyle/>
-          <a:p>
-            <a:pPr algn="ctr"/>
-            <a:endParaRPr lang="en-US"/>
-          </a:p>
-        </p:txBody>
-      </p:sp>
-      <p:cxnSp>
-        <p:nvCxnSpPr>
-          <p:cNvPr id="76" name="Straight Arrow Connector 75"/>
-          <p:cNvCxnSpPr/>
-          <p:nvPr/>
-        </p:nvCxnSpPr>
-        <p:spPr>
-          <a:xfrm>
-            <a:off x="6052199" y="1014484"/>
-            <a:ext cx="697537" cy="982113"/>
-          </a:xfrm>
-          <a:prstGeom prst="straightConnector1">
-            <a:avLst/>
-          </a:prstGeom>
-          <a:ln w="76200" cmpd="sng">
-            <a:solidFill>
-              <a:srgbClr val="FF0000"/>
-            </a:solidFill>
-            <a:tailEnd type="arrow"/>
-          </a:ln>
-        </p:spPr>
-        <p:style>
-          <a:lnRef idx="2">
-            <a:schemeClr val="accent1"/>
-          </a:lnRef>
-          <a:fillRef idx="0">
-            <a:schemeClr val="accent1"/>
-          </a:fillRef>
-          <a:effectRef idx="1">
-            <a:schemeClr val="accent1"/>
-          </a:effectRef>
-          <a:fontRef idx="minor">
-            <a:schemeClr val="tx1"/>
-          </a:fontRef>
-        </p:style>
-      </p:cxnSp>
-      <p:cxnSp>
-        <p:nvCxnSpPr>
-          <p:cNvPr id="105" name="Straight Arrow Connector 104"/>
-          <p:cNvCxnSpPr/>
-          <p:nvPr/>
-        </p:nvCxnSpPr>
-        <p:spPr>
-          <a:xfrm flipV="1">
-            <a:off x="442439" y="4335684"/>
-            <a:ext cx="7655026" cy="24774"/>
-          </a:xfrm>
-          <a:prstGeom prst="straightConnector1">
-            <a:avLst/>
-          </a:prstGeom>
-          <a:ln w="76200" cmpd="sng">
-            <a:tailEnd type="arrow"/>
-          </a:ln>
-        </p:spPr>
-        <p:style>
-          <a:lnRef idx="2">
-            <a:schemeClr val="accent1"/>
-          </a:lnRef>
-          <a:fillRef idx="0">
-            <a:schemeClr val="accent1"/>
-          </a:fillRef>
-          <a:effectRef idx="1">
-            <a:schemeClr val="accent1"/>
-          </a:effectRef>
-          <a:fontRef idx="minor">
-            <a:schemeClr val="tx1"/>
-          </a:fontRef>
-        </p:style>
-      </p:cxnSp>
-      <p:cxnSp>
-        <p:nvCxnSpPr>
-          <p:cNvPr id="106" name="Straight Arrow Connector 105"/>
-          <p:cNvCxnSpPr/>
-          <p:nvPr/>
-        </p:nvCxnSpPr>
-        <p:spPr>
-          <a:xfrm flipV="1">
-            <a:off x="442439" y="5342571"/>
-            <a:ext cx="7655026" cy="24774"/>
-          </a:xfrm>
-          <a:prstGeom prst="straightConnector1">
-            <a:avLst/>
-          </a:prstGeom>
-          <a:ln w="76200" cmpd="sng">
-            <a:tailEnd type="arrow"/>
-          </a:ln>
-        </p:spPr>
-        <p:style>
-          <a:lnRef idx="2">
-            <a:schemeClr val="accent1"/>
-          </a:lnRef>
-          <a:fillRef idx="0">
-            <a:schemeClr val="accent1"/>
-          </a:fillRef>
-          <a:effectRef idx="1">
-            <a:schemeClr val="accent1"/>
-          </a:effectRef>
-          <a:fontRef idx="minor">
-            <a:schemeClr val="tx1"/>
-          </a:fontRef>
-        </p:style>
-      </p:cxnSp>
-      <p:cxnSp>
-        <p:nvCxnSpPr>
-          <p:cNvPr id="107" name="Straight Arrow Connector 106"/>
-          <p:cNvCxnSpPr/>
-          <p:nvPr/>
-        </p:nvCxnSpPr>
-        <p:spPr>
-          <a:xfrm>
-            <a:off x="4703197" y="5281230"/>
-            <a:ext cx="855847" cy="1096700"/>
-          </a:xfrm>
-          <a:prstGeom prst="straightConnector1">
-            <a:avLst/>
-          </a:prstGeom>
-          <a:ln w="76200" cmpd="sng">
-            <a:solidFill>
-              <a:srgbClr val="FF0000"/>
-            </a:solidFill>
-            <a:tailEnd type="arrow"/>
-          </a:ln>
-        </p:spPr>
-        <p:style>
-          <a:lnRef idx="2">
-            <a:schemeClr val="accent1"/>
-          </a:lnRef>
-          <a:fillRef idx="0">
-            <a:schemeClr val="accent1"/>
-          </a:fillRef>
-          <a:effectRef idx="1">
-            <a:schemeClr val="accent1"/>
-          </a:effectRef>
-          <a:fontRef idx="minor">
-            <a:schemeClr val="tx1"/>
-          </a:fontRef>
-        </p:style>
-      </p:cxnSp>
-      <p:cxnSp>
-        <p:nvCxnSpPr>
-          <p:cNvPr id="108" name="Straight Arrow Connector 107"/>
-          <p:cNvCxnSpPr/>
-          <p:nvPr/>
-        </p:nvCxnSpPr>
-        <p:spPr>
-          <a:xfrm flipV="1">
-            <a:off x="2186667" y="4335684"/>
-            <a:ext cx="2035788" cy="1037070"/>
-          </a:xfrm>
-          <a:prstGeom prst="straightConnector1">
-            <a:avLst/>
-          </a:prstGeom>
-          <a:ln w="76200" cmpd="sng">
-            <a:solidFill>
-              <a:srgbClr val="FF0000"/>
-            </a:solidFill>
-            <a:tailEnd type="arrow"/>
-          </a:ln>
-        </p:spPr>
-        <p:style>
-          <a:lnRef idx="2">
-            <a:schemeClr val="accent1"/>
-          </a:lnRef>
-          <a:fillRef idx="0">
-            <a:schemeClr val="accent1"/>
-          </a:fillRef>
-          <a:effectRef idx="1">
-            <a:schemeClr val="accent1"/>
-          </a:effectRef>
-          <a:fontRef idx="minor">
-            <a:schemeClr val="tx1"/>
-          </a:fontRef>
-        </p:style>
-      </p:cxnSp>
-      <p:sp>
-        <p:nvSpPr>
-          <p:cNvPr id="109" name="TextBox 108"/>
-          <p:cNvSpPr txBox="1"/>
-          <p:nvPr/>
-        </p:nvSpPr>
-        <p:spPr>
-          <a:xfrm>
-            <a:off x="7254804" y="3750908"/>
-            <a:ext cx="433332" cy="584776"/>
-          </a:xfrm>
-          <a:prstGeom prst="rect">
-            <a:avLst/>
-          </a:prstGeom>
-          <a:noFill/>
-        </p:spPr>
-        <p:txBody>
-          <a:bodyPr wrap="none" rtlCol="0">
-            <a:spAutoFit/>
-          </a:bodyPr>
-          <a:lstStyle/>
-          <a:p>
-            <a:r>
-              <a:rPr lang="en-US" sz="3200" b="1" dirty="0" smtClean="0"/>
-              <a:t>A</a:t>
-            </a:r>
-            <a:endParaRPr lang="en-US" sz="3200" b="1" dirty="0"/>
-          </a:p>
-        </p:txBody>
-      </p:sp>
-      <p:sp>
-        <p:nvSpPr>
-          <p:cNvPr id="110" name="TextBox 109"/>
-          <p:cNvSpPr txBox="1"/>
-          <p:nvPr/>
-        </p:nvSpPr>
-        <p:spPr>
-          <a:xfrm>
-            <a:off x="7328385" y="4787977"/>
-            <a:ext cx="414697" cy="584776"/>
-          </a:xfrm>
-          <a:prstGeom prst="rect">
-            <a:avLst/>
-          </a:prstGeom>
-          <a:noFill/>
-        </p:spPr>
-        <p:txBody>
-          <a:bodyPr wrap="none" rtlCol="0">
-            <a:spAutoFit/>
-          </a:bodyPr>
-          <a:lstStyle/>
-          <a:p>
-            <a:r>
-              <a:rPr lang="en-US" sz="3200" b="1" dirty="0"/>
-              <a:t>B</a:t>
-            </a:r>
-          </a:p>
-        </p:txBody>
-      </p:sp>
-      <p:cxnSp>
-        <p:nvCxnSpPr>
-          <p:cNvPr id="111" name="Straight Arrow Connector 110"/>
-          <p:cNvCxnSpPr/>
-          <p:nvPr/>
-        </p:nvCxnSpPr>
-        <p:spPr>
-          <a:xfrm>
-            <a:off x="621295" y="4360458"/>
-            <a:ext cx="697537" cy="982113"/>
-          </a:xfrm>
-          <a:prstGeom prst="straightConnector1">
-            <a:avLst/>
-          </a:prstGeom>
-          <a:ln w="76200" cmpd="sng">
-            <a:solidFill>
-              <a:srgbClr val="FF0000"/>
-            </a:solidFill>
-            <a:tailEnd type="arrow"/>
-          </a:ln>
-        </p:spPr>
-        <p:style>
-          <a:lnRef idx="2">
-            <a:schemeClr val="accent1"/>
-          </a:lnRef>
-          <a:fillRef idx="0">
-            <a:schemeClr val="accent1"/>
-          </a:fillRef>
-          <a:effectRef idx="1">
-            <a:schemeClr val="accent1"/>
-          </a:effectRef>
-          <a:fontRef idx="minor">
-            <a:schemeClr val="tx1"/>
-          </a:fontRef>
-        </p:style>
-      </p:cxnSp>
-      <p:cxnSp>
-        <p:nvCxnSpPr>
-          <p:cNvPr id="112" name="Straight Arrow Connector 111"/>
-          <p:cNvCxnSpPr/>
-          <p:nvPr/>
-        </p:nvCxnSpPr>
-        <p:spPr>
-          <a:xfrm flipV="1">
-            <a:off x="2478777" y="4335684"/>
-            <a:ext cx="2224420" cy="2091671"/>
-          </a:xfrm>
-          <a:prstGeom prst="straightConnector1">
-            <a:avLst/>
-          </a:prstGeom>
-          <a:ln w="76200" cmpd="sng">
-            <a:solidFill>
-              <a:srgbClr val="FF0000"/>
-            </a:solidFill>
-            <a:tailEnd type="arrow"/>
-          </a:ln>
-        </p:spPr>
-        <p:style>
-          <a:lnRef idx="2">
-            <a:schemeClr val="accent1"/>
-          </a:lnRef>
-          <a:fillRef idx="0">
-            <a:schemeClr val="accent1"/>
-          </a:fillRef>
-          <a:effectRef idx="1">
-            <a:schemeClr val="accent1"/>
-          </a:effectRef>
-          <a:fontRef idx="minor">
-            <a:schemeClr val="tx1"/>
-          </a:fontRef>
-        </p:style>
-      </p:cxnSp>
-      <p:cxnSp>
-        <p:nvCxnSpPr>
-          <p:cNvPr id="113" name="Straight Arrow Connector 112"/>
-          <p:cNvCxnSpPr/>
-          <p:nvPr/>
-        </p:nvCxnSpPr>
-        <p:spPr>
-          <a:xfrm flipV="1">
-            <a:off x="3983920" y="5281230"/>
-            <a:ext cx="238535" cy="1096700"/>
-          </a:xfrm>
-          <a:prstGeom prst="straightConnector1">
-            <a:avLst/>
-          </a:prstGeom>
-          <a:ln w="76200" cmpd="sng">
-            <a:solidFill>
-              <a:srgbClr val="FF0000"/>
-            </a:solidFill>
-            <a:tailEnd type="arrow"/>
-          </a:ln>
-        </p:spPr>
-        <p:style>
-          <a:lnRef idx="2">
-            <a:schemeClr val="accent1"/>
-          </a:lnRef>
-          <a:fillRef idx="0">
-            <a:schemeClr val="accent1"/>
-          </a:fillRef>
-          <a:effectRef idx="1">
-            <a:schemeClr val="accent1"/>
-          </a:effectRef>
-          <a:fontRef idx="minor">
-            <a:schemeClr val="tx1"/>
-          </a:fontRef>
-        </p:style>
-      </p:cxnSp>
-      <p:cxnSp>
-        <p:nvCxnSpPr>
-          <p:cNvPr id="114" name="Straight Connector 113"/>
-          <p:cNvCxnSpPr/>
-          <p:nvPr/>
-        </p:nvCxnSpPr>
-        <p:spPr>
-          <a:xfrm flipH="1">
-            <a:off x="3409842" y="3650507"/>
-            <a:ext cx="47497" cy="3086870"/>
-          </a:xfrm>
-          <a:prstGeom prst="line">
-            <a:avLst/>
-          </a:prstGeom>
-          <a:ln w="76200" cmpd="sng">
-            <a:solidFill>
-              <a:srgbClr val="660066"/>
-            </a:solidFill>
-          </a:ln>
-        </p:spPr>
-        <p:style>
-          <a:lnRef idx="2">
-            <a:schemeClr val="accent1"/>
-          </a:lnRef>
-          <a:fillRef idx="0">
-            <a:schemeClr val="accent1"/>
-          </a:fillRef>
-          <a:effectRef idx="1">
-            <a:schemeClr val="accent1"/>
-          </a:effectRef>
-          <a:fontRef idx="minor">
-            <a:schemeClr val="tx1"/>
-          </a:fontRef>
-        </p:style>
-      </p:cxnSp>
-      <p:sp>
-        <p:nvSpPr>
-          <p:cNvPr id="115" name="Oval 114"/>
-          <p:cNvSpPr>
-            <a:spLocks noChangeAspect="1"/>
-          </p:cNvSpPr>
-          <p:nvPr/>
-        </p:nvSpPr>
-        <p:spPr>
-          <a:xfrm>
-            <a:off x="2097240" y="4198524"/>
-            <a:ext cx="274320" cy="274320"/>
-          </a:xfrm>
-          <a:prstGeom prst="ellipse">
-            <a:avLst/>
-          </a:prstGeom>
-        </p:spPr>
-        <p:style>
-          <a:lnRef idx="1">
-            <a:schemeClr val="accent1"/>
-          </a:lnRef>
-          <a:fillRef idx="3">
-            <a:schemeClr val="accent1"/>
-          </a:fillRef>
-          <a:effectRef idx="2">
-            <a:schemeClr val="accent1"/>
-          </a:effectRef>
-          <a:fontRef idx="minor">
-            <a:schemeClr val="lt1"/>
-          </a:fontRef>
-        </p:style>
-        <p:txBody>
-          <a:bodyPr rtlCol="0" anchor="ctr"/>
-          <a:lstStyle/>
-          <a:p>
-            <a:pPr algn="ctr"/>
-            <a:endParaRPr lang="en-US"/>
-          </a:p>
-        </p:txBody>
-      </p:sp>
-      <p:cxnSp>
-        <p:nvCxnSpPr>
-          <p:cNvPr id="116" name="Straight Arrow Connector 115"/>
-          <p:cNvCxnSpPr/>
-          <p:nvPr/>
-        </p:nvCxnSpPr>
-        <p:spPr>
-          <a:xfrm flipV="1">
-            <a:off x="394942" y="6402110"/>
-            <a:ext cx="7655026" cy="24774"/>
-          </a:xfrm>
-          <a:prstGeom prst="straightConnector1">
-            <a:avLst/>
-          </a:prstGeom>
-          <a:ln w="76200" cmpd="sng">
-            <a:tailEnd type="arrow"/>
-          </a:ln>
-        </p:spPr>
-        <p:style>
-          <a:lnRef idx="2">
-            <a:schemeClr val="accent1"/>
-          </a:lnRef>
-          <a:fillRef idx="0">
-            <a:schemeClr val="accent1"/>
-          </a:fillRef>
-          <a:effectRef idx="1">
-            <a:schemeClr val="accent1"/>
-          </a:effectRef>
-          <a:fontRef idx="minor">
-            <a:schemeClr val="tx1"/>
-          </a:fontRef>
-        </p:style>
-      </p:cxnSp>
-      <p:sp>
-        <p:nvSpPr>
-          <p:cNvPr id="117" name="TextBox 116"/>
-          <p:cNvSpPr txBox="1"/>
-          <p:nvPr/>
-        </p:nvSpPr>
-        <p:spPr>
-          <a:xfrm>
-            <a:off x="7264132" y="5842579"/>
-            <a:ext cx="401873" cy="584776"/>
-          </a:xfrm>
-          <a:prstGeom prst="rect">
-            <a:avLst/>
-          </a:prstGeom>
-          <a:noFill/>
-        </p:spPr>
-        <p:txBody>
-          <a:bodyPr wrap="none" rtlCol="0">
-            <a:spAutoFit/>
-          </a:bodyPr>
-          <a:lstStyle/>
-          <a:p>
-            <a:r>
-              <a:rPr lang="en-US" sz="3200" b="1" dirty="0" smtClean="0"/>
-              <a:t>C</a:t>
-            </a:r>
-            <a:endParaRPr lang="en-US" sz="3200" b="1" dirty="0"/>
-          </a:p>
-        </p:txBody>
-      </p:sp>
-      <p:sp>
-        <p:nvSpPr>
-          <p:cNvPr id="118" name="TextBox 117"/>
-          <p:cNvSpPr txBox="1"/>
-          <p:nvPr/>
-        </p:nvSpPr>
-        <p:spPr>
-          <a:xfrm>
-            <a:off x="3026286" y="3458520"/>
-            <a:ext cx="389850" cy="584776"/>
-          </a:xfrm>
-          <a:prstGeom prst="rect">
-            <a:avLst/>
-          </a:prstGeom>
-          <a:noFill/>
-        </p:spPr>
-        <p:txBody>
-          <a:bodyPr wrap="none" rtlCol="0">
-            <a:spAutoFit/>
-          </a:bodyPr>
-          <a:lstStyle/>
-          <a:p>
-            <a:r>
-              <a:rPr lang="en-US" sz="3200" b="1" dirty="0" smtClean="0">
-                <a:solidFill>
-                  <a:srgbClr val="660066"/>
-                </a:solidFill>
-              </a:rPr>
-              <a:t>T</a:t>
-            </a:r>
-            <a:endParaRPr lang="en-US" sz="3200" b="1" dirty="0">
-              <a:solidFill>
-                <a:srgbClr val="660066"/>
-              </a:solidFill>
-            </a:endParaRPr>
-          </a:p>
-        </p:txBody>
-      </p:sp>
-      <p:cxnSp>
-        <p:nvCxnSpPr>
-          <p:cNvPr id="119" name="Straight Arrow Connector 118"/>
-          <p:cNvCxnSpPr/>
-          <p:nvPr/>
-        </p:nvCxnSpPr>
-        <p:spPr>
-          <a:xfrm>
-            <a:off x="1174173" y="4360459"/>
-            <a:ext cx="1012494" cy="2066896"/>
-          </a:xfrm>
-          <a:prstGeom prst="straightConnector1">
-            <a:avLst/>
-          </a:prstGeom>
-          <a:ln w="76200" cmpd="sng">
-            <a:solidFill>
-              <a:srgbClr val="FF0000"/>
-            </a:solidFill>
-            <a:tailEnd type="arrow"/>
-          </a:ln>
-        </p:spPr>
-        <p:style>
-          <a:lnRef idx="2">
-            <a:schemeClr val="accent1"/>
-          </a:lnRef>
-          <a:fillRef idx="0">
-            <a:schemeClr val="accent1"/>
-          </a:fillRef>
-          <a:effectRef idx="1">
-            <a:schemeClr val="accent1"/>
-          </a:effectRef>
-          <a:fontRef idx="minor">
-            <a:schemeClr val="tx1"/>
-          </a:fontRef>
-        </p:style>
-      </p:cxnSp>
-      <p:sp>
-        <p:nvSpPr>
-          <p:cNvPr id="120" name="Oval 119"/>
-          <p:cNvSpPr>
-            <a:spLocks noChangeAspect="1"/>
-          </p:cNvSpPr>
-          <p:nvPr/>
-        </p:nvSpPr>
-        <p:spPr>
-          <a:xfrm>
-            <a:off x="5025575" y="4202754"/>
-            <a:ext cx="274320" cy="274320"/>
-          </a:xfrm>
-          <a:prstGeom prst="ellipse">
-            <a:avLst/>
-          </a:prstGeom>
-        </p:spPr>
-        <p:style>
-          <a:lnRef idx="1">
-            <a:schemeClr val="accent1"/>
-          </a:lnRef>
-          <a:fillRef idx="3">
-            <a:schemeClr val="accent1"/>
-          </a:fillRef>
-          <a:effectRef idx="2">
-            <a:schemeClr val="accent1"/>
-          </a:effectRef>
-          <a:fontRef idx="minor">
-            <a:schemeClr val="lt1"/>
-          </a:fontRef>
-        </p:style>
-        <p:txBody>
-          <a:bodyPr rtlCol="0" anchor="ctr"/>
-          <a:lstStyle/>
-          <a:p>
-            <a:pPr algn="ctr"/>
-            <a:endParaRPr lang="en-US"/>
-          </a:p>
-        </p:txBody>
-      </p:sp>
-      <p:sp>
-        <p:nvSpPr>
-          <p:cNvPr id="121" name="TextBox 120"/>
-          <p:cNvSpPr txBox="1"/>
-          <p:nvPr/>
-        </p:nvSpPr>
-        <p:spPr>
-          <a:xfrm>
-            <a:off x="5480015" y="3463427"/>
-            <a:ext cx="493645" cy="584776"/>
-          </a:xfrm>
-          <a:prstGeom prst="rect">
-            <a:avLst/>
-          </a:prstGeom>
-          <a:noFill/>
-        </p:spPr>
-        <p:txBody>
-          <a:bodyPr wrap="none" rtlCol="0">
-            <a:spAutoFit/>
-          </a:bodyPr>
-          <a:lstStyle/>
-          <a:p>
-            <a:r>
-              <a:rPr lang="en-US" sz="3200" b="1" dirty="0" smtClean="0">
-                <a:solidFill>
-                  <a:srgbClr val="660066"/>
-                </a:solidFill>
-              </a:rPr>
-              <a:t>T’</a:t>
-            </a:r>
-            <a:endParaRPr lang="en-US" sz="3200" b="1" dirty="0">
-              <a:solidFill>
-                <a:srgbClr val="660066"/>
-              </a:solidFill>
-            </a:endParaRPr>
-          </a:p>
-        </p:txBody>
-      </p:sp>
-      <p:sp>
-        <p:nvSpPr>
           <p:cNvPr id="122" name="Freeform 121"/>
           <p:cNvSpPr/>
           <p:nvPr/>
         </p:nvSpPr>
         <p:spPr>
           <a:xfrm>
-            <a:off x="3468495" y="4181797"/>
+            <a:off x="3647351" y="2169319"/>
             <a:ext cx="1754819" cy="2622327"/>
           </a:xfrm>
           <a:custGeom>
@@ -8285,7 +10416,7 @@
         </p:nvSpPr>
         <p:spPr>
           <a:xfrm>
-            <a:off x="4656626" y="4099849"/>
+            <a:off x="4835482" y="2087371"/>
             <a:ext cx="1127100" cy="2888658"/>
           </a:xfrm>
           <a:custGeom>
@@ -8384,7 +10515,7 @@
         </p:nvCxnSpPr>
         <p:spPr>
           <a:xfrm>
-            <a:off x="6099696" y="4356317"/>
+            <a:off x="6278552" y="2343839"/>
             <a:ext cx="697537" cy="982113"/>
           </a:xfrm>
           <a:prstGeom prst="straightConnector1">
@@ -8394,6 +10525,137 @@
             <a:solidFill>
               <a:srgbClr val="FF0000"/>
             </a:solidFill>
+            <a:tailEnd type="arrow"/>
+          </a:ln>
+        </p:spPr>
+        <p:style>
+          <a:lnRef idx="2">
+            <a:schemeClr val="accent1"/>
+          </a:lnRef>
+          <a:fillRef idx="0">
+            <a:schemeClr val="accent1"/>
+          </a:fillRef>
+          <a:effectRef idx="1">
+            <a:schemeClr val="accent1"/>
+          </a:effectRef>
+          <a:fontRef idx="minor">
+            <a:schemeClr val="tx1"/>
+          </a:fontRef>
+        </p:style>
+      </p:cxnSp>
+      <p:sp>
+        <p:nvSpPr>
+          <p:cNvPr id="2" name="TextBox 1"/>
+          <p:cNvSpPr txBox="1"/>
+          <p:nvPr/>
+        </p:nvSpPr>
+        <p:spPr>
+          <a:xfrm>
+            <a:off x="3205142" y="157923"/>
+            <a:ext cx="5827236" cy="584776"/>
+          </a:xfrm>
+          <a:prstGeom prst="rect">
+            <a:avLst/>
+          </a:prstGeom>
+          <a:noFill/>
+        </p:spPr>
+        <p:txBody>
+          <a:bodyPr wrap="none" rtlCol="0">
+            <a:spAutoFit/>
+          </a:bodyPr>
+          <a:lstStyle/>
+          <a:p>
+            <a:r>
+              <a:rPr lang="en-US" sz="3200" b="1" dirty="0" smtClean="0"/>
+              <a:t>Consistent cut c’ through point T‘ </a:t>
+            </a:r>
+            <a:endParaRPr lang="en-US" sz="3200" b="1" dirty="0"/>
+          </a:p>
+        </p:txBody>
+      </p:sp>
+      <p:cxnSp>
+        <p:nvCxnSpPr>
+          <p:cNvPr id="9" name="Straight Arrow Connector 8"/>
+          <p:cNvCxnSpPr>
+            <a:stCxn id="2" idx="2"/>
+            <a:endCxn id="123" idx="1"/>
+          </p:cNvCxnSpPr>
+          <p:nvPr/>
+        </p:nvCxnSpPr>
+        <p:spPr>
+          <a:xfrm flipH="1">
+            <a:off x="5921188" y="742699"/>
+            <a:ext cx="197572" cy="2000254"/>
+          </a:xfrm>
+          <a:prstGeom prst="straightConnector1">
+            <a:avLst/>
+          </a:prstGeom>
+          <a:ln>
+            <a:tailEnd type="arrow"/>
+          </a:ln>
+        </p:spPr>
+        <p:style>
+          <a:lnRef idx="2">
+            <a:schemeClr val="accent1"/>
+          </a:lnRef>
+          <a:fillRef idx="0">
+            <a:schemeClr val="accent1"/>
+          </a:fillRef>
+          <a:effectRef idx="1">
+            <a:schemeClr val="accent1"/>
+          </a:effectRef>
+          <a:fontRef idx="minor">
+            <a:schemeClr val="tx1"/>
+          </a:fontRef>
+        </p:style>
+      </p:cxnSp>
+      <p:sp>
+        <p:nvSpPr>
+          <p:cNvPr id="49" name="TextBox 48"/>
+          <p:cNvSpPr txBox="1"/>
+          <p:nvPr/>
+        </p:nvSpPr>
+        <p:spPr>
+          <a:xfrm>
+            <a:off x="194314" y="923949"/>
+            <a:ext cx="5623254" cy="584776"/>
+          </a:xfrm>
+          <a:prstGeom prst="rect">
+            <a:avLst/>
+          </a:prstGeom>
+          <a:noFill/>
+        </p:spPr>
+        <p:txBody>
+          <a:bodyPr wrap="none" rtlCol="0">
+            <a:spAutoFit/>
+          </a:bodyPr>
+          <a:lstStyle/>
+          <a:p>
+            <a:r>
+              <a:rPr lang="en-US" sz="3200" b="1" dirty="0" smtClean="0"/>
+              <a:t>Consistent cut c through point T </a:t>
+            </a:r>
+            <a:endParaRPr lang="en-US" sz="3200" b="1" dirty="0"/>
+          </a:p>
+        </p:txBody>
+      </p:sp>
+      <p:cxnSp>
+        <p:nvCxnSpPr>
+          <p:cNvPr id="17" name="Straight Arrow Connector 16"/>
+          <p:cNvCxnSpPr>
+            <a:stCxn id="49" idx="2"/>
+          </p:cNvCxnSpPr>
+          <p:nvPr/>
+        </p:nvCxnSpPr>
+        <p:spPr>
+          <a:xfrm>
+            <a:off x="3005941" y="1508725"/>
+            <a:ext cx="641410" cy="839256"/>
+          </a:xfrm>
+          <a:prstGeom prst="straightConnector1">
+            <a:avLst/>
+          </a:prstGeom>
+          <a:ln>
             <a:tailEnd type="arrow"/>
           </a:ln>
         </p:spPr>
@@ -8650,42 +10912,6 @@
       </p:cxnSp>
       <p:cxnSp>
         <p:nvCxnSpPr>
-          <p:cNvPr id="3" name="Straight Arrow Connector 2"/>
-          <p:cNvCxnSpPr/>
-          <p:nvPr/>
-        </p:nvCxnSpPr>
-        <p:spPr>
-          <a:xfrm flipV="1">
-            <a:off x="2396747" y="993851"/>
-            <a:ext cx="3195663" cy="1037070"/>
-          </a:xfrm>
-          <a:prstGeom prst="straightConnector1">
-            <a:avLst/>
-          </a:prstGeom>
-          <a:ln w="76200" cmpd="sng">
-            <a:solidFill>
-              <a:srgbClr val="FF0000"/>
-            </a:solidFill>
-            <a:tailEnd type="arrow"/>
-          </a:ln>
-        </p:spPr>
-        <p:style>
-          <a:lnRef idx="2">
-            <a:schemeClr val="accent1"/>
-          </a:lnRef>
-          <a:fillRef idx="0">
-            <a:schemeClr val="accent1"/>
-          </a:fillRef>
-          <a:effectRef idx="1">
-            <a:schemeClr val="accent1"/>
-          </a:effectRef>
-          <a:fontRef idx="minor">
-            <a:schemeClr val="tx1"/>
-          </a:fontRef>
-        </p:style>
-      </p:cxnSp>
-      <p:cxnSp>
-        <p:nvCxnSpPr>
           <p:cNvPr id="42" name="Straight Connector 41"/>
           <p:cNvCxnSpPr/>
           <p:nvPr/>
@@ -8938,42 +11164,6 @@
           </a:prstGeom>
           <a:ln>
             <a:prstDash val="dash"/>
-            <a:tailEnd type="arrow"/>
-          </a:ln>
-        </p:spPr>
-        <p:style>
-          <a:lnRef idx="2">
-            <a:schemeClr val="accent1"/>
-          </a:lnRef>
-          <a:fillRef idx="0">
-            <a:schemeClr val="accent1"/>
-          </a:fillRef>
-          <a:effectRef idx="1">
-            <a:schemeClr val="accent1"/>
-          </a:effectRef>
-          <a:fontRef idx="minor">
-            <a:schemeClr val="tx1"/>
-          </a:fontRef>
-        </p:style>
-      </p:cxnSp>
-      <p:cxnSp>
-        <p:nvCxnSpPr>
-          <p:cNvPr id="54" name="Straight Arrow Connector 53"/>
-          <p:cNvCxnSpPr/>
-          <p:nvPr/>
-        </p:nvCxnSpPr>
-        <p:spPr>
-          <a:xfrm flipV="1">
-            <a:off x="2568875" y="4649516"/>
-            <a:ext cx="3195663" cy="1037070"/>
-          </a:xfrm>
-          <a:prstGeom prst="straightConnector1">
-            <a:avLst/>
-          </a:prstGeom>
-          <a:ln w="76200" cmpd="sng">
-            <a:solidFill>
-              <a:srgbClr val="FF0000"/>
-            </a:solidFill>
             <a:tailEnd type="arrow"/>
           </a:ln>
         </p:spPr>
@@ -9247,10 +11437,194 @@
           </a:p>
         </p:txBody>
       </p:sp>
+      <p:sp>
+        <p:nvSpPr>
+          <p:cNvPr id="2" name="Oval 1"/>
+          <p:cNvSpPr>
+            <a:spLocks noChangeAspect="1"/>
+          </p:cNvSpPr>
+          <p:nvPr/>
+        </p:nvSpPr>
+        <p:spPr>
+          <a:xfrm>
+            <a:off x="5224855" y="744305"/>
+            <a:ext cx="548640" cy="548640"/>
+          </a:xfrm>
+          <a:prstGeom prst="ellipse">
+            <a:avLst/>
+          </a:prstGeom>
+        </p:spPr>
+        <p:style>
+          <a:lnRef idx="1">
+            <a:schemeClr val="accent1"/>
+          </a:lnRef>
+          <a:fillRef idx="3">
+            <a:schemeClr val="accent1"/>
+          </a:fillRef>
+          <a:effectRef idx="2">
+            <a:schemeClr val="accent1"/>
+          </a:effectRef>
+          <a:fontRef idx="minor">
+            <a:schemeClr val="lt1"/>
+          </a:fontRef>
+        </p:style>
+        <p:txBody>
+          <a:bodyPr rtlCol="0" anchor="ctr"/>
+          <a:lstStyle/>
+          <a:p>
+            <a:pPr algn="ctr"/>
+            <a:endParaRPr lang="en-US"/>
+          </a:p>
+        </p:txBody>
+      </p:sp>
+      <p:sp>
+        <p:nvSpPr>
+          <p:cNvPr id="24" name="Oval 23"/>
+          <p:cNvSpPr>
+            <a:spLocks noChangeAspect="1"/>
+          </p:cNvSpPr>
+          <p:nvPr/>
+        </p:nvSpPr>
+        <p:spPr>
+          <a:xfrm>
+            <a:off x="5224855" y="4314752"/>
+            <a:ext cx="548640" cy="548640"/>
+          </a:xfrm>
+          <a:prstGeom prst="ellipse">
+            <a:avLst/>
+          </a:prstGeom>
+        </p:spPr>
+        <p:style>
+          <a:lnRef idx="1">
+            <a:schemeClr val="accent1"/>
+          </a:lnRef>
+          <a:fillRef idx="3">
+            <a:schemeClr val="accent1"/>
+          </a:fillRef>
+          <a:effectRef idx="2">
+            <a:schemeClr val="accent1"/>
+          </a:effectRef>
+          <a:fontRef idx="minor">
+            <a:schemeClr val="lt1"/>
+          </a:fontRef>
+        </p:style>
+        <p:txBody>
+          <a:bodyPr rtlCol="0" anchor="ctr"/>
+          <a:lstStyle/>
+          <a:p>
+            <a:pPr algn="ctr"/>
+            <a:endParaRPr lang="en-US"/>
+          </a:p>
+        </p:txBody>
+      </p:sp>
+      <p:sp>
+        <p:nvSpPr>
+          <p:cNvPr id="5" name="TextBox 4"/>
+          <p:cNvSpPr txBox="1"/>
+          <p:nvPr/>
+        </p:nvSpPr>
+        <p:spPr>
+          <a:xfrm>
+            <a:off x="5571925" y="2708624"/>
+            <a:ext cx="2588769" cy="584776"/>
+          </a:xfrm>
+          <a:prstGeom prst="rect">
+            <a:avLst/>
+          </a:prstGeom>
+          <a:noFill/>
+        </p:spPr>
+        <p:txBody>
+          <a:bodyPr wrap="none" rtlCol="0">
+            <a:spAutoFit/>
+          </a:bodyPr>
+          <a:lstStyle/>
+          <a:p>
+            <a:r>
+              <a:rPr lang="en-US" sz="3200" b="1" dirty="0" smtClean="0"/>
+              <a:t>Internal Event</a:t>
+            </a:r>
+            <a:endParaRPr lang="en-US" sz="3200" b="1" dirty="0"/>
+          </a:p>
+        </p:txBody>
+      </p:sp>
+      <p:cxnSp>
+        <p:nvCxnSpPr>
+          <p:cNvPr id="8" name="Straight Arrow Connector 7"/>
+          <p:cNvCxnSpPr>
+            <a:stCxn id="5" idx="0"/>
+            <a:endCxn id="2" idx="4"/>
+          </p:cNvCxnSpPr>
+          <p:nvPr/>
+        </p:nvCxnSpPr>
+        <p:spPr>
+          <a:xfrm flipH="1" flipV="1">
+            <a:off x="5499175" y="1292945"/>
+            <a:ext cx="1367135" cy="1415679"/>
+          </a:xfrm>
+          <a:prstGeom prst="straightConnector1">
+            <a:avLst/>
+          </a:prstGeom>
+          <a:ln>
+            <a:prstDash val="dash"/>
+            <a:tailEnd type="arrow"/>
+          </a:ln>
+        </p:spPr>
+        <p:style>
+          <a:lnRef idx="2">
+            <a:schemeClr val="accent1"/>
+          </a:lnRef>
+          <a:fillRef idx="0">
+            <a:schemeClr val="accent1"/>
+          </a:fillRef>
+          <a:effectRef idx="1">
+            <a:schemeClr val="accent1"/>
+          </a:effectRef>
+          <a:fontRef idx="minor">
+            <a:schemeClr val="tx1"/>
+          </a:fontRef>
+        </p:style>
+      </p:cxnSp>
+      <p:cxnSp>
+        <p:nvCxnSpPr>
+          <p:cNvPr id="28" name="Straight Arrow Connector 27"/>
+          <p:cNvCxnSpPr>
+            <a:stCxn id="5" idx="2"/>
+            <a:endCxn id="24" idx="0"/>
+          </p:cNvCxnSpPr>
+          <p:nvPr/>
+        </p:nvCxnSpPr>
+        <p:spPr>
+          <a:xfrm flipH="1">
+            <a:off x="5499175" y="3293400"/>
+            <a:ext cx="1367135" cy="1021352"/>
+          </a:xfrm>
+          <a:prstGeom prst="straightConnector1">
+            <a:avLst/>
+          </a:prstGeom>
+          <a:ln>
+            <a:prstDash val="dash"/>
+            <a:tailEnd type="arrow"/>
+          </a:ln>
+        </p:spPr>
+        <p:style>
+          <a:lnRef idx="2">
+            <a:schemeClr val="accent1"/>
+          </a:lnRef>
+          <a:fillRef idx="0">
+            <a:schemeClr val="accent1"/>
+          </a:fillRef>
+          <a:effectRef idx="1">
+            <a:schemeClr val="accent1"/>
+          </a:effectRef>
+          <a:fontRef idx="minor">
+            <a:schemeClr val="tx1"/>
+          </a:fontRef>
+        </p:style>
+      </p:cxnSp>
     </p:spTree>
     <p:extLst>
       <p:ext uri="{BB962C8B-B14F-4D97-AF65-F5344CB8AC3E}">
-        <p14:creationId xmlns:p14="http://schemas.microsoft.com/office/powerpoint/2010/main" val="1914139871"/>
+        <p14:creationId xmlns:p14="http://schemas.microsoft.com/office/powerpoint/2010/main" val="4007678965"/>
       </p:ext>
     </p:extLst>
   </p:cSld>
@@ -9417,7 +11791,7 @@
         </p:nvSpPr>
         <p:spPr>
           <a:xfrm>
-            <a:off x="394942" y="116687"/>
+            <a:off x="231061" y="116687"/>
             <a:ext cx="6211957" cy="584776"/>
           </a:xfrm>
           <a:prstGeom prst="rect">
@@ -9457,7 +11831,7 @@
         </p:nvCxnSpPr>
         <p:spPr>
           <a:xfrm>
-            <a:off x="3500921" y="701463"/>
+            <a:off x="3337040" y="701463"/>
             <a:ext cx="229846" cy="292388"/>
           </a:xfrm>
           <a:prstGeom prst="straightConnector1">
@@ -9681,6 +12055,820 @@
           </a:p>
         </p:txBody>
       </p:sp>
+      <p:cxnSp>
+        <p:nvCxnSpPr>
+          <p:cNvPr id="53" name="Straight Arrow Connector 52"/>
+          <p:cNvCxnSpPr/>
+          <p:nvPr/>
+        </p:nvCxnSpPr>
+        <p:spPr>
+          <a:xfrm flipH="1">
+            <a:off x="3902895" y="4357128"/>
+            <a:ext cx="67511" cy="292388"/>
+          </a:xfrm>
+          <a:prstGeom prst="straightConnector1">
+            <a:avLst/>
+          </a:prstGeom>
+          <a:ln>
+            <a:prstDash val="dash"/>
+            <a:tailEnd type="arrow"/>
+          </a:ln>
+        </p:spPr>
+        <p:style>
+          <a:lnRef idx="2">
+            <a:schemeClr val="accent1"/>
+          </a:lnRef>
+          <a:fillRef idx="0">
+            <a:schemeClr val="accent1"/>
+          </a:fillRef>
+          <a:effectRef idx="1">
+            <a:schemeClr val="accent1"/>
+          </a:effectRef>
+          <a:fontRef idx="minor">
+            <a:schemeClr val="tx1"/>
+          </a:fontRef>
+        </p:style>
+      </p:cxnSp>
+      <p:cxnSp>
+        <p:nvCxnSpPr>
+          <p:cNvPr id="55" name="Straight Connector 54"/>
+          <p:cNvCxnSpPr/>
+          <p:nvPr/>
+        </p:nvCxnSpPr>
+        <p:spPr>
+          <a:xfrm>
+            <a:off x="3902895" y="4357128"/>
+            <a:ext cx="1" cy="1613560"/>
+          </a:xfrm>
+          <a:prstGeom prst="line">
+            <a:avLst/>
+          </a:prstGeom>
+          <a:ln w="76200" cmpd="sng">
+            <a:solidFill>
+              <a:srgbClr val="660066"/>
+            </a:solidFill>
+          </a:ln>
+        </p:spPr>
+        <p:style>
+          <a:lnRef idx="2">
+            <a:schemeClr val="accent1"/>
+          </a:lnRef>
+          <a:fillRef idx="0">
+            <a:schemeClr val="accent1"/>
+          </a:fillRef>
+          <a:effectRef idx="1">
+            <a:schemeClr val="accent1"/>
+          </a:effectRef>
+          <a:fontRef idx="minor">
+            <a:schemeClr val="tx1"/>
+          </a:fontRef>
+        </p:style>
+      </p:cxnSp>
+      <p:sp>
+        <p:nvSpPr>
+          <p:cNvPr id="58" name="TextBox 57"/>
+          <p:cNvSpPr txBox="1"/>
+          <p:nvPr/>
+        </p:nvSpPr>
+        <p:spPr>
+          <a:xfrm>
+            <a:off x="3953400" y="5656403"/>
+            <a:ext cx="438642" cy="707886"/>
+          </a:xfrm>
+          <a:prstGeom prst="rect">
+            <a:avLst/>
+          </a:prstGeom>
+          <a:noFill/>
+        </p:spPr>
+        <p:txBody>
+          <a:bodyPr wrap="none" rtlCol="0">
+            <a:spAutoFit/>
+          </a:bodyPr>
+          <a:lstStyle/>
+          <a:p>
+            <a:r>
+              <a:rPr lang="en-US" sz="4000" b="1" dirty="0" smtClean="0">
+                <a:solidFill>
+                  <a:srgbClr val="660066"/>
+                </a:solidFill>
+              </a:rPr>
+              <a:t>T</a:t>
+            </a:r>
+            <a:endParaRPr lang="en-US" sz="4000" b="1" dirty="0">
+              <a:solidFill>
+                <a:srgbClr val="660066"/>
+              </a:solidFill>
+            </a:endParaRPr>
+          </a:p>
+        </p:txBody>
+      </p:sp>
+      <p:sp>
+        <p:nvSpPr>
+          <p:cNvPr id="60" name="TextBox 59"/>
+          <p:cNvSpPr txBox="1"/>
+          <p:nvPr/>
+        </p:nvSpPr>
+        <p:spPr>
+          <a:xfrm>
+            <a:off x="5640682" y="3966404"/>
+            <a:ext cx="570889" cy="707886"/>
+          </a:xfrm>
+          <a:prstGeom prst="rect">
+            <a:avLst/>
+          </a:prstGeom>
+          <a:noFill/>
+        </p:spPr>
+        <p:txBody>
+          <a:bodyPr wrap="none" rtlCol="0">
+            <a:spAutoFit/>
+          </a:bodyPr>
+          <a:lstStyle/>
+          <a:p>
+            <a:r>
+              <a:rPr lang="en-US" sz="4000" b="1" dirty="0" smtClean="0">
+                <a:solidFill>
+                  <a:srgbClr val="660066"/>
+                </a:solidFill>
+              </a:rPr>
+              <a:t>T’</a:t>
+            </a:r>
+            <a:endParaRPr lang="en-US" sz="4000" b="1" dirty="0">
+              <a:solidFill>
+                <a:srgbClr val="660066"/>
+              </a:solidFill>
+            </a:endParaRPr>
+          </a:p>
+        </p:txBody>
+      </p:sp>
+      <p:cxnSp>
+        <p:nvCxnSpPr>
+          <p:cNvPr id="7" name="Straight Arrow Connector 6"/>
+          <p:cNvCxnSpPr/>
+          <p:nvPr/>
+        </p:nvCxnSpPr>
+        <p:spPr>
+          <a:xfrm>
+            <a:off x="5469500" y="1018625"/>
+            <a:ext cx="1137399" cy="982113"/>
+          </a:xfrm>
+          <a:prstGeom prst="straightConnector1">
+            <a:avLst/>
+          </a:prstGeom>
+          <a:ln w="76200" cmpd="sng">
+            <a:solidFill>
+              <a:srgbClr val="FF0000"/>
+            </a:solidFill>
+            <a:tailEnd type="arrow"/>
+          </a:ln>
+        </p:spPr>
+        <p:style>
+          <a:lnRef idx="2">
+            <a:schemeClr val="accent1"/>
+          </a:lnRef>
+          <a:fillRef idx="0">
+            <a:schemeClr val="accent1"/>
+          </a:fillRef>
+          <a:effectRef idx="1">
+            <a:schemeClr val="accent1"/>
+          </a:effectRef>
+          <a:fontRef idx="minor">
+            <a:schemeClr val="tx1"/>
+          </a:fontRef>
+        </p:style>
+      </p:cxnSp>
+      <p:cxnSp>
+        <p:nvCxnSpPr>
+          <p:cNvPr id="29" name="Straight Arrow Connector 28"/>
+          <p:cNvCxnSpPr/>
+          <p:nvPr/>
+        </p:nvCxnSpPr>
+        <p:spPr>
+          <a:xfrm>
+            <a:off x="5621900" y="4610752"/>
+            <a:ext cx="1137399" cy="982113"/>
+          </a:xfrm>
+          <a:prstGeom prst="straightConnector1">
+            <a:avLst/>
+          </a:prstGeom>
+          <a:ln w="76200" cmpd="sng">
+            <a:solidFill>
+              <a:srgbClr val="FF0000"/>
+            </a:solidFill>
+            <a:tailEnd type="arrow"/>
+          </a:ln>
+        </p:spPr>
+        <p:style>
+          <a:lnRef idx="2">
+            <a:schemeClr val="accent1"/>
+          </a:lnRef>
+          <a:fillRef idx="0">
+            <a:schemeClr val="accent1"/>
+          </a:fillRef>
+          <a:effectRef idx="1">
+            <a:schemeClr val="accent1"/>
+          </a:effectRef>
+          <a:fontRef idx="minor">
+            <a:schemeClr val="tx1"/>
+          </a:fontRef>
+        </p:style>
+      </p:cxnSp>
+      <p:sp>
+        <p:nvSpPr>
+          <p:cNvPr id="9" name="Freeform 8"/>
+          <p:cNvSpPr/>
+          <p:nvPr/>
+        </p:nvSpPr>
+        <p:spPr>
+          <a:xfrm>
+            <a:off x="5981625" y="4630046"/>
+            <a:ext cx="1422700" cy="1638955"/>
+          </a:xfrm>
+          <a:custGeom>
+            <a:avLst/>
+            <a:gdLst>
+              <a:gd name="connsiteX0" fmla="*/ 0 w 1422700"/>
+              <a:gd name="connsiteY0" fmla="*/ 0 h 1638955"/>
+              <a:gd name="connsiteX1" fmla="*/ 1372497 w 1422700"/>
+              <a:gd name="connsiteY1" fmla="*/ 1167755 h 1638955"/>
+              <a:gd name="connsiteX2" fmla="*/ 1147161 w 1422700"/>
+              <a:gd name="connsiteY2" fmla="*/ 1638955 h 1638955"/>
+              <a:gd name="connsiteX3" fmla="*/ 1147161 w 1422700"/>
+              <a:gd name="connsiteY3" fmla="*/ 1638955 h 1638955"/>
+            </a:gdLst>
+            <a:ahLst/>
+            <a:cxnLst>
+              <a:cxn ang="0">
+                <a:pos x="connsiteX0" y="connsiteY0"/>
+              </a:cxn>
+              <a:cxn ang="0">
+                <a:pos x="connsiteX1" y="connsiteY1"/>
+              </a:cxn>
+              <a:cxn ang="0">
+                <a:pos x="connsiteX2" y="connsiteY2"/>
+              </a:cxn>
+              <a:cxn ang="0">
+                <a:pos x="connsiteX3" y="connsiteY3"/>
+              </a:cxn>
+            </a:cxnLst>
+            <a:rect l="l" t="t" r="r" b="b"/>
+            <a:pathLst>
+              <a:path w="1422700" h="1638955">
+                <a:moveTo>
+                  <a:pt x="0" y="0"/>
+                </a:moveTo>
+                <a:cubicBezTo>
+                  <a:pt x="590652" y="447298"/>
+                  <a:pt x="1181304" y="894596"/>
+                  <a:pt x="1372497" y="1167755"/>
+                </a:cubicBezTo>
+                <a:cubicBezTo>
+                  <a:pt x="1563691" y="1440914"/>
+                  <a:pt x="1147161" y="1638955"/>
+                  <a:pt x="1147161" y="1638955"/>
+                </a:cubicBezTo>
+                <a:lnTo>
+                  <a:pt x="1147161" y="1638955"/>
+                </a:lnTo>
+              </a:path>
+            </a:pathLst>
+          </a:custGeom>
+          <a:ln w="76200" cmpd="sng">
+            <a:solidFill>
+              <a:srgbClr val="800000"/>
+            </a:solidFill>
+          </a:ln>
+        </p:spPr>
+        <p:style>
+          <a:lnRef idx="2">
+            <a:schemeClr val="accent1"/>
+          </a:lnRef>
+          <a:fillRef idx="0">
+            <a:schemeClr val="accent1"/>
+          </a:fillRef>
+          <a:effectRef idx="1">
+            <a:schemeClr val="accent1"/>
+          </a:effectRef>
+          <a:fontRef idx="minor">
+            <a:schemeClr val="tx1"/>
+          </a:fontRef>
+        </p:style>
+        <p:txBody>
+          <a:bodyPr rtlCol="0" anchor="ctr"/>
+          <a:lstStyle/>
+          <a:p>
+            <a:pPr algn="ctr"/>
+            <a:endParaRPr lang="en-US"/>
+          </a:p>
+        </p:txBody>
+      </p:sp>
+      <p:sp>
+        <p:nvSpPr>
+          <p:cNvPr id="30" name="TextBox 29"/>
+          <p:cNvSpPr txBox="1"/>
+          <p:nvPr/>
+        </p:nvSpPr>
+        <p:spPr>
+          <a:xfrm>
+            <a:off x="231061" y="3479964"/>
+            <a:ext cx="8007521" cy="584776"/>
+          </a:xfrm>
+          <a:prstGeom prst="rect">
+            <a:avLst/>
+          </a:prstGeom>
+          <a:noFill/>
+        </p:spPr>
+        <p:txBody>
+          <a:bodyPr wrap="none" rtlCol="0">
+            <a:spAutoFit/>
+          </a:bodyPr>
+          <a:lstStyle/>
+          <a:p>
+            <a:r>
+              <a:rPr lang="en-US" sz="3200" b="1" dirty="0" smtClean="0">
+                <a:solidFill>
+                  <a:srgbClr val="660066"/>
+                </a:solidFill>
+              </a:rPr>
+              <a:t>A does NOT know whether B holds token at T’</a:t>
+            </a:r>
+            <a:endParaRPr lang="en-US" sz="3200" b="1" dirty="0">
+              <a:solidFill>
+                <a:srgbClr val="660066"/>
+              </a:solidFill>
+            </a:endParaRPr>
+          </a:p>
+        </p:txBody>
+      </p:sp>
+    </p:spTree>
+    <p:extLst>
+      <p:ext uri="{BB962C8B-B14F-4D97-AF65-F5344CB8AC3E}">
+        <p14:creationId xmlns:p14="http://schemas.microsoft.com/office/powerpoint/2010/main" val="2043628608"/>
+      </p:ext>
+    </p:extLst>
+  </p:cSld>
+  <p:clrMapOvr>
+    <a:masterClrMapping/>
+  </p:clrMapOvr>
+  <p:timing>
+    <p:tnLst>
+      <p:par>
+        <p:cTn xmlns:p14="http://schemas.microsoft.com/office/powerpoint/2010/main" id="1" dur="indefinite" restart="never" nodeType="tmRoot"/>
+      </p:par>
+    </p:tnLst>
+  </p:timing>
+</p:sld>
+</file>
+
+<file path=ppt/slides/slide7.xml><?xml version="1.0" encoding="utf-8"?>
+<p:sld xmlns:a="http://schemas.openxmlformats.org/drawingml/2006/main" xmlns:r="http://schemas.openxmlformats.org/officeDocument/2006/relationships" xmlns:p="http://schemas.openxmlformats.org/presentationml/2006/main">
+  <p:cSld>
+    <p:spTree>
+      <p:nvGrpSpPr>
+        <p:cNvPr id="1" name=""/>
+        <p:cNvGrpSpPr/>
+        <p:nvPr/>
+      </p:nvGrpSpPr>
+      <p:grpSpPr>
+        <a:xfrm>
+          <a:off x="0" y="0"/>
+          <a:ext cx="0" cy="0"/>
+          <a:chOff x="0" y="0"/>
+          <a:chExt cx="0" cy="0"/>
+        </a:xfrm>
+      </p:grpSpPr>
+      <p:cxnSp>
+        <p:nvCxnSpPr>
+          <p:cNvPr id="4" name="Straight Arrow Connector 3"/>
+          <p:cNvCxnSpPr/>
+          <p:nvPr/>
+        </p:nvCxnSpPr>
+        <p:spPr>
+          <a:xfrm flipV="1">
+            <a:off x="394942" y="993851"/>
+            <a:ext cx="7655026" cy="24774"/>
+          </a:xfrm>
+          <a:prstGeom prst="straightConnector1">
+            <a:avLst/>
+          </a:prstGeom>
+          <a:ln w="76200" cmpd="sng">
+            <a:tailEnd type="arrow"/>
+          </a:ln>
+        </p:spPr>
+        <p:style>
+          <a:lnRef idx="2">
+            <a:schemeClr val="accent1"/>
+          </a:lnRef>
+          <a:fillRef idx="0">
+            <a:schemeClr val="accent1"/>
+          </a:fillRef>
+          <a:effectRef idx="1">
+            <a:schemeClr val="accent1"/>
+          </a:effectRef>
+          <a:fontRef idx="minor">
+            <a:schemeClr val="tx1"/>
+          </a:fontRef>
+        </p:style>
+      </p:cxnSp>
+      <p:cxnSp>
+        <p:nvCxnSpPr>
+          <p:cNvPr id="6" name="Straight Arrow Connector 5"/>
+          <p:cNvCxnSpPr/>
+          <p:nvPr/>
+        </p:nvCxnSpPr>
+        <p:spPr>
+          <a:xfrm flipV="1">
+            <a:off x="394942" y="2000738"/>
+            <a:ext cx="7655026" cy="24774"/>
+          </a:xfrm>
+          <a:prstGeom prst="straightConnector1">
+            <a:avLst/>
+          </a:prstGeom>
+          <a:ln w="76200" cmpd="sng">
+            <a:tailEnd type="arrow"/>
+          </a:ln>
+        </p:spPr>
+        <p:style>
+          <a:lnRef idx="2">
+            <a:schemeClr val="accent1"/>
+          </a:lnRef>
+          <a:fillRef idx="0">
+            <a:schemeClr val="accent1"/>
+          </a:fillRef>
+          <a:effectRef idx="1">
+            <a:schemeClr val="accent1"/>
+          </a:effectRef>
+          <a:fontRef idx="minor">
+            <a:schemeClr val="tx1"/>
+          </a:fontRef>
+        </p:style>
+      </p:cxnSp>
+      <p:sp>
+        <p:nvSpPr>
+          <p:cNvPr id="22" name="TextBox 21"/>
+          <p:cNvSpPr txBox="1"/>
+          <p:nvPr/>
+        </p:nvSpPr>
+        <p:spPr>
+          <a:xfrm>
+            <a:off x="7207307" y="409075"/>
+            <a:ext cx="433332" cy="584776"/>
+          </a:xfrm>
+          <a:prstGeom prst="rect">
+            <a:avLst/>
+          </a:prstGeom>
+          <a:noFill/>
+        </p:spPr>
+        <p:txBody>
+          <a:bodyPr wrap="none" rtlCol="0">
+            <a:spAutoFit/>
+          </a:bodyPr>
+          <a:lstStyle/>
+          <a:p>
+            <a:r>
+              <a:rPr lang="en-US" sz="3200" b="1" dirty="0" smtClean="0"/>
+              <a:t>A</a:t>
+            </a:r>
+            <a:endParaRPr lang="en-US" sz="3200" b="1" dirty="0"/>
+          </a:p>
+        </p:txBody>
+      </p:sp>
+      <p:sp>
+        <p:nvSpPr>
+          <p:cNvPr id="23" name="TextBox 22"/>
+          <p:cNvSpPr txBox="1"/>
+          <p:nvPr/>
+        </p:nvSpPr>
+        <p:spPr>
+          <a:xfrm>
+            <a:off x="7280888" y="1446144"/>
+            <a:ext cx="414697" cy="584776"/>
+          </a:xfrm>
+          <a:prstGeom prst="rect">
+            <a:avLst/>
+          </a:prstGeom>
+          <a:noFill/>
+        </p:spPr>
+        <p:txBody>
+          <a:bodyPr wrap="none" rtlCol="0">
+            <a:spAutoFit/>
+          </a:bodyPr>
+          <a:lstStyle/>
+          <a:p>
+            <a:r>
+              <a:rPr lang="en-US" sz="3200" b="1" dirty="0"/>
+              <a:t>B</a:t>
+            </a:r>
+          </a:p>
+        </p:txBody>
+      </p:sp>
+      <p:sp>
+        <p:nvSpPr>
+          <p:cNvPr id="98" name="TextBox 97"/>
+          <p:cNvSpPr txBox="1"/>
+          <p:nvPr/>
+        </p:nvSpPr>
+        <p:spPr>
+          <a:xfrm>
+            <a:off x="394942" y="116687"/>
+            <a:ext cx="6211957" cy="584776"/>
+          </a:xfrm>
+          <a:prstGeom prst="rect">
+            <a:avLst/>
+          </a:prstGeom>
+          <a:noFill/>
+        </p:spPr>
+        <p:txBody>
+          <a:bodyPr wrap="none" rtlCol="0">
+            <a:spAutoFit/>
+          </a:bodyPr>
+          <a:lstStyle/>
+          <a:p>
+            <a:r>
+              <a:rPr lang="en-US" sz="3200" b="1" dirty="0" smtClean="0">
+                <a:solidFill>
+                  <a:srgbClr val="660066"/>
+                </a:solidFill>
+              </a:rPr>
+              <a:t>A knows B does not hold token at T</a:t>
+            </a:r>
+            <a:endParaRPr lang="en-US" sz="3200" b="1" dirty="0">
+              <a:solidFill>
+                <a:srgbClr val="660066"/>
+              </a:solidFill>
+            </a:endParaRPr>
+          </a:p>
+        </p:txBody>
+      </p:sp>
+      <p:cxnSp>
+        <p:nvCxnSpPr>
+          <p:cNvPr id="43" name="Straight Arrow Connector 42"/>
+          <p:cNvCxnSpPr>
+            <a:stCxn id="98" idx="2"/>
+          </p:cNvCxnSpPr>
+          <p:nvPr/>
+        </p:nvCxnSpPr>
+        <p:spPr>
+          <a:xfrm>
+            <a:off x="3500921" y="701463"/>
+            <a:ext cx="229846" cy="292388"/>
+          </a:xfrm>
+          <a:prstGeom prst="straightConnector1">
+            <a:avLst/>
+          </a:prstGeom>
+          <a:ln>
+            <a:prstDash val="dash"/>
+            <a:tailEnd type="arrow"/>
+          </a:ln>
+        </p:spPr>
+        <p:style>
+          <a:lnRef idx="2">
+            <a:schemeClr val="accent1"/>
+          </a:lnRef>
+          <a:fillRef idx="0">
+            <a:schemeClr val="accent1"/>
+          </a:fillRef>
+          <a:effectRef idx="1">
+            <a:schemeClr val="accent1"/>
+          </a:effectRef>
+          <a:fontRef idx="minor">
+            <a:schemeClr val="tx1"/>
+          </a:fontRef>
+        </p:style>
+      </p:cxnSp>
+      <p:cxnSp>
+        <p:nvCxnSpPr>
+          <p:cNvPr id="3" name="Straight Arrow Connector 2"/>
+          <p:cNvCxnSpPr/>
+          <p:nvPr/>
+        </p:nvCxnSpPr>
+        <p:spPr>
+          <a:xfrm flipV="1">
+            <a:off x="2396747" y="993851"/>
+            <a:ext cx="3195663" cy="1037070"/>
+          </a:xfrm>
+          <a:prstGeom prst="straightConnector1">
+            <a:avLst/>
+          </a:prstGeom>
+          <a:ln w="76200" cmpd="sng">
+            <a:solidFill>
+              <a:srgbClr val="FF0000"/>
+            </a:solidFill>
+            <a:tailEnd type="arrow"/>
+          </a:ln>
+        </p:spPr>
+        <p:style>
+          <a:lnRef idx="2">
+            <a:schemeClr val="accent1"/>
+          </a:lnRef>
+          <a:fillRef idx="0">
+            <a:schemeClr val="accent1"/>
+          </a:fillRef>
+          <a:effectRef idx="1">
+            <a:schemeClr val="accent1"/>
+          </a:effectRef>
+          <a:fontRef idx="minor">
+            <a:schemeClr val="tx1"/>
+          </a:fontRef>
+        </p:style>
+      </p:cxnSp>
+      <p:cxnSp>
+        <p:nvCxnSpPr>
+          <p:cNvPr id="42" name="Straight Connector 41"/>
+          <p:cNvCxnSpPr/>
+          <p:nvPr/>
+        </p:nvCxnSpPr>
+        <p:spPr>
+          <a:xfrm>
+            <a:off x="3730767" y="701463"/>
+            <a:ext cx="1" cy="1613560"/>
+          </a:xfrm>
+          <a:prstGeom prst="line">
+            <a:avLst/>
+          </a:prstGeom>
+          <a:ln w="76200" cmpd="sng">
+            <a:solidFill>
+              <a:srgbClr val="660066"/>
+            </a:solidFill>
+          </a:ln>
+        </p:spPr>
+        <p:style>
+          <a:lnRef idx="2">
+            <a:schemeClr val="accent1"/>
+          </a:lnRef>
+          <a:fillRef idx="0">
+            <a:schemeClr val="accent1"/>
+          </a:fillRef>
+          <a:effectRef idx="1">
+            <a:schemeClr val="accent1"/>
+          </a:effectRef>
+          <a:fontRef idx="minor">
+            <a:schemeClr val="tx1"/>
+          </a:fontRef>
+        </p:style>
+      </p:cxnSp>
+      <p:sp>
+        <p:nvSpPr>
+          <p:cNvPr id="16" name="TextBox 15"/>
+          <p:cNvSpPr txBox="1"/>
+          <p:nvPr/>
+        </p:nvSpPr>
+        <p:spPr>
+          <a:xfrm>
+            <a:off x="3781272" y="2000738"/>
+            <a:ext cx="438642" cy="707886"/>
+          </a:xfrm>
+          <a:prstGeom prst="rect">
+            <a:avLst/>
+          </a:prstGeom>
+          <a:noFill/>
+        </p:spPr>
+        <p:txBody>
+          <a:bodyPr wrap="none" rtlCol="0">
+            <a:spAutoFit/>
+          </a:bodyPr>
+          <a:lstStyle/>
+          <a:p>
+            <a:r>
+              <a:rPr lang="en-US" sz="4000" b="1" dirty="0" smtClean="0">
+                <a:solidFill>
+                  <a:srgbClr val="660066"/>
+                </a:solidFill>
+              </a:rPr>
+              <a:t>T</a:t>
+            </a:r>
+            <a:endParaRPr lang="en-US" sz="4000" b="1" dirty="0">
+              <a:solidFill>
+                <a:srgbClr val="660066"/>
+              </a:solidFill>
+            </a:endParaRPr>
+          </a:p>
+        </p:txBody>
+      </p:sp>
+      <p:cxnSp>
+        <p:nvCxnSpPr>
+          <p:cNvPr id="47" name="Straight Arrow Connector 46"/>
+          <p:cNvCxnSpPr/>
+          <p:nvPr/>
+        </p:nvCxnSpPr>
+        <p:spPr>
+          <a:xfrm flipV="1">
+            <a:off x="567070" y="4649516"/>
+            <a:ext cx="7655026" cy="24774"/>
+          </a:xfrm>
+          <a:prstGeom prst="straightConnector1">
+            <a:avLst/>
+          </a:prstGeom>
+          <a:ln w="76200" cmpd="sng">
+            <a:tailEnd type="arrow"/>
+          </a:ln>
+        </p:spPr>
+        <p:style>
+          <a:lnRef idx="2">
+            <a:schemeClr val="accent1"/>
+          </a:lnRef>
+          <a:fillRef idx="0">
+            <a:schemeClr val="accent1"/>
+          </a:fillRef>
+          <a:effectRef idx="1">
+            <a:schemeClr val="accent1"/>
+          </a:effectRef>
+          <a:fontRef idx="minor">
+            <a:schemeClr val="tx1"/>
+          </a:fontRef>
+        </p:style>
+      </p:cxnSp>
+      <p:cxnSp>
+        <p:nvCxnSpPr>
+          <p:cNvPr id="48" name="Straight Arrow Connector 47"/>
+          <p:cNvCxnSpPr/>
+          <p:nvPr/>
+        </p:nvCxnSpPr>
+        <p:spPr>
+          <a:xfrm flipV="1">
+            <a:off x="567070" y="5656403"/>
+            <a:ext cx="7655026" cy="24774"/>
+          </a:xfrm>
+          <a:prstGeom prst="straightConnector1">
+            <a:avLst/>
+          </a:prstGeom>
+          <a:ln w="76200" cmpd="sng">
+            <a:tailEnd type="arrow"/>
+          </a:ln>
+        </p:spPr>
+        <p:style>
+          <a:lnRef idx="2">
+            <a:schemeClr val="accent1"/>
+          </a:lnRef>
+          <a:fillRef idx="0">
+            <a:schemeClr val="accent1"/>
+          </a:fillRef>
+          <a:effectRef idx="1">
+            <a:schemeClr val="accent1"/>
+          </a:effectRef>
+          <a:fontRef idx="minor">
+            <a:schemeClr val="tx1"/>
+          </a:fontRef>
+        </p:style>
+      </p:cxnSp>
+      <p:sp>
+        <p:nvSpPr>
+          <p:cNvPr id="49" name="TextBox 48"/>
+          <p:cNvSpPr txBox="1"/>
+          <p:nvPr/>
+        </p:nvSpPr>
+        <p:spPr>
+          <a:xfrm>
+            <a:off x="7379435" y="4064740"/>
+            <a:ext cx="433332" cy="584776"/>
+          </a:xfrm>
+          <a:prstGeom prst="rect">
+            <a:avLst/>
+          </a:prstGeom>
+          <a:noFill/>
+        </p:spPr>
+        <p:txBody>
+          <a:bodyPr wrap="none" rtlCol="0">
+            <a:spAutoFit/>
+          </a:bodyPr>
+          <a:lstStyle/>
+          <a:p>
+            <a:r>
+              <a:rPr lang="en-US" sz="3200" b="1" dirty="0" smtClean="0"/>
+              <a:t>A</a:t>
+            </a:r>
+            <a:endParaRPr lang="en-US" sz="3200" b="1" dirty="0"/>
+          </a:p>
+        </p:txBody>
+      </p:sp>
+      <p:sp>
+        <p:nvSpPr>
+          <p:cNvPr id="50" name="TextBox 49"/>
+          <p:cNvSpPr txBox="1"/>
+          <p:nvPr/>
+        </p:nvSpPr>
+        <p:spPr>
+          <a:xfrm>
+            <a:off x="7453016" y="5101809"/>
+            <a:ext cx="414697" cy="584776"/>
+          </a:xfrm>
+          <a:prstGeom prst="rect">
+            <a:avLst/>
+          </a:prstGeom>
+          <a:noFill/>
+        </p:spPr>
+        <p:txBody>
+          <a:bodyPr wrap="none" rtlCol="0">
+            <a:spAutoFit/>
+          </a:bodyPr>
+          <a:lstStyle/>
+          <a:p>
+            <a:r>
+              <a:rPr lang="en-US" sz="3200" b="1" dirty="0"/>
+              <a:t>B</a:t>
+            </a:r>
+          </a:p>
+        </p:txBody>
+      </p:sp>
       <p:sp>
         <p:nvSpPr>
           <p:cNvPr id="52" name="TextBox 51"/>
@@ -9737,6 +12925,42 @@
           </a:prstGeom>
           <a:ln>
             <a:prstDash val="dash"/>
+            <a:tailEnd type="arrow"/>
+          </a:ln>
+        </p:spPr>
+        <p:style>
+          <a:lnRef idx="2">
+            <a:schemeClr val="accent1"/>
+          </a:lnRef>
+          <a:fillRef idx="0">
+            <a:schemeClr val="accent1"/>
+          </a:fillRef>
+          <a:effectRef idx="1">
+            <a:schemeClr val="accent1"/>
+          </a:effectRef>
+          <a:fontRef idx="minor">
+            <a:schemeClr val="tx1"/>
+          </a:fontRef>
+        </p:style>
+      </p:cxnSp>
+      <p:cxnSp>
+        <p:nvCxnSpPr>
+          <p:cNvPr id="54" name="Straight Arrow Connector 53"/>
+          <p:cNvCxnSpPr/>
+          <p:nvPr/>
+        </p:nvCxnSpPr>
+        <p:spPr>
+          <a:xfrm flipV="1">
+            <a:off x="2568875" y="4649516"/>
+            <a:ext cx="3195663" cy="1037070"/>
+          </a:xfrm>
+          <a:prstGeom prst="straightConnector1">
+            <a:avLst/>
+          </a:prstGeom>
+          <a:ln w="76200" cmpd="sng">
+            <a:solidFill>
+              <a:srgbClr val="FF0000"/>
+            </a:solidFill>
             <a:tailEnd type="arrow"/>
           </a:ln>
         </p:spPr>
@@ -10010,194 +13234,10 @@
           </a:p>
         </p:txBody>
       </p:sp>
-      <p:sp>
-        <p:nvSpPr>
-          <p:cNvPr id="2" name="Oval 1"/>
-          <p:cNvSpPr>
-            <a:spLocks noChangeAspect="1"/>
-          </p:cNvSpPr>
-          <p:nvPr/>
-        </p:nvSpPr>
-        <p:spPr>
-          <a:xfrm>
-            <a:off x="5224855" y="744305"/>
-            <a:ext cx="548640" cy="548640"/>
-          </a:xfrm>
-          <a:prstGeom prst="ellipse">
-            <a:avLst/>
-          </a:prstGeom>
-        </p:spPr>
-        <p:style>
-          <a:lnRef idx="1">
-            <a:schemeClr val="accent1"/>
-          </a:lnRef>
-          <a:fillRef idx="3">
-            <a:schemeClr val="accent1"/>
-          </a:fillRef>
-          <a:effectRef idx="2">
-            <a:schemeClr val="accent1"/>
-          </a:effectRef>
-          <a:fontRef idx="minor">
-            <a:schemeClr val="lt1"/>
-          </a:fontRef>
-        </p:style>
-        <p:txBody>
-          <a:bodyPr rtlCol="0" anchor="ctr"/>
-          <a:lstStyle/>
-          <a:p>
-            <a:pPr algn="ctr"/>
-            <a:endParaRPr lang="en-US"/>
-          </a:p>
-        </p:txBody>
-      </p:sp>
-      <p:sp>
-        <p:nvSpPr>
-          <p:cNvPr id="24" name="Oval 23"/>
-          <p:cNvSpPr>
-            <a:spLocks noChangeAspect="1"/>
-          </p:cNvSpPr>
-          <p:nvPr/>
-        </p:nvSpPr>
-        <p:spPr>
-          <a:xfrm>
-            <a:off x="5224855" y="4314752"/>
-            <a:ext cx="548640" cy="548640"/>
-          </a:xfrm>
-          <a:prstGeom prst="ellipse">
-            <a:avLst/>
-          </a:prstGeom>
-        </p:spPr>
-        <p:style>
-          <a:lnRef idx="1">
-            <a:schemeClr val="accent1"/>
-          </a:lnRef>
-          <a:fillRef idx="3">
-            <a:schemeClr val="accent1"/>
-          </a:fillRef>
-          <a:effectRef idx="2">
-            <a:schemeClr val="accent1"/>
-          </a:effectRef>
-          <a:fontRef idx="minor">
-            <a:schemeClr val="lt1"/>
-          </a:fontRef>
-        </p:style>
-        <p:txBody>
-          <a:bodyPr rtlCol="0" anchor="ctr"/>
-          <a:lstStyle/>
-          <a:p>
-            <a:pPr algn="ctr"/>
-            <a:endParaRPr lang="en-US"/>
-          </a:p>
-        </p:txBody>
-      </p:sp>
-      <p:sp>
-        <p:nvSpPr>
-          <p:cNvPr id="5" name="TextBox 4"/>
-          <p:cNvSpPr txBox="1"/>
-          <p:nvPr/>
-        </p:nvSpPr>
-        <p:spPr>
-          <a:xfrm>
-            <a:off x="5571925" y="2708624"/>
-            <a:ext cx="2588769" cy="584776"/>
-          </a:xfrm>
-          <a:prstGeom prst="rect">
-            <a:avLst/>
-          </a:prstGeom>
-          <a:noFill/>
-        </p:spPr>
-        <p:txBody>
-          <a:bodyPr wrap="none" rtlCol="0">
-            <a:spAutoFit/>
-          </a:bodyPr>
-          <a:lstStyle/>
-          <a:p>
-            <a:r>
-              <a:rPr lang="en-US" sz="3200" b="1" dirty="0" smtClean="0"/>
-              <a:t>Internal Event</a:t>
-            </a:r>
-            <a:endParaRPr lang="en-US" sz="3200" b="1" dirty="0"/>
-          </a:p>
-        </p:txBody>
-      </p:sp>
-      <p:cxnSp>
-        <p:nvCxnSpPr>
-          <p:cNvPr id="8" name="Straight Arrow Connector 7"/>
-          <p:cNvCxnSpPr>
-            <a:stCxn id="5" idx="0"/>
-            <a:endCxn id="2" idx="4"/>
-          </p:cNvCxnSpPr>
-          <p:nvPr/>
-        </p:nvCxnSpPr>
-        <p:spPr>
-          <a:xfrm flipH="1" flipV="1">
-            <a:off x="5499175" y="1292945"/>
-            <a:ext cx="1367135" cy="1415679"/>
-          </a:xfrm>
-          <a:prstGeom prst="straightConnector1">
-            <a:avLst/>
-          </a:prstGeom>
-          <a:ln>
-            <a:prstDash val="dash"/>
-            <a:tailEnd type="arrow"/>
-          </a:ln>
-        </p:spPr>
-        <p:style>
-          <a:lnRef idx="2">
-            <a:schemeClr val="accent1"/>
-          </a:lnRef>
-          <a:fillRef idx="0">
-            <a:schemeClr val="accent1"/>
-          </a:fillRef>
-          <a:effectRef idx="1">
-            <a:schemeClr val="accent1"/>
-          </a:effectRef>
-          <a:fontRef idx="minor">
-            <a:schemeClr val="tx1"/>
-          </a:fontRef>
-        </p:style>
-      </p:cxnSp>
-      <p:cxnSp>
-        <p:nvCxnSpPr>
-          <p:cNvPr id="28" name="Straight Arrow Connector 27"/>
-          <p:cNvCxnSpPr>
-            <a:stCxn id="5" idx="2"/>
-            <a:endCxn id="24" idx="0"/>
-          </p:cNvCxnSpPr>
-          <p:nvPr/>
-        </p:nvCxnSpPr>
-        <p:spPr>
-          <a:xfrm flipH="1">
-            <a:off x="5499175" y="3293400"/>
-            <a:ext cx="1367135" cy="1021352"/>
-          </a:xfrm>
-          <a:prstGeom prst="straightConnector1">
-            <a:avLst/>
-          </a:prstGeom>
-          <a:ln>
-            <a:prstDash val="dash"/>
-            <a:tailEnd type="arrow"/>
-          </a:ln>
-        </p:spPr>
-        <p:style>
-          <a:lnRef idx="2">
-            <a:schemeClr val="accent1"/>
-          </a:lnRef>
-          <a:fillRef idx="0">
-            <a:schemeClr val="accent1"/>
-          </a:fillRef>
-          <a:effectRef idx="1">
-            <a:schemeClr val="accent1"/>
-          </a:effectRef>
-          <a:fontRef idx="minor">
-            <a:schemeClr val="tx1"/>
-          </a:fontRef>
-        </p:style>
-      </p:cxnSp>
     </p:spTree>
     <p:extLst>
       <p:ext uri="{BB962C8B-B14F-4D97-AF65-F5344CB8AC3E}">
-        <p14:creationId xmlns:p14="http://schemas.microsoft.com/office/powerpoint/2010/main" val="4007678965"/>
+        <p14:creationId xmlns:p14="http://schemas.microsoft.com/office/powerpoint/2010/main" val="1914139871"/>
       </p:ext>
     </p:extLst>
   </p:cSld>
@@ -10214,7 +13254,7 @@
 </p:sld>
 </file>
 
-<file path=ppt/slides/slide7.xml><?xml version="1.0" encoding="utf-8"?>
+<file path=ppt/slides/slide8.xml><?xml version="1.0" encoding="utf-8"?>
 <p:sld xmlns:a="http://schemas.openxmlformats.org/drawingml/2006/main" xmlns:r="http://schemas.openxmlformats.org/officeDocument/2006/relationships" xmlns:p="http://schemas.openxmlformats.org/presentationml/2006/main">
   <p:cSld>
     <p:spTree>
@@ -10356,16 +13396,83 @@
           </a:p>
         </p:txBody>
       </p:sp>
-      <p:sp>
-        <p:nvSpPr>
-          <p:cNvPr id="98" name="TextBox 97"/>
+      <p:cxnSp>
+        <p:nvCxnSpPr>
+          <p:cNvPr id="14" name="Straight Connector 13"/>
+          <p:cNvCxnSpPr>
+            <a:stCxn id="96" idx="3"/>
+          </p:cNvCxnSpPr>
+          <p:nvPr/>
+        </p:nvCxnSpPr>
+        <p:spPr>
+          <a:xfrm flipH="1">
+            <a:off x="3362346" y="409075"/>
+            <a:ext cx="6293" cy="2986469"/>
+          </a:xfrm>
+          <a:prstGeom prst="line">
+            <a:avLst/>
+          </a:prstGeom>
+          <a:ln w="76200" cmpd="sng">
+            <a:solidFill>
+              <a:srgbClr val="660066"/>
+            </a:solidFill>
+          </a:ln>
+        </p:spPr>
+        <p:style>
+          <a:lnRef idx="2">
+            <a:schemeClr val="accent1"/>
+          </a:lnRef>
+          <a:fillRef idx="0">
+            <a:schemeClr val="accent1"/>
+          </a:fillRef>
+          <a:effectRef idx="1">
+            <a:schemeClr val="accent1"/>
+          </a:effectRef>
+          <a:fontRef idx="minor">
+            <a:schemeClr val="tx1"/>
+          </a:fontRef>
+        </p:style>
+      </p:cxnSp>
+      <p:sp>
+        <p:nvSpPr>
+          <p:cNvPr id="94" name="TextBox 93"/>
           <p:cNvSpPr txBox="1"/>
           <p:nvPr/>
         </p:nvSpPr>
         <p:spPr>
           <a:xfrm>
-            <a:off x="231061" y="116687"/>
-            <a:ext cx="6211957" cy="584776"/>
+            <a:off x="7216635" y="2500746"/>
+            <a:ext cx="401873" cy="584776"/>
+          </a:xfrm>
+          <a:prstGeom prst="rect">
+            <a:avLst/>
+          </a:prstGeom>
+          <a:noFill/>
+        </p:spPr>
+        <p:txBody>
+          <a:bodyPr wrap="none" rtlCol="0">
+            <a:spAutoFit/>
+          </a:bodyPr>
+          <a:lstStyle/>
+          <a:p>
+            <a:r>
+              <a:rPr lang="en-US" sz="3200" b="1" dirty="0" smtClean="0"/>
+              <a:t>C</a:t>
+            </a:r>
+            <a:endParaRPr lang="en-US" sz="3200" b="1" dirty="0"/>
+          </a:p>
+        </p:txBody>
+      </p:sp>
+      <p:sp>
+        <p:nvSpPr>
+          <p:cNvPr id="96" name="TextBox 95"/>
+          <p:cNvSpPr txBox="1"/>
+          <p:nvPr/>
+        </p:nvSpPr>
+        <p:spPr>
+          <a:xfrm>
+            <a:off x="2978789" y="116687"/>
+            <a:ext cx="389850" cy="584776"/>
           </a:xfrm>
           <a:prstGeom prst="rect">
             <a:avLst/>
@@ -10384,7 +13491,7 @@
                   <a:srgbClr val="660066"/>
                 </a:solidFill>
               </a:rPr>
-              <a:t>A knows B does not hold token at T</a:t>
+              <a:t>T</a:t>
             </a:r>
             <a:endParaRPr lang="en-US" sz="3200" b="1" dirty="0">
               <a:solidFill>
@@ -10394,24 +13501,122 @@
           </a:p>
         </p:txBody>
       </p:sp>
+      <p:sp>
+        <p:nvSpPr>
+          <p:cNvPr id="46" name="TextBox 45"/>
+          <p:cNvSpPr txBox="1"/>
+          <p:nvPr/>
+        </p:nvSpPr>
+        <p:spPr>
+          <a:xfrm>
+            <a:off x="5957571" y="116687"/>
+            <a:ext cx="493645" cy="584776"/>
+          </a:xfrm>
+          <a:prstGeom prst="rect">
+            <a:avLst/>
+          </a:prstGeom>
+          <a:noFill/>
+        </p:spPr>
+        <p:txBody>
+          <a:bodyPr wrap="none" rtlCol="0">
+            <a:spAutoFit/>
+          </a:bodyPr>
+          <a:lstStyle/>
+          <a:p>
+            <a:r>
+              <a:rPr lang="en-US" sz="3200" b="1" dirty="0" smtClean="0">
+                <a:solidFill>
+                  <a:srgbClr val="660066"/>
+                </a:solidFill>
+              </a:rPr>
+              <a:t>T’</a:t>
+            </a:r>
+            <a:endParaRPr lang="en-US" sz="3200" b="1" dirty="0">
+              <a:solidFill>
+                <a:srgbClr val="660066"/>
+              </a:solidFill>
+            </a:endParaRPr>
+          </a:p>
+        </p:txBody>
+      </p:sp>
       <p:cxnSp>
         <p:nvCxnSpPr>
           <p:cNvPr id="43" name="Straight Arrow Connector 42"/>
-          <p:cNvCxnSpPr>
-            <a:stCxn id="98" idx="2"/>
-          </p:cNvCxnSpPr>
-          <p:nvPr/>
-        </p:nvCxnSpPr>
-        <p:spPr>
-          <a:xfrm>
-            <a:off x="3337040" y="701463"/>
-            <a:ext cx="229846" cy="292388"/>
+          <p:cNvCxnSpPr/>
+          <p:nvPr/>
+        </p:nvCxnSpPr>
+        <p:spPr>
+          <a:xfrm flipV="1">
+            <a:off x="394942" y="3057659"/>
+            <a:ext cx="7655026" cy="24774"/>
           </a:xfrm>
           <a:prstGeom prst="straightConnector1">
             <a:avLst/>
           </a:prstGeom>
+          <a:ln w="76200" cmpd="sng">
+            <a:tailEnd type="arrow"/>
+          </a:ln>
+        </p:spPr>
+        <p:style>
+          <a:lnRef idx="2">
+            <a:schemeClr val="accent1"/>
+          </a:lnRef>
+          <a:fillRef idx="0">
+            <a:schemeClr val="accent1"/>
+          </a:fillRef>
+          <a:effectRef idx="1">
+            <a:schemeClr val="accent1"/>
+          </a:effectRef>
+          <a:fontRef idx="minor">
+            <a:schemeClr val="tx1"/>
+          </a:fontRef>
+        </p:style>
+      </p:cxnSp>
+      <p:sp>
+        <p:nvSpPr>
+          <p:cNvPr id="2" name="TextBox 1"/>
+          <p:cNvSpPr txBox="1"/>
+          <p:nvPr/>
+        </p:nvSpPr>
+        <p:spPr>
+          <a:xfrm>
+            <a:off x="485600" y="4192664"/>
+            <a:ext cx="5471971" cy="584776"/>
+          </a:xfrm>
+          <a:prstGeom prst="rect">
+            <a:avLst/>
+          </a:prstGeom>
+          <a:noFill/>
+        </p:spPr>
+        <p:txBody>
+          <a:bodyPr wrap="none" rtlCol="0">
+            <a:spAutoFit/>
+          </a:bodyPr>
+          <a:lstStyle/>
+          <a:p>
+            <a:r>
+              <a:rPr lang="en-US" sz="3200" b="1" dirty="0" smtClean="0"/>
+              <a:t>A knows C holds no tokens at T</a:t>
+            </a:r>
+            <a:endParaRPr lang="en-US" sz="3200" b="1" dirty="0"/>
+          </a:p>
+        </p:txBody>
+      </p:sp>
+      <p:cxnSp>
+        <p:nvCxnSpPr>
+          <p:cNvPr id="5" name="Straight Arrow Connector 4"/>
+          <p:cNvCxnSpPr/>
+          <p:nvPr/>
+        </p:nvCxnSpPr>
+        <p:spPr>
+          <a:xfrm flipV="1">
+            <a:off x="3362345" y="3395544"/>
+            <a:ext cx="0" cy="797120"/>
+          </a:xfrm>
+          <a:prstGeom prst="straightConnector1">
+            <a:avLst/>
+          </a:prstGeom>
           <a:ln>
-            <a:prstDash val="dash"/>
             <a:tailEnd type="arrow"/>
           </a:ln>
         </p:spPr>
@@ -10430,16 +13635,111 @@
           </a:fontRef>
         </p:style>
       </p:cxnSp>
-      <p:cxnSp>
-        <p:nvCxnSpPr>
-          <p:cNvPr id="42" name="Straight Connector 41"/>
+      <p:sp>
+        <p:nvSpPr>
+          <p:cNvPr id="47" name="TextBox 46"/>
+          <p:cNvSpPr txBox="1"/>
+          <p:nvPr/>
+        </p:nvSpPr>
+        <p:spPr>
+          <a:xfrm>
+            <a:off x="4721638" y="5065804"/>
+            <a:ext cx="3624309" cy="584776"/>
+          </a:xfrm>
+          <a:prstGeom prst="rect">
+            <a:avLst/>
+          </a:prstGeom>
+          <a:noFill/>
+        </p:spPr>
+        <p:txBody>
+          <a:bodyPr wrap="none" rtlCol="0">
+            <a:spAutoFit/>
+          </a:bodyPr>
+          <a:lstStyle/>
+          <a:p>
+            <a:r>
+              <a:rPr lang="en-US" sz="3200" b="1" dirty="0" smtClean="0"/>
+              <a:t>C holds a token at T’</a:t>
+            </a:r>
+            <a:endParaRPr lang="en-US" sz="3200" b="1" dirty="0"/>
+          </a:p>
+        </p:txBody>
+      </p:sp>
+      <p:cxnSp>
+        <p:nvCxnSpPr>
+          <p:cNvPr id="8" name="Straight Arrow Connector 7"/>
           <p:cNvCxnSpPr/>
           <p:nvPr/>
         </p:nvCxnSpPr>
         <p:spPr>
-          <a:xfrm>
-            <a:off x="3730767" y="701463"/>
-            <a:ext cx="1" cy="1613560"/>
+          <a:xfrm flipH="1" flipV="1">
+            <a:off x="6444923" y="3395544"/>
+            <a:ext cx="88871" cy="1642397"/>
+          </a:xfrm>
+          <a:prstGeom prst="straightConnector1">
+            <a:avLst/>
+          </a:prstGeom>
+          <a:ln>
+            <a:tailEnd type="arrow"/>
+          </a:ln>
+        </p:spPr>
+        <p:style>
+          <a:lnRef idx="2">
+            <a:schemeClr val="accent1"/>
+          </a:lnRef>
+          <a:fillRef idx="0">
+            <a:schemeClr val="accent1"/>
+          </a:fillRef>
+          <a:effectRef idx="1">
+            <a:schemeClr val="accent1"/>
+          </a:effectRef>
+          <a:fontRef idx="minor">
+            <a:schemeClr val="tx1"/>
+          </a:fontRef>
+        </p:style>
+      </p:cxnSp>
+      <p:sp>
+        <p:nvSpPr>
+          <p:cNvPr id="50" name="TextBox 49"/>
+          <p:cNvSpPr txBox="1"/>
+          <p:nvPr/>
+        </p:nvSpPr>
+        <p:spPr>
+          <a:xfrm>
+            <a:off x="399885" y="5990907"/>
+            <a:ext cx="8306130" cy="707886"/>
+          </a:xfrm>
+          <a:prstGeom prst="rect">
+            <a:avLst/>
+          </a:prstGeom>
+          <a:solidFill>
+            <a:srgbClr val="FFFF00"/>
+          </a:solidFill>
+        </p:spPr>
+        <p:txBody>
+          <a:bodyPr wrap="none" rtlCol="0">
+            <a:spAutoFit/>
+          </a:bodyPr>
+          <a:lstStyle/>
+          <a:p>
+            <a:r>
+              <a:rPr lang="en-US" sz="4000" b="1" dirty="0" smtClean="0"/>
+              <a:t>What must happen between T and T’?</a:t>
+            </a:r>
+            <a:endParaRPr lang="en-US" sz="4000" b="1" dirty="0"/>
+          </a:p>
+        </p:txBody>
+      </p:sp>
+      <p:cxnSp>
+        <p:nvCxnSpPr>
+          <p:cNvPr id="52" name="Straight Connector 51"/>
+          <p:cNvCxnSpPr/>
+          <p:nvPr/>
+        </p:nvCxnSpPr>
+        <p:spPr>
+          <a:xfrm flipH="1">
+            <a:off x="6444923" y="409075"/>
+            <a:ext cx="6293" cy="2986469"/>
           </a:xfrm>
           <a:prstGeom prst="line">
             <a:avLst/>
@@ -10465,16 +13765,119 @@
           </a:fontRef>
         </p:style>
       </p:cxnSp>
-      <p:sp>
-        <p:nvSpPr>
-          <p:cNvPr id="16" name="TextBox 15"/>
+    </p:spTree>
+    <p:extLst>
+      <p:ext uri="{BB962C8B-B14F-4D97-AF65-F5344CB8AC3E}">
+        <p14:creationId xmlns:p14="http://schemas.microsoft.com/office/powerpoint/2010/main" val="3131728267"/>
+      </p:ext>
+    </p:extLst>
+  </p:cSld>
+  <p:clrMapOvr>
+    <a:masterClrMapping/>
+  </p:clrMapOvr>
+  <p:timing>
+    <p:tnLst>
+      <p:par>
+        <p:cTn xmlns:p14="http://schemas.microsoft.com/office/powerpoint/2010/main" id="1" dur="indefinite" restart="never" nodeType="tmRoot"/>
+      </p:par>
+    </p:tnLst>
+  </p:timing>
+</p:sld>
+</file>
+
+<file path=ppt/slides/slide9.xml><?xml version="1.0" encoding="utf-8"?>
+<p:sld xmlns:a="http://schemas.openxmlformats.org/drawingml/2006/main" xmlns:r="http://schemas.openxmlformats.org/officeDocument/2006/relationships" xmlns:p="http://schemas.openxmlformats.org/presentationml/2006/main">
+  <p:cSld>
+    <p:spTree>
+      <p:nvGrpSpPr>
+        <p:cNvPr id="1" name=""/>
+        <p:cNvGrpSpPr/>
+        <p:nvPr/>
+      </p:nvGrpSpPr>
+      <p:grpSpPr>
+        <a:xfrm>
+          <a:off x="0" y="0"/>
+          <a:ext cx="0" cy="0"/>
+          <a:chOff x="0" y="0"/>
+          <a:chExt cx="0" cy="0"/>
+        </a:xfrm>
+      </p:grpSpPr>
+      <p:cxnSp>
+        <p:nvCxnSpPr>
+          <p:cNvPr id="4" name="Straight Arrow Connector 3"/>
+          <p:cNvCxnSpPr/>
+          <p:nvPr/>
+        </p:nvCxnSpPr>
+        <p:spPr>
+          <a:xfrm flipV="1">
+            <a:off x="394942" y="993851"/>
+            <a:ext cx="7655026" cy="24774"/>
+          </a:xfrm>
+          <a:prstGeom prst="straightConnector1">
+            <a:avLst/>
+          </a:prstGeom>
+          <a:ln w="76200" cmpd="sng">
+            <a:tailEnd type="arrow"/>
+          </a:ln>
+        </p:spPr>
+        <p:style>
+          <a:lnRef idx="2">
+            <a:schemeClr val="accent1"/>
+          </a:lnRef>
+          <a:fillRef idx="0">
+            <a:schemeClr val="accent1"/>
+          </a:fillRef>
+          <a:effectRef idx="1">
+            <a:schemeClr val="accent1"/>
+          </a:effectRef>
+          <a:fontRef idx="minor">
+            <a:schemeClr val="tx1"/>
+          </a:fontRef>
+        </p:style>
+      </p:cxnSp>
+      <p:cxnSp>
+        <p:nvCxnSpPr>
+          <p:cNvPr id="6" name="Straight Arrow Connector 5"/>
+          <p:cNvCxnSpPr/>
+          <p:nvPr/>
+        </p:nvCxnSpPr>
+        <p:spPr>
+          <a:xfrm flipV="1">
+            <a:off x="394942" y="2000738"/>
+            <a:ext cx="7655026" cy="24774"/>
+          </a:xfrm>
+          <a:prstGeom prst="straightConnector1">
+            <a:avLst/>
+          </a:prstGeom>
+          <a:ln w="76200" cmpd="sng">
+            <a:tailEnd type="arrow"/>
+          </a:ln>
+        </p:spPr>
+        <p:style>
+          <a:lnRef idx="2">
+            <a:schemeClr val="accent1"/>
+          </a:lnRef>
+          <a:fillRef idx="0">
+            <a:schemeClr val="accent1"/>
+          </a:fillRef>
+          <a:effectRef idx="1">
+            <a:schemeClr val="accent1"/>
+          </a:effectRef>
+          <a:fontRef idx="minor">
+            <a:schemeClr val="tx1"/>
+          </a:fontRef>
+        </p:style>
+      </p:cxnSp>
+      <p:sp>
+        <p:nvSpPr>
+          <p:cNvPr id="22" name="TextBox 21"/>
           <p:cNvSpPr txBox="1"/>
           <p:nvPr/>
         </p:nvSpPr>
         <p:spPr>
           <a:xfrm>
-            <a:off x="3781272" y="2000738"/>
-            <a:ext cx="438642" cy="707886"/>
+            <a:off x="7207307" y="409075"/>
+            <a:ext cx="433332" cy="584776"/>
           </a:xfrm>
           <a:prstGeom prst="rect">
             <a:avLst/>
@@ -10488,14 +13891,140 @@
           <a:lstStyle/>
           <a:p>
             <a:r>
-              <a:rPr lang="en-US" sz="4000" b="1" dirty="0" smtClean="0">
+              <a:rPr lang="en-US" sz="3200" b="1" dirty="0" smtClean="0"/>
+              <a:t>A</a:t>
+            </a:r>
+            <a:endParaRPr lang="en-US" sz="3200" b="1" dirty="0"/>
+          </a:p>
+        </p:txBody>
+      </p:sp>
+      <p:sp>
+        <p:nvSpPr>
+          <p:cNvPr id="23" name="TextBox 22"/>
+          <p:cNvSpPr txBox="1"/>
+          <p:nvPr/>
+        </p:nvSpPr>
+        <p:spPr>
+          <a:xfrm>
+            <a:off x="7280888" y="1446144"/>
+            <a:ext cx="414697" cy="584776"/>
+          </a:xfrm>
+          <a:prstGeom prst="rect">
+            <a:avLst/>
+          </a:prstGeom>
+          <a:noFill/>
+        </p:spPr>
+        <p:txBody>
+          <a:bodyPr wrap="none" rtlCol="0">
+            <a:spAutoFit/>
+          </a:bodyPr>
+          <a:lstStyle/>
+          <a:p>
+            <a:r>
+              <a:rPr lang="en-US" sz="3200" b="1" dirty="0"/>
+              <a:t>B</a:t>
+            </a:r>
+          </a:p>
+        </p:txBody>
+      </p:sp>
+      <p:cxnSp>
+        <p:nvCxnSpPr>
+          <p:cNvPr id="14" name="Straight Connector 13"/>
+          <p:cNvCxnSpPr>
+            <a:stCxn id="96" idx="3"/>
+          </p:cNvCxnSpPr>
+          <p:nvPr/>
+        </p:nvCxnSpPr>
+        <p:spPr>
+          <a:xfrm flipH="1">
+            <a:off x="3362346" y="409075"/>
+            <a:ext cx="6293" cy="2986469"/>
+          </a:xfrm>
+          <a:prstGeom prst="line">
+            <a:avLst/>
+          </a:prstGeom>
+          <a:ln w="76200" cmpd="sng">
+            <a:solidFill>
+              <a:srgbClr val="660066"/>
+            </a:solidFill>
+          </a:ln>
+        </p:spPr>
+        <p:style>
+          <a:lnRef idx="2">
+            <a:schemeClr val="accent1"/>
+          </a:lnRef>
+          <a:fillRef idx="0">
+            <a:schemeClr val="accent1"/>
+          </a:fillRef>
+          <a:effectRef idx="1">
+            <a:schemeClr val="accent1"/>
+          </a:effectRef>
+          <a:fontRef idx="minor">
+            <a:schemeClr val="tx1"/>
+          </a:fontRef>
+        </p:style>
+      </p:cxnSp>
+      <p:sp>
+        <p:nvSpPr>
+          <p:cNvPr id="94" name="TextBox 93"/>
+          <p:cNvSpPr txBox="1"/>
+          <p:nvPr/>
+        </p:nvSpPr>
+        <p:spPr>
+          <a:xfrm>
+            <a:off x="7216635" y="2500746"/>
+            <a:ext cx="401873" cy="584776"/>
+          </a:xfrm>
+          <a:prstGeom prst="rect">
+            <a:avLst/>
+          </a:prstGeom>
+          <a:noFill/>
+        </p:spPr>
+        <p:txBody>
+          <a:bodyPr wrap="none" rtlCol="0">
+            <a:spAutoFit/>
+          </a:bodyPr>
+          <a:lstStyle/>
+          <a:p>
+            <a:r>
+              <a:rPr lang="en-US" sz="3200" b="1" dirty="0" smtClean="0"/>
+              <a:t>C</a:t>
+            </a:r>
+            <a:endParaRPr lang="en-US" sz="3200" b="1" dirty="0"/>
+          </a:p>
+        </p:txBody>
+      </p:sp>
+      <p:sp>
+        <p:nvSpPr>
+          <p:cNvPr id="96" name="TextBox 95"/>
+          <p:cNvSpPr txBox="1"/>
+          <p:nvPr/>
+        </p:nvSpPr>
+        <p:spPr>
+          <a:xfrm>
+            <a:off x="2978789" y="116687"/>
+            <a:ext cx="389850" cy="584776"/>
+          </a:xfrm>
+          <a:prstGeom prst="rect">
+            <a:avLst/>
+          </a:prstGeom>
+          <a:noFill/>
+        </p:spPr>
+        <p:txBody>
+          <a:bodyPr wrap="none" rtlCol="0">
+            <a:spAutoFit/>
+          </a:bodyPr>
+          <a:lstStyle/>
+          <a:p>
+            <a:r>
+              <a:rPr lang="en-US" sz="3200" b="1" dirty="0" smtClean="0">
                 <a:solidFill>
                   <a:srgbClr val="660066"/>
                 </a:solidFill>
               </a:rPr>
               <a:t>T</a:t>
             </a:r>
-            <a:endParaRPr lang="en-US" sz="4000" b="1" dirty="0">
+            <a:endParaRPr lang="en-US" sz="3200" b="1" dirty="0">
               <a:solidFill>
                 <a:srgbClr val="660066"/>
               </a:solidFill>
@@ -10503,82 +14032,16 @@
           </a:p>
         </p:txBody>
       </p:sp>
-      <p:cxnSp>
-        <p:nvCxnSpPr>
-          <p:cNvPr id="47" name="Straight Arrow Connector 46"/>
-          <p:cNvCxnSpPr/>
-          <p:nvPr/>
-        </p:nvCxnSpPr>
-        <p:spPr>
-          <a:xfrm flipV="1">
-            <a:off x="567070" y="4649516"/>
-            <a:ext cx="7655026" cy="24774"/>
-          </a:xfrm>
-          <a:prstGeom prst="straightConnector1">
-            <a:avLst/>
-          </a:prstGeom>
-          <a:ln w="76200" cmpd="sng">
-            <a:tailEnd type="arrow"/>
-          </a:ln>
-        </p:spPr>
-        <p:style>
-          <a:lnRef idx="2">
-            <a:schemeClr val="accent1"/>
-          </a:lnRef>
-          <a:fillRef idx="0">
-            <a:schemeClr val="accent1"/>
-          </a:fillRef>
-          <a:effectRef idx="1">
-            <a:schemeClr val="accent1"/>
-          </a:effectRef>
-          <a:fontRef idx="minor">
-            <a:schemeClr val="tx1"/>
-          </a:fontRef>
-        </p:style>
-      </p:cxnSp>
-      <p:cxnSp>
-        <p:nvCxnSpPr>
-          <p:cNvPr id="48" name="Straight Arrow Connector 47"/>
-          <p:cNvCxnSpPr/>
-          <p:nvPr/>
-        </p:nvCxnSpPr>
-        <p:spPr>
-          <a:xfrm flipV="1">
-            <a:off x="567070" y="5656403"/>
-            <a:ext cx="7655026" cy="24774"/>
-          </a:xfrm>
-          <a:prstGeom prst="straightConnector1">
-            <a:avLst/>
-          </a:prstGeom>
-          <a:ln w="76200" cmpd="sng">
-            <a:tailEnd type="arrow"/>
-          </a:ln>
-        </p:spPr>
-        <p:style>
-          <a:lnRef idx="2">
-            <a:schemeClr val="accent1"/>
-          </a:lnRef>
-          <a:fillRef idx="0">
-            <a:schemeClr val="accent1"/>
-          </a:fillRef>
-          <a:effectRef idx="1">
-            <a:schemeClr val="accent1"/>
-          </a:effectRef>
-          <a:fontRef idx="minor">
-            <a:schemeClr val="tx1"/>
-          </a:fontRef>
-        </p:style>
-      </p:cxnSp>
-      <p:sp>
-        <p:nvSpPr>
-          <p:cNvPr id="49" name="TextBox 48"/>
+      <p:sp>
+        <p:nvSpPr>
+          <p:cNvPr id="46" name="TextBox 45"/>
           <p:cNvSpPr txBox="1"/>
           <p:nvPr/>
         </p:nvSpPr>
         <p:spPr>
           <a:xfrm>
-            <a:off x="7379435" y="4064740"/>
-            <a:ext cx="433332" cy="584776"/>
+            <a:off x="5957571" y="116687"/>
+            <a:ext cx="493645" cy="584776"/>
           </a:xfrm>
           <a:prstGeom prst="rect">
             <a:avLst/>
@@ -10592,180 +14055,14 @@
           <a:lstStyle/>
           <a:p>
             <a:r>
-              <a:rPr lang="en-US" sz="3200" b="1" dirty="0" smtClean="0"/>
-              <a:t>A</a:t>
-            </a:r>
-            <a:endParaRPr lang="en-US" sz="3200" b="1" dirty="0"/>
-          </a:p>
-        </p:txBody>
-      </p:sp>
-      <p:sp>
-        <p:nvSpPr>
-          <p:cNvPr id="50" name="TextBox 49"/>
-          <p:cNvSpPr txBox="1"/>
-          <p:nvPr/>
-        </p:nvSpPr>
-        <p:spPr>
-          <a:xfrm>
-            <a:off x="7453016" y="5101809"/>
-            <a:ext cx="414697" cy="584776"/>
-          </a:xfrm>
-          <a:prstGeom prst="rect">
-            <a:avLst/>
-          </a:prstGeom>
-          <a:noFill/>
-        </p:spPr>
-        <p:txBody>
-          <a:bodyPr wrap="none" rtlCol="0">
-            <a:spAutoFit/>
-          </a:bodyPr>
-          <a:lstStyle/>
-          <a:p>
-            <a:r>
-              <a:rPr lang="en-US" sz="3200" b="1" dirty="0"/>
-              <a:t>B</a:t>
-            </a:r>
-          </a:p>
-        </p:txBody>
-      </p:sp>
-      <p:cxnSp>
-        <p:nvCxnSpPr>
-          <p:cNvPr id="53" name="Straight Arrow Connector 52"/>
-          <p:cNvCxnSpPr/>
-          <p:nvPr/>
-        </p:nvCxnSpPr>
-        <p:spPr>
-          <a:xfrm flipH="1">
-            <a:off x="3902895" y="4357128"/>
-            <a:ext cx="67511" cy="292388"/>
-          </a:xfrm>
-          <a:prstGeom prst="straightConnector1">
-            <a:avLst/>
-          </a:prstGeom>
-          <a:ln>
-            <a:prstDash val="dash"/>
-            <a:tailEnd type="arrow"/>
-          </a:ln>
-        </p:spPr>
-        <p:style>
-          <a:lnRef idx="2">
-            <a:schemeClr val="accent1"/>
-          </a:lnRef>
-          <a:fillRef idx="0">
-            <a:schemeClr val="accent1"/>
-          </a:fillRef>
-          <a:effectRef idx="1">
-            <a:schemeClr val="accent1"/>
-          </a:effectRef>
-          <a:fontRef idx="minor">
-            <a:schemeClr val="tx1"/>
-          </a:fontRef>
-        </p:style>
-      </p:cxnSp>
-      <p:cxnSp>
-        <p:nvCxnSpPr>
-          <p:cNvPr id="55" name="Straight Connector 54"/>
-          <p:cNvCxnSpPr/>
-          <p:nvPr/>
-        </p:nvCxnSpPr>
-        <p:spPr>
-          <a:xfrm>
-            <a:off x="3902895" y="4357128"/>
-            <a:ext cx="1" cy="1613560"/>
-          </a:xfrm>
-          <a:prstGeom prst="line">
-            <a:avLst/>
-          </a:prstGeom>
-          <a:ln w="76200" cmpd="sng">
-            <a:solidFill>
-              <a:srgbClr val="660066"/>
-            </a:solidFill>
-          </a:ln>
-        </p:spPr>
-        <p:style>
-          <a:lnRef idx="2">
-            <a:schemeClr val="accent1"/>
-          </a:lnRef>
-          <a:fillRef idx="0">
-            <a:schemeClr val="accent1"/>
-          </a:fillRef>
-          <a:effectRef idx="1">
-            <a:schemeClr val="accent1"/>
-          </a:effectRef>
-          <a:fontRef idx="minor">
-            <a:schemeClr val="tx1"/>
-          </a:fontRef>
-        </p:style>
-      </p:cxnSp>
-      <p:sp>
-        <p:nvSpPr>
-          <p:cNvPr id="58" name="TextBox 57"/>
-          <p:cNvSpPr txBox="1"/>
-          <p:nvPr/>
-        </p:nvSpPr>
-        <p:spPr>
-          <a:xfrm>
-            <a:off x="3953400" y="5656403"/>
-            <a:ext cx="438642" cy="707886"/>
-          </a:xfrm>
-          <a:prstGeom prst="rect">
-            <a:avLst/>
-          </a:prstGeom>
-          <a:noFill/>
-        </p:spPr>
-        <p:txBody>
-          <a:bodyPr wrap="none" rtlCol="0">
-            <a:spAutoFit/>
-          </a:bodyPr>
-          <a:lstStyle/>
-          <a:p>
-            <a:r>
-              <a:rPr lang="en-US" sz="4000" b="1" dirty="0" smtClean="0">
-                <a:solidFill>
-                  <a:srgbClr val="660066"/>
-                </a:solidFill>
-              </a:rPr>
-              <a:t>T</a:t>
-            </a:r>
-            <a:endParaRPr lang="en-US" sz="4000" b="1" dirty="0">
-              <a:solidFill>
-                <a:srgbClr val="660066"/>
-              </a:solidFill>
-            </a:endParaRPr>
-          </a:p>
-        </p:txBody>
-      </p:sp>
-      <p:sp>
-        <p:nvSpPr>
-          <p:cNvPr id="60" name="TextBox 59"/>
-          <p:cNvSpPr txBox="1"/>
-          <p:nvPr/>
-        </p:nvSpPr>
-        <p:spPr>
-          <a:xfrm>
-            <a:off x="5640682" y="3966404"/>
-            <a:ext cx="570889" cy="707886"/>
-          </a:xfrm>
-          <a:prstGeom prst="rect">
-            <a:avLst/>
-          </a:prstGeom>
-          <a:noFill/>
-        </p:spPr>
-        <p:txBody>
-          <a:bodyPr wrap="none" rtlCol="0">
-            <a:spAutoFit/>
-          </a:bodyPr>
-          <a:lstStyle/>
-          <a:p>
-            <a:r>
-              <a:rPr lang="en-US" sz="4000" b="1" dirty="0" smtClean="0">
+              <a:rPr lang="en-US" sz="3200" b="1" dirty="0" smtClean="0">
                 <a:solidFill>
                   <a:srgbClr val="660066"/>
                 </a:solidFill>
               </a:rPr>
               <a:t>T’</a:t>
             </a:r>
-            <a:endParaRPr lang="en-US" sz="4000" b="1" dirty="0">
+            <a:endParaRPr lang="en-US" sz="3200" b="1" dirty="0">
               <a:solidFill>
                 <a:srgbClr val="660066"/>
               </a:solidFill>
@@ -10775,14 +14072,240 @@
       </p:sp>
       <p:cxnSp>
         <p:nvCxnSpPr>
+          <p:cNvPr id="43" name="Straight Arrow Connector 42"/>
+          <p:cNvCxnSpPr/>
+          <p:nvPr/>
+        </p:nvCxnSpPr>
+        <p:spPr>
+          <a:xfrm flipV="1">
+            <a:off x="394942" y="3057659"/>
+            <a:ext cx="7655026" cy="24774"/>
+          </a:xfrm>
+          <a:prstGeom prst="straightConnector1">
+            <a:avLst/>
+          </a:prstGeom>
+          <a:ln w="76200" cmpd="sng">
+            <a:tailEnd type="arrow"/>
+          </a:ln>
+        </p:spPr>
+        <p:style>
+          <a:lnRef idx="2">
+            <a:schemeClr val="accent1"/>
+          </a:lnRef>
+          <a:fillRef idx="0">
+            <a:schemeClr val="accent1"/>
+          </a:fillRef>
+          <a:effectRef idx="1">
+            <a:schemeClr val="accent1"/>
+          </a:effectRef>
+          <a:fontRef idx="minor">
+            <a:schemeClr val="tx1"/>
+          </a:fontRef>
+        </p:style>
+      </p:cxnSp>
+      <p:sp>
+        <p:nvSpPr>
+          <p:cNvPr id="2" name="TextBox 1"/>
+          <p:cNvSpPr txBox="1"/>
+          <p:nvPr/>
+        </p:nvSpPr>
+        <p:spPr>
+          <a:xfrm>
+            <a:off x="485600" y="4192664"/>
+            <a:ext cx="5471971" cy="584776"/>
+          </a:xfrm>
+          <a:prstGeom prst="rect">
+            <a:avLst/>
+          </a:prstGeom>
+          <a:noFill/>
+        </p:spPr>
+        <p:txBody>
+          <a:bodyPr wrap="none" rtlCol="0">
+            <a:spAutoFit/>
+          </a:bodyPr>
+          <a:lstStyle/>
+          <a:p>
+            <a:r>
+              <a:rPr lang="en-US" sz="3200" b="1" dirty="0" smtClean="0"/>
+              <a:t>A knows C holds no tokens at T</a:t>
+            </a:r>
+            <a:endParaRPr lang="en-US" sz="3200" b="1" dirty="0"/>
+          </a:p>
+        </p:txBody>
+      </p:sp>
+      <p:cxnSp>
+        <p:nvCxnSpPr>
+          <p:cNvPr id="5" name="Straight Arrow Connector 4"/>
+          <p:cNvCxnSpPr/>
+          <p:nvPr/>
+        </p:nvCxnSpPr>
+        <p:spPr>
+          <a:xfrm flipV="1">
+            <a:off x="3362345" y="3395544"/>
+            <a:ext cx="0" cy="797120"/>
+          </a:xfrm>
+          <a:prstGeom prst="straightConnector1">
+            <a:avLst/>
+          </a:prstGeom>
+          <a:ln>
+            <a:tailEnd type="arrow"/>
+          </a:ln>
+        </p:spPr>
+        <p:style>
+          <a:lnRef idx="2">
+            <a:schemeClr val="accent1"/>
+          </a:lnRef>
+          <a:fillRef idx="0">
+            <a:schemeClr val="accent1"/>
+          </a:fillRef>
+          <a:effectRef idx="1">
+            <a:schemeClr val="accent1"/>
+          </a:effectRef>
+          <a:fontRef idx="minor">
+            <a:schemeClr val="tx1"/>
+          </a:fontRef>
+        </p:style>
+      </p:cxnSp>
+      <p:sp>
+        <p:nvSpPr>
+          <p:cNvPr id="47" name="TextBox 46"/>
+          <p:cNvSpPr txBox="1"/>
+          <p:nvPr/>
+        </p:nvSpPr>
+        <p:spPr>
+          <a:xfrm>
+            <a:off x="4721638" y="5065804"/>
+            <a:ext cx="3624309" cy="584776"/>
+          </a:xfrm>
+          <a:prstGeom prst="rect">
+            <a:avLst/>
+          </a:prstGeom>
+          <a:noFill/>
+        </p:spPr>
+        <p:txBody>
+          <a:bodyPr wrap="none" rtlCol="0">
+            <a:spAutoFit/>
+          </a:bodyPr>
+          <a:lstStyle/>
+          <a:p>
+            <a:r>
+              <a:rPr lang="en-US" sz="3200" b="1" dirty="0" smtClean="0"/>
+              <a:t>C holds a token at T’</a:t>
+            </a:r>
+            <a:endParaRPr lang="en-US" sz="3200" b="1" dirty="0"/>
+          </a:p>
+        </p:txBody>
+      </p:sp>
+      <p:cxnSp>
+        <p:nvCxnSpPr>
+          <p:cNvPr id="8" name="Straight Arrow Connector 7"/>
+          <p:cNvCxnSpPr/>
+          <p:nvPr/>
+        </p:nvCxnSpPr>
+        <p:spPr>
+          <a:xfrm flipH="1" flipV="1">
+            <a:off x="6444923" y="3395544"/>
+            <a:ext cx="88871" cy="1642397"/>
+          </a:xfrm>
+          <a:prstGeom prst="straightConnector1">
+            <a:avLst/>
+          </a:prstGeom>
+          <a:ln>
+            <a:tailEnd type="arrow"/>
+          </a:ln>
+        </p:spPr>
+        <p:style>
+          <a:lnRef idx="2">
+            <a:schemeClr val="accent1"/>
+          </a:lnRef>
+          <a:fillRef idx="0">
+            <a:schemeClr val="accent1"/>
+          </a:fillRef>
+          <a:effectRef idx="1">
+            <a:schemeClr val="accent1"/>
+          </a:effectRef>
+          <a:fontRef idx="minor">
+            <a:schemeClr val="tx1"/>
+          </a:fontRef>
+        </p:style>
+      </p:cxnSp>
+      <p:sp>
+        <p:nvSpPr>
+          <p:cNvPr id="50" name="TextBox 49"/>
+          <p:cNvSpPr txBox="1"/>
+          <p:nvPr/>
+        </p:nvSpPr>
+        <p:spPr>
+          <a:xfrm>
+            <a:off x="286134" y="5918339"/>
+            <a:ext cx="8533631" cy="646331"/>
+          </a:xfrm>
+          <a:prstGeom prst="rect">
+            <a:avLst/>
+          </a:prstGeom>
+          <a:solidFill>
+            <a:srgbClr val="FFFF00"/>
+          </a:solidFill>
+        </p:spPr>
+        <p:txBody>
+          <a:bodyPr wrap="none" rtlCol="0">
+            <a:spAutoFit/>
+          </a:bodyPr>
+          <a:lstStyle/>
+          <a:p>
+            <a:r>
+              <a:rPr lang="en-US" sz="3600" b="1" dirty="0" smtClean="0"/>
+              <a:t>There must be a path from A at T to C at T’?</a:t>
+            </a:r>
+            <a:endParaRPr lang="en-US" sz="3600" b="1" dirty="0"/>
+          </a:p>
+        </p:txBody>
+      </p:sp>
+      <p:cxnSp>
+        <p:nvCxnSpPr>
+          <p:cNvPr id="52" name="Straight Connector 51"/>
+          <p:cNvCxnSpPr/>
+          <p:nvPr/>
+        </p:nvCxnSpPr>
+        <p:spPr>
+          <a:xfrm flipH="1">
+            <a:off x="6444923" y="409075"/>
+            <a:ext cx="6293" cy="2986469"/>
+          </a:xfrm>
+          <a:prstGeom prst="line">
+            <a:avLst/>
+          </a:prstGeom>
+          <a:ln w="76200" cmpd="sng">
+            <a:solidFill>
+              <a:srgbClr val="660066"/>
+            </a:solidFill>
+          </a:ln>
+        </p:spPr>
+        <p:style>
+          <a:lnRef idx="2">
+            <a:schemeClr val="accent1"/>
+          </a:lnRef>
+          <a:fillRef idx="0">
+            <a:schemeClr val="accent1"/>
+          </a:fillRef>
+          <a:effectRef idx="1">
+            <a:schemeClr val="accent1"/>
+          </a:effectRef>
+          <a:fontRef idx="minor">
+            <a:schemeClr val="tx1"/>
+          </a:fontRef>
+        </p:style>
+      </p:cxnSp>
+      <p:cxnSp>
+        <p:nvCxnSpPr>
           <p:cNvPr id="7" name="Straight Arrow Connector 6"/>
           <p:cNvCxnSpPr/>
           <p:nvPr/>
         </p:nvCxnSpPr>
         <p:spPr>
           <a:xfrm>
-            <a:off x="5469500" y="1018625"/>
-            <a:ext cx="1137399" cy="982113"/>
+            <a:off x="4217988" y="1018625"/>
+            <a:ext cx="503650" cy="982113"/>
           </a:xfrm>
           <a:prstGeom prst="straightConnector1">
             <a:avLst/>
@@ -10811,14 +14334,14 @@
       </p:cxnSp>
       <p:cxnSp>
         <p:nvCxnSpPr>
-          <p:cNvPr id="29" name="Straight Arrow Connector 28"/>
+          <p:cNvPr id="19" name="Straight Arrow Connector 18"/>
           <p:cNvCxnSpPr/>
           <p:nvPr/>
         </p:nvCxnSpPr>
         <p:spPr>
           <a:xfrm>
-            <a:off x="5621900" y="4610752"/>
-            <a:ext cx="1137399" cy="982113"/>
+            <a:off x="5215695" y="2000738"/>
+            <a:ext cx="741876" cy="1084784"/>
           </a:xfrm>
           <a:prstGeom prst="straightConnector1">
             <a:avLst/>
@@ -10845,137 +14368,118 @@
           </a:fontRef>
         </p:style>
       </p:cxnSp>
-      <p:sp>
-        <p:nvSpPr>
-          <p:cNvPr id="9" name="Freeform 8"/>
-          <p:cNvSpPr/>
-          <p:nvPr/>
-        </p:nvSpPr>
-        <p:spPr>
-          <a:xfrm>
-            <a:off x="5981625" y="4630046"/>
-            <a:ext cx="1422700" cy="1638955"/>
-          </a:xfrm>
-          <a:custGeom>
-            <a:avLst/>
-            <a:gdLst>
-              <a:gd name="connsiteX0" fmla="*/ 0 w 1422700"/>
-              <a:gd name="connsiteY0" fmla="*/ 0 h 1638955"/>
-              <a:gd name="connsiteX1" fmla="*/ 1372497 w 1422700"/>
-              <a:gd name="connsiteY1" fmla="*/ 1167755 h 1638955"/>
-              <a:gd name="connsiteX2" fmla="*/ 1147161 w 1422700"/>
-              <a:gd name="connsiteY2" fmla="*/ 1638955 h 1638955"/>
-              <a:gd name="connsiteX3" fmla="*/ 1147161 w 1422700"/>
-              <a:gd name="connsiteY3" fmla="*/ 1638955 h 1638955"/>
-            </a:gdLst>
-            <a:ahLst/>
-            <a:cxnLst>
-              <a:cxn ang="0">
-                <a:pos x="connsiteX0" y="connsiteY0"/>
-              </a:cxn>
-              <a:cxn ang="0">
-                <a:pos x="connsiteX1" y="connsiteY1"/>
-              </a:cxn>
-              <a:cxn ang="0">
-                <a:pos x="connsiteX2" y="connsiteY2"/>
-              </a:cxn>
-              <a:cxn ang="0">
-                <a:pos x="connsiteX3" y="connsiteY3"/>
-              </a:cxn>
-            </a:cxnLst>
-            <a:rect l="l" t="t" r="r" b="b"/>
-            <a:pathLst>
-              <a:path w="1422700" h="1638955">
-                <a:moveTo>
-                  <a:pt x="0" y="0"/>
-                </a:moveTo>
-                <a:cubicBezTo>
-                  <a:pt x="590652" y="447298"/>
-                  <a:pt x="1181304" y="894596"/>
-                  <a:pt x="1372497" y="1167755"/>
-                </a:cubicBezTo>
-                <a:cubicBezTo>
-                  <a:pt x="1563691" y="1440914"/>
-                  <a:pt x="1147161" y="1638955"/>
-                  <a:pt x="1147161" y="1638955"/>
-                </a:cubicBezTo>
-                <a:lnTo>
-                  <a:pt x="1147161" y="1638955"/>
-                </a:lnTo>
-              </a:path>
-            </a:pathLst>
-          </a:custGeom>
+      <p:cxnSp>
+        <p:nvCxnSpPr>
+          <p:cNvPr id="11" name="Straight Arrow Connector 10"/>
+          <p:cNvCxnSpPr/>
+          <p:nvPr/>
+        </p:nvCxnSpPr>
+        <p:spPr>
+          <a:xfrm>
+            <a:off x="3368639" y="993851"/>
+            <a:ext cx="849349" cy="0"/>
+          </a:xfrm>
+          <a:prstGeom prst="straightConnector1">
+            <a:avLst/>
+          </a:prstGeom>
           <a:ln w="76200" cmpd="sng">
             <a:solidFill>
-              <a:srgbClr val="800000"/>
+              <a:srgbClr val="FF0000"/>
             </a:solidFill>
-          </a:ln>
-        </p:spPr>
-        <p:style>
-          <a:lnRef idx="2">
-            <a:schemeClr val="accent1"/>
-          </a:lnRef>
-          <a:fillRef idx="0">
-            <a:schemeClr val="accent1"/>
-          </a:fillRef>
-          <a:effectRef idx="1">
-            <a:schemeClr val="accent1"/>
-          </a:effectRef>
-          <a:fontRef idx="minor">
-            <a:schemeClr val="tx1"/>
-          </a:fontRef>
-        </p:style>
-        <p:txBody>
-          <a:bodyPr rtlCol="0" anchor="ctr"/>
-          <a:lstStyle/>
-          <a:p>
-            <a:pPr algn="ctr"/>
-            <a:endParaRPr lang="en-US"/>
-          </a:p>
-        </p:txBody>
-      </p:sp>
-      <p:sp>
-        <p:nvSpPr>
-          <p:cNvPr id="30" name="TextBox 29"/>
-          <p:cNvSpPr txBox="1"/>
-          <p:nvPr/>
-        </p:nvSpPr>
-        <p:spPr>
-          <a:xfrm>
-            <a:off x="231061" y="3479964"/>
-            <a:ext cx="8007521" cy="584776"/>
-          </a:xfrm>
-          <a:prstGeom prst="rect">
-            <a:avLst/>
-          </a:prstGeom>
-          <a:noFill/>
-        </p:spPr>
-        <p:txBody>
-          <a:bodyPr wrap="none" rtlCol="0">
-            <a:spAutoFit/>
-          </a:bodyPr>
-          <a:lstStyle/>
-          <a:p>
-            <a:r>
-              <a:rPr lang="en-US" sz="3200" b="1" dirty="0" smtClean="0">
-                <a:solidFill>
-                  <a:srgbClr val="660066"/>
-                </a:solidFill>
-              </a:rPr>
-              <a:t>A does NOT know whether B holds token at T’</a:t>
-            </a:r>
-            <a:endParaRPr lang="en-US" sz="3200" b="1" dirty="0">
-              <a:solidFill>
-                <a:srgbClr val="660066"/>
-              </a:solidFill>
-            </a:endParaRPr>
-          </a:p>
-        </p:txBody>
-      </p:sp>
+            <a:tailEnd type="arrow"/>
+          </a:ln>
+        </p:spPr>
+        <p:style>
+          <a:lnRef idx="2">
+            <a:schemeClr val="accent1"/>
+          </a:lnRef>
+          <a:fillRef idx="0">
+            <a:schemeClr val="accent1"/>
+          </a:fillRef>
+          <a:effectRef idx="1">
+            <a:schemeClr val="accent1"/>
+          </a:effectRef>
+          <a:fontRef idx="minor">
+            <a:schemeClr val="tx1"/>
+          </a:fontRef>
+        </p:style>
+      </p:cxnSp>
+      <p:cxnSp>
+        <p:nvCxnSpPr>
+          <p:cNvPr id="24" name="Straight Arrow Connector 23"/>
+          <p:cNvCxnSpPr/>
+          <p:nvPr/>
+        </p:nvCxnSpPr>
+        <p:spPr>
+          <a:xfrm>
+            <a:off x="5957571" y="3029964"/>
+            <a:ext cx="576223" cy="27695"/>
+          </a:xfrm>
+          <a:prstGeom prst="straightConnector1">
+            <a:avLst/>
+          </a:prstGeom>
+          <a:ln w="76200" cmpd="sng">
+            <a:solidFill>
+              <a:srgbClr val="FF0000"/>
+            </a:solidFill>
+            <a:tailEnd type="arrow"/>
+          </a:ln>
+        </p:spPr>
+        <p:style>
+          <a:lnRef idx="2">
+            <a:schemeClr val="accent1"/>
+          </a:lnRef>
+          <a:fillRef idx="0">
+            <a:schemeClr val="accent1"/>
+          </a:fillRef>
+          <a:effectRef idx="1">
+            <a:schemeClr val="accent1"/>
+          </a:effectRef>
+          <a:fontRef idx="minor">
+            <a:schemeClr val="tx1"/>
+          </a:fontRef>
+        </p:style>
+      </p:cxnSp>
+      <p:cxnSp>
+        <p:nvCxnSpPr>
+          <p:cNvPr id="25" name="Straight Arrow Connector 24"/>
+          <p:cNvCxnSpPr/>
+          <p:nvPr/>
+        </p:nvCxnSpPr>
+        <p:spPr>
+          <a:xfrm>
+            <a:off x="4791020" y="2000738"/>
+            <a:ext cx="424675" cy="0"/>
+          </a:xfrm>
+          <a:prstGeom prst="straightConnector1">
+            <a:avLst/>
+          </a:prstGeom>
+          <a:ln w="76200" cmpd="sng">
+            <a:solidFill>
+              <a:srgbClr val="FF0000"/>
+            </a:solidFill>
+            <a:tailEnd type="arrow"/>
+          </a:ln>
+        </p:spPr>
+        <p:style>
+          <a:lnRef idx="2">
+            <a:schemeClr val="accent1"/>
+          </a:lnRef>
+          <a:fillRef idx="0">
+            <a:schemeClr val="accent1"/>
+          </a:fillRef>
+          <a:effectRef idx="1">
+            <a:schemeClr val="accent1"/>
+          </a:effectRef>
+          <a:fontRef idx="minor">
+            <a:schemeClr val="tx1"/>
+          </a:fontRef>
+        </p:style>
+      </p:cxnSp>
     </p:spTree>
     <p:extLst>
       <p:ext uri="{BB962C8B-B14F-4D97-AF65-F5344CB8AC3E}">
-        <p14:creationId xmlns:p14="http://schemas.microsoft.com/office/powerpoint/2010/main" val="2043628608"/>
+        <p14:creationId xmlns:p14="http://schemas.microsoft.com/office/powerpoint/2010/main" val="1844994881"/>
       </p:ext>
     </p:extLst>
   </p:cSld>
